--- a/lecture1/slide.pptx
+++ b/lecture1/slide.pptx
@@ -5,7 +5,7 @@
     <p:sldMasterId id="2147483660" r:id="rId1"/>
   </p:sldMasterIdLst>
   <p:notesMasterIdLst>
-    <p:notesMasterId r:id="rId9"/>
+    <p:notesMasterId r:id="rId10"/>
   </p:notesMasterIdLst>
   <p:sldIdLst>
     <p:sldId id="256" r:id="rId2"/>
@@ -15,6 +15,7 @@
     <p:sldId id="260" r:id="rId6"/>
     <p:sldId id="261" r:id="rId7"/>
     <p:sldId id="262" r:id="rId8"/>
+    <p:sldId id="263" r:id="rId9"/>
   </p:sldIdLst>
   <p:sldSz cx="12192000" cy="6858000"/>
   <p:notesSz cx="6858000" cy="9144000"/>
@@ -203,7 +204,7 @@
           <a:p>
             <a:fld id="{5914E4E1-5E19-D94D-8119-B6E5EB3200CC}" type="datetimeFigureOut">
               <a:rPr kumimoji="1" lang="zh-CN" altLang="en-US" smtClean="0"/>
-              <a:t>2023/9/1</a:t>
+              <a:t>2023/9/24</a:t>
             </a:fld>
             <a:endParaRPr kumimoji="1" lang="zh-CN" altLang="en-US"/>
           </a:p>
@@ -975,7 +976,7 @@
           <a:p>
             <a:fld id="{84C55D5A-E844-714B-B760-C3552F524A44}" type="datetimeFigureOut">
               <a:rPr kumimoji="1" lang="zh-CN" altLang="en-US" smtClean="0"/>
-              <a:t>2023/8/31</a:t>
+              <a:t>2023/9/24</a:t>
             </a:fld>
             <a:endParaRPr kumimoji="1" lang="zh-CN" altLang="en-US"/>
           </a:p>
@@ -1327,7 +1328,7 @@
           <a:p>
             <a:fld id="{84C55D5A-E844-714B-B760-C3552F524A44}" type="datetimeFigureOut">
               <a:rPr kumimoji="1" lang="zh-CN" altLang="en-US" smtClean="0"/>
-              <a:t>2023/8/31</a:t>
+              <a:t>2023/9/24</a:t>
             </a:fld>
             <a:endParaRPr kumimoji="1" lang="zh-CN" altLang="en-US"/>
           </a:p>
@@ -1520,7 +1521,7 @@
           <a:p>
             <a:fld id="{84C55D5A-E844-714B-B760-C3552F524A44}" type="datetimeFigureOut">
               <a:rPr kumimoji="1" lang="zh-CN" altLang="en-US" smtClean="0"/>
-              <a:t>2023/8/31</a:t>
+              <a:t>2023/9/24</a:t>
             </a:fld>
             <a:endParaRPr kumimoji="1" lang="zh-CN" altLang="en-US"/>
           </a:p>
@@ -1774,7 +1775,7 @@
           <a:p>
             <a:fld id="{84C55D5A-E844-714B-B760-C3552F524A44}" type="datetimeFigureOut">
               <a:rPr kumimoji="1" lang="zh-CN" altLang="en-US" smtClean="0"/>
-              <a:t>2023/8/31</a:t>
+              <a:t>2023/9/24</a:t>
             </a:fld>
             <a:endParaRPr kumimoji="1" lang="zh-CN" altLang="en-US"/>
           </a:p>
@@ -1914,7 +1915,7 @@
           <a:p>
             <a:fld id="{84C55D5A-E844-714B-B760-C3552F524A44}" type="datetimeFigureOut">
               <a:rPr kumimoji="1" lang="zh-CN" altLang="en-US" smtClean="0"/>
-              <a:t>2023/8/31</a:t>
+              <a:t>2023/9/24</a:t>
             </a:fld>
             <a:endParaRPr kumimoji="1" lang="zh-CN" altLang="en-US"/>
           </a:p>
@@ -2114,7 +2115,7 @@
           <a:p>
             <a:fld id="{84C55D5A-E844-714B-B760-C3552F524A44}" type="datetimeFigureOut">
               <a:rPr kumimoji="1" lang="zh-CN" altLang="en-US" smtClean="0"/>
-              <a:t>2023/8/31</a:t>
+              <a:t>2023/9/24</a:t>
             </a:fld>
             <a:endParaRPr kumimoji="1" lang="zh-CN" altLang="en-US"/>
           </a:p>
@@ -2491,7 +2492,7 @@
           <a:p>
             <a:fld id="{84C55D5A-E844-714B-B760-C3552F524A44}" type="datetimeFigureOut">
               <a:rPr kumimoji="1" lang="zh-CN" altLang="en-US" smtClean="0"/>
-              <a:t>2023/8/31</a:t>
+              <a:t>2023/9/24</a:t>
             </a:fld>
             <a:endParaRPr kumimoji="1" lang="zh-CN" altLang="en-US"/>
           </a:p>
@@ -2758,7 +2759,7 @@
           <a:p>
             <a:fld id="{84C55D5A-E844-714B-B760-C3552F524A44}" type="datetimeFigureOut">
               <a:rPr kumimoji="1" lang="zh-CN" altLang="en-US" smtClean="0"/>
-              <a:t>2023/8/31</a:t>
+              <a:t>2023/9/24</a:t>
             </a:fld>
             <a:endParaRPr kumimoji="1" lang="zh-CN" altLang="en-US"/>
           </a:p>
@@ -3167,7 +3168,7 @@
           <a:p>
             <a:fld id="{84C55D5A-E844-714B-B760-C3552F524A44}" type="datetimeFigureOut">
               <a:rPr kumimoji="1" lang="zh-CN" altLang="en-US" smtClean="0"/>
-              <a:t>2023/8/31</a:t>
+              <a:t>2023/9/24</a:t>
             </a:fld>
             <a:endParaRPr kumimoji="1" lang="zh-CN" altLang="en-US"/>
           </a:p>
@@ -3315,7 +3316,7 @@
           <a:p>
             <a:fld id="{84C55D5A-E844-714B-B760-C3552F524A44}" type="datetimeFigureOut">
               <a:rPr kumimoji="1" lang="zh-CN" altLang="en-US" smtClean="0"/>
-              <a:t>2023/8/31</a:t>
+              <a:t>2023/9/24</a:t>
             </a:fld>
             <a:endParaRPr kumimoji="1" lang="zh-CN" altLang="en-US"/>
           </a:p>
@@ -3484,7 +3485,7 @@
           <a:p>
             <a:fld id="{84C55D5A-E844-714B-B760-C3552F524A44}" type="datetimeFigureOut">
               <a:rPr kumimoji="1" lang="zh-CN" altLang="en-US" smtClean="0"/>
-              <a:t>2023/8/31</a:t>
+              <a:t>2023/9/24</a:t>
             </a:fld>
             <a:endParaRPr kumimoji="1" lang="zh-CN" altLang="en-US"/>
           </a:p>
@@ -3825,7 +3826,7 @@
           <a:p>
             <a:fld id="{84C55D5A-E844-714B-B760-C3552F524A44}" type="datetimeFigureOut">
               <a:rPr kumimoji="1" lang="zh-CN" altLang="en-US" smtClean="0"/>
-              <a:t>2023/8/31</a:t>
+              <a:t>2023/9/24</a:t>
             </a:fld>
             <a:endParaRPr kumimoji="1" lang="zh-CN" altLang="en-US"/>
           </a:p>
@@ -4123,7 +4124,7 @@
           <a:p>
             <a:fld id="{84C55D5A-E844-714B-B760-C3552F524A44}" type="datetimeFigureOut">
               <a:rPr kumimoji="1" lang="zh-CN" altLang="en-US" smtClean="0"/>
-              <a:t>2023/8/31</a:t>
+              <a:t>2023/9/24</a:t>
             </a:fld>
             <a:endParaRPr kumimoji="1" lang="zh-CN" altLang="en-US"/>
           </a:p>
@@ -5137,7 +5138,15 @@
             </a:r>
             <a:r>
               <a:rPr kumimoji="1" lang="zh-CN" altLang="en-US" dirty="0"/>
-              <a:t> 是比较狭义的 </a:t>
+              <a:t> 是比较狭义的</a:t>
+            </a:r>
+            <a:r>
+              <a:rPr kumimoji="1" lang="en-US" altLang="zh-CN" dirty="0"/>
+              <a:t> linked</a:t>
+            </a:r>
+            <a:r>
+              <a:rPr kumimoji="1" lang="zh-CN" altLang="en-US" dirty="0"/>
+              <a:t> </a:t>
             </a:r>
             <a:r>
               <a:rPr kumimoji="1" lang="en-US" altLang="zh-CN" dirty="0"/>
@@ -5622,6 +5631,158 @@
     <p:extLst>
       <p:ext uri="{BB962C8B-B14F-4D97-AF65-F5344CB8AC3E}">
         <p14:creationId xmlns:p14="http://schemas.microsoft.com/office/powerpoint/2010/main" val="2908837540"/>
+      </p:ext>
+    </p:extLst>
+  </p:cSld>
+  <p:clrMapOvr>
+    <a:masterClrMapping/>
+  </p:clrMapOvr>
+  <mc:AlternateContent xmlns:mc="http://schemas.openxmlformats.org/markup-compatibility/2006" xmlns:p14="http://schemas.microsoft.com/office/powerpoint/2010/main">
+    <mc:Choice Requires="p14">
+      <p:transition spd="med" p14:dur="700">
+        <p:fade/>
+      </p:transition>
+    </mc:Choice>
+    <mc:Fallback xmlns="">
+      <p:transition spd="med">
+        <p:fade/>
+      </p:transition>
+    </mc:Fallback>
+  </mc:AlternateContent>
+</p:sld>
+</file>
+
+<file path=ppt/slides/slide8.xml><?xml version="1.0" encoding="utf-8"?>
+<p:sld xmlns:a="http://schemas.openxmlformats.org/drawingml/2006/main" xmlns:r="http://schemas.openxmlformats.org/officeDocument/2006/relationships" xmlns:p="http://schemas.openxmlformats.org/presentationml/2006/main">
+  <p:cSld>
+    <p:spTree>
+      <p:nvGrpSpPr>
+        <p:cNvPr id="1" name=""/>
+        <p:cNvGrpSpPr/>
+        <p:nvPr/>
+      </p:nvGrpSpPr>
+      <p:grpSpPr>
+        <a:xfrm>
+          <a:off x="0" y="0"/>
+          <a:ext cx="0" cy="0"/>
+          <a:chOff x="0" y="0"/>
+          <a:chExt cx="0" cy="0"/>
+        </a:xfrm>
+      </p:grpSpPr>
+      <p:sp>
+        <p:nvSpPr>
+          <p:cNvPr id="2" name="标题 1">
+            <a:extLst>
+              <a:ext uri="{FF2B5EF4-FFF2-40B4-BE49-F238E27FC236}">
+                <a16:creationId xmlns:a16="http://schemas.microsoft.com/office/drawing/2014/main" id="{577BEA1F-C1D5-5FD1-8CAF-E514B5B1E123}"/>
+              </a:ext>
+            </a:extLst>
+          </p:cNvPr>
+          <p:cNvSpPr>
+            <a:spLocks noGrp="1"/>
+          </p:cNvSpPr>
+          <p:nvPr>
+            <p:ph type="title"/>
+          </p:nvPr>
+        </p:nvSpPr>
+        <p:spPr/>
+        <p:txBody>
+          <a:bodyPr/>
+          <a:lstStyle/>
+          <a:p>
+            <a:r>
+              <a:rPr kumimoji="1" lang="en-US" altLang="zh-CN" dirty="0"/>
+              <a:t>List</a:t>
+            </a:r>
+            <a:endParaRPr kumimoji="1" lang="zh-CN" altLang="en-US" dirty="0"/>
+          </a:p>
+        </p:txBody>
+      </p:sp>
+      <p:sp>
+        <p:nvSpPr>
+          <p:cNvPr id="3" name="内容占位符 2">
+            <a:extLst>
+              <a:ext uri="{FF2B5EF4-FFF2-40B4-BE49-F238E27FC236}">
+                <a16:creationId xmlns:a16="http://schemas.microsoft.com/office/drawing/2014/main" id="{46BD22FB-8594-5870-9AE1-869787F2D9F2}"/>
+              </a:ext>
+            </a:extLst>
+          </p:cNvPr>
+          <p:cNvSpPr>
+            <a:spLocks noGrp="1"/>
+          </p:cNvSpPr>
+          <p:nvPr>
+            <p:ph idx="1"/>
+          </p:nvPr>
+        </p:nvSpPr>
+        <p:spPr/>
+        <p:txBody>
+          <a:bodyPr/>
+          <a:lstStyle/>
+          <a:p>
+            <a:r>
+              <a:rPr kumimoji="1" lang="en-US" altLang="zh-CN" dirty="0"/>
+              <a:t>Lab</a:t>
+            </a:r>
+          </a:p>
+          <a:p>
+            <a:r>
+              <a:rPr kumimoji="1" lang="en-US" altLang="zh-CN" dirty="0"/>
+              <a:t>1.</a:t>
+            </a:r>
+            <a:r>
+              <a:rPr kumimoji="1" lang="zh-CN" altLang="en-US" dirty="0"/>
+              <a:t> 如何从 </a:t>
+            </a:r>
+            <a:r>
+              <a:rPr kumimoji="1" lang="en-US" altLang="zh-CN" dirty="0"/>
+              <a:t>SLList</a:t>
+            </a:r>
+            <a:r>
+              <a:rPr kumimoji="1" lang="zh-CN" altLang="en-US" dirty="0"/>
+              <a:t> 到 </a:t>
+            </a:r>
+            <a:r>
+              <a:rPr kumimoji="1" lang="en-US" altLang="zh-CN" dirty="0"/>
+              <a:t>DLList</a:t>
+            </a:r>
+          </a:p>
+          <a:p>
+            <a:r>
+              <a:rPr kumimoji="1" lang="en-US" altLang="zh-CN" dirty="0"/>
+              <a:t>2.</a:t>
+            </a:r>
+            <a:r>
+              <a:rPr kumimoji="1" lang="zh-CN" altLang="en-US" dirty="0"/>
+              <a:t> 讨论如何改善我们建立的 </a:t>
+            </a:r>
+            <a:r>
+              <a:rPr kumimoji="1" lang="en-US" altLang="zh-CN" dirty="0"/>
+              <a:t>linked</a:t>
+            </a:r>
+            <a:r>
+              <a:rPr kumimoji="1" lang="zh-CN" altLang="en-US" dirty="0"/>
+              <a:t> </a:t>
+            </a:r>
+            <a:r>
+              <a:rPr kumimoji="1" lang="en-US" altLang="zh-CN" dirty="0"/>
+              <a:t>list</a:t>
+            </a:r>
+            <a:r>
+              <a:rPr kumimoji="1" lang="zh-CN" altLang="en-US" dirty="0"/>
+              <a:t> 得到一个 </a:t>
+            </a:r>
+            <a:r>
+              <a:rPr kumimoji="1" lang="en-US" altLang="zh-CN" dirty="0"/>
+              <a:t>queue</a:t>
+            </a:r>
+            <a:endParaRPr kumimoji="1" lang="zh-CN" altLang="en-US" dirty="0"/>
+          </a:p>
+        </p:txBody>
+      </p:sp>
+    </p:spTree>
+    <p:extLst>
+      <p:ext uri="{BB962C8B-B14F-4D97-AF65-F5344CB8AC3E}">
+        <p14:creationId xmlns:p14="http://schemas.microsoft.com/office/powerpoint/2010/main" val="1780358181"/>
       </p:ext>
     </p:extLst>
   </p:cSld>

--- a/lecture1/slide.pptx
+++ b/lecture1/slide.pptx
@@ -2,7 +2,7 @@
 <file path=ppt/presentation.xml><?xml version="1.0" encoding="utf-8"?>
 <p:presentation xmlns:a="http://schemas.openxmlformats.org/drawingml/2006/main" xmlns:r="http://schemas.openxmlformats.org/officeDocument/2006/relationships" xmlns:p="http://schemas.openxmlformats.org/presentationml/2006/main" saveSubsetFonts="1" autoCompressPictures="0">
   <p:sldMasterIdLst>
-    <p:sldMasterId id="2147483660" r:id="rId1"/>
+    <p:sldMasterId id="2147483673" r:id="rId1"/>
   </p:sldMasterIdLst>
   <p:notesMasterIdLst>
     <p:notesMasterId r:id="rId10"/>
@@ -204,7 +204,7 @@
           <a:p>
             <a:fld id="{5914E4E1-5E19-D94D-8119-B6E5EB3200CC}" type="datetimeFigureOut">
               <a:rPr kumimoji="1" lang="zh-CN" altLang="en-US" smtClean="0"/>
-              <a:t>2023/9/24</a:t>
+              <a:t>2023/10/24</a:t>
             </a:fld>
             <a:endParaRPr kumimoji="1" lang="zh-CN" altLang="en-US"/>
           </a:p>
@@ -751,153 +751,101 @@
       </p:grpSpPr>
       <p:sp>
         <p:nvSpPr>
-          <p:cNvPr id="10" name="Rectangle 9">
-            <a:extLst>
-              <a:ext uri="{FF2B5EF4-FFF2-40B4-BE49-F238E27FC236}">
-                <a16:creationId xmlns:a16="http://schemas.microsoft.com/office/drawing/2014/main" id="{39E3965E-AC41-4711-9D10-E25ABB132D86}"/>
-              </a:ext>
-            </a:extLst>
-          </p:cNvPr>
-          <p:cNvSpPr/>
-          <p:nvPr/>
+          <p:cNvPr id="2" name="标题 1">
+            <a:extLst>
+              <a:ext uri="{FF2B5EF4-FFF2-40B4-BE49-F238E27FC236}">
+                <a16:creationId xmlns:a16="http://schemas.microsoft.com/office/drawing/2014/main" id="{7E482FB6-2256-49D5-8A59-FD35D4C68E5E}"/>
+              </a:ext>
+            </a:extLst>
+          </p:cNvPr>
+          <p:cNvSpPr>
+            <a:spLocks noGrp="1"/>
+          </p:cNvSpPr>
+          <p:nvPr>
+            <p:ph type="ctrTitle"/>
+          </p:nvPr>
         </p:nvSpPr>
         <p:spPr>
           <a:xfrm>
-            <a:off x="3175" y="6400800"/>
-            <a:ext cx="12188825" cy="457200"/>
+            <a:off x="1524000" y="1122363"/>
+            <a:ext cx="9144000" cy="2387600"/>
           </a:xfrm>
-          <a:prstGeom prst="rect">
-            <a:avLst/>
-          </a:prstGeom>
-          <a:solidFill>
-            <a:srgbClr val="262626"/>
-          </a:solidFill>
-          <a:ln>
-            <a:noFill/>
-          </a:ln>
         </p:spPr>
-        <p:style>
-          <a:lnRef idx="2">
-            <a:schemeClr val="accent1">
-              <a:shade val="50000"/>
-            </a:schemeClr>
-          </a:lnRef>
-          <a:fillRef idx="1">
-            <a:schemeClr val="accent1"/>
-          </a:fillRef>
-          <a:effectRef idx="0">
-            <a:schemeClr val="accent1"/>
-          </a:effectRef>
-          <a:fontRef idx="minor">
-            <a:schemeClr val="lt1"/>
-          </a:fontRef>
-        </p:style>
-      </p:sp>
-      <p:sp>
-        <p:nvSpPr>
-          <p:cNvPr id="2" name="Title 1"/>
-          <p:cNvSpPr>
-            <a:spLocks noGrp="1"/>
-          </p:cNvSpPr>
-          <p:nvPr>
-            <p:ph type="ctrTitle"/>
+        <p:txBody>
+          <a:bodyPr anchor="b"/>
+          <a:lstStyle>
+            <a:lvl1pPr algn="ctr">
+              <a:defRPr sz="6000"/>
+            </a:lvl1pPr>
+          </a:lstStyle>
+          <a:p>
+            <a:r>
+              <a:rPr lang="zh-CN" altLang="en-US"/>
+              <a:t>单击此处编辑母版标题样式</a:t>
+            </a:r>
+          </a:p>
+        </p:txBody>
+      </p:sp>
+      <p:sp>
+        <p:nvSpPr>
+          <p:cNvPr id="3" name="副标题 2">
+            <a:extLst>
+              <a:ext uri="{FF2B5EF4-FFF2-40B4-BE49-F238E27FC236}">
+                <a16:creationId xmlns:a16="http://schemas.microsoft.com/office/drawing/2014/main" id="{D6DD4AB6-E122-45DD-80DC-5B498207EE61}"/>
+              </a:ext>
+            </a:extLst>
+          </p:cNvPr>
+          <p:cNvSpPr>
+            <a:spLocks noGrp="1"/>
+          </p:cNvSpPr>
+          <p:nvPr>
+            <p:ph type="subTitle" idx="1"/>
           </p:nvPr>
         </p:nvSpPr>
         <p:spPr>
           <a:xfrm>
-            <a:off x="1097280" y="758952"/>
-            <a:ext cx="10058400" cy="3566160"/>
+            <a:off x="1524000" y="3602038"/>
+            <a:ext cx="9144000" cy="1655762"/>
           </a:xfrm>
         </p:spPr>
         <p:txBody>
-          <a:bodyPr anchor="b">
-            <a:normAutofit/>
-          </a:bodyPr>
+          <a:bodyPr/>
           <a:lstStyle>
-            <a:lvl1pPr algn="l">
-              <a:lnSpc>
-                <a:spcPct val="90000"/>
-              </a:lnSpc>
-              <a:defRPr sz="8000" spc="-50" baseline="0">
-                <a:solidFill>
-                  <a:schemeClr val="tx1">
-                    <a:lumMod val="85000"/>
-                    <a:lumOff val="15000"/>
-                  </a:schemeClr>
-                </a:solidFill>
-              </a:defRPr>
-            </a:lvl1pPr>
-          </a:lstStyle>
-          <a:p>
-            <a:r>
-              <a:rPr lang="zh-CN" altLang="en-US"/>
-              <a:t>单击此处编辑母版标题样式</a:t>
-            </a:r>
-            <a:endParaRPr lang="en-US"/>
-          </a:p>
-        </p:txBody>
-      </p:sp>
-      <p:sp>
-        <p:nvSpPr>
-          <p:cNvPr id="3" name="Subtitle 2"/>
-          <p:cNvSpPr>
-            <a:spLocks noGrp="1"/>
-          </p:cNvSpPr>
-          <p:nvPr>
-            <p:ph type="subTitle" idx="1"/>
-          </p:nvPr>
-        </p:nvSpPr>
-        <p:spPr>
-          <a:xfrm>
-            <a:off x="1100051" y="4645152"/>
-            <a:ext cx="10058400" cy="1143000"/>
-          </a:xfrm>
-        </p:spPr>
-        <p:txBody>
-          <a:bodyPr lIns="91440" rIns="91440">
-            <a:normAutofit/>
-          </a:bodyPr>
-          <a:lstStyle>
-            <a:lvl1pPr marL="0" indent="0" algn="l">
-              <a:buNone/>
-              <a:defRPr sz="2400" cap="all" spc="200" baseline="0">
-                <a:solidFill>
-                  <a:schemeClr val="tx1"/>
-                </a:solidFill>
-                <a:latin typeface="+mn-lt"/>
-              </a:defRPr>
+            <a:lvl1pPr marL="0" indent="0" algn="ctr">
+              <a:buNone/>
+              <a:defRPr sz="2400"/>
             </a:lvl1pPr>
             <a:lvl2pPr marL="457200" indent="0" algn="ctr">
               <a:buNone/>
-              <a:defRPr sz="2400"/>
+              <a:defRPr sz="2000"/>
             </a:lvl2pPr>
             <a:lvl3pPr marL="914400" indent="0" algn="ctr">
               <a:buNone/>
-              <a:defRPr sz="2400"/>
+              <a:defRPr sz="1800"/>
             </a:lvl3pPr>
             <a:lvl4pPr marL="1371600" indent="0" algn="ctr">
               <a:buNone/>
-              <a:defRPr sz="2000"/>
+              <a:defRPr sz="1600"/>
             </a:lvl4pPr>
             <a:lvl5pPr marL="1828800" indent="0" algn="ctr">
               <a:buNone/>
-              <a:defRPr sz="2000"/>
+              <a:defRPr sz="1600"/>
             </a:lvl5pPr>
             <a:lvl6pPr marL="2286000" indent="0" algn="ctr">
               <a:buNone/>
-              <a:defRPr sz="2000"/>
+              <a:defRPr sz="1600"/>
             </a:lvl6pPr>
             <a:lvl7pPr marL="2743200" indent="0" algn="ctr">
               <a:buNone/>
-              <a:defRPr sz="2000"/>
+              <a:defRPr sz="1600"/>
             </a:lvl7pPr>
             <a:lvl8pPr marL="3200400" indent="0" algn="ctr">
               <a:buNone/>
-              <a:defRPr sz="2000"/>
+              <a:defRPr sz="1600"/>
             </a:lvl8pPr>
             <a:lvl9pPr marL="3657600" indent="0" algn="ctr">
               <a:buNone/>
-              <a:defRPr sz="2000"/>
+              <a:defRPr sz="1600"/>
             </a:lvl9pPr>
           </a:lstStyle>
           <a:p>
@@ -905,60 +853,15 @@
               <a:rPr lang="zh-CN" altLang="en-US"/>
               <a:t>单击此处编辑母版副标题样式</a:t>
             </a:r>
-            <a:endParaRPr lang="en-US"/>
-          </a:p>
-        </p:txBody>
-      </p:sp>
-      <p:cxnSp>
-        <p:nvCxnSpPr>
-          <p:cNvPr id="9" name="Straight Connector 8">
-            <a:extLst>
-              <a:ext uri="{FF2B5EF4-FFF2-40B4-BE49-F238E27FC236}">
-                <a16:creationId xmlns:a16="http://schemas.microsoft.com/office/drawing/2014/main" id="{1F5DC8C3-BA5F-4EED-BB9A-A14272BD82A1}"/>
-              </a:ext>
-            </a:extLst>
-          </p:cNvPr>
-          <p:cNvCxnSpPr/>
-          <p:nvPr/>
-        </p:nvCxnSpPr>
-        <p:spPr>
-          <a:xfrm>
-            <a:off x="1207658" y="4474741"/>
-            <a:ext cx="9875520" cy="0"/>
-          </a:xfrm>
-          <a:prstGeom prst="line">
-            <a:avLst/>
-          </a:prstGeom>
-          <a:ln w="12700">
-            <a:solidFill>
-              <a:schemeClr val="tx1">
-                <a:lumMod val="75000"/>
-                <a:lumOff val="25000"/>
-              </a:schemeClr>
-            </a:solidFill>
-          </a:ln>
-        </p:spPr>
-        <p:style>
-          <a:lnRef idx="1">
-            <a:schemeClr val="accent1"/>
-          </a:lnRef>
-          <a:fillRef idx="0">
-            <a:schemeClr val="accent1"/>
-          </a:fillRef>
-          <a:effectRef idx="0">
-            <a:schemeClr val="accent1"/>
-          </a:effectRef>
-          <a:fontRef idx="minor">
-            <a:schemeClr val="tx1"/>
-          </a:fontRef>
-        </p:style>
-      </p:cxnSp>
-      <p:sp>
-        <p:nvSpPr>
-          <p:cNvPr id="4" name="Date Placeholder 3">
-            <a:extLst>
-              <a:ext uri="{FF2B5EF4-FFF2-40B4-BE49-F238E27FC236}">
-                <a16:creationId xmlns:a16="http://schemas.microsoft.com/office/drawing/2014/main" id="{9925CCF1-92C0-4AF3-BFAF-4921631915AB}"/>
+          </a:p>
+        </p:txBody>
+      </p:sp>
+      <p:sp>
+        <p:nvSpPr>
+          <p:cNvPr id="4" name="日期占位符 3">
+            <a:extLst>
+              <a:ext uri="{FF2B5EF4-FFF2-40B4-BE49-F238E27FC236}">
+                <a16:creationId xmlns:a16="http://schemas.microsoft.com/office/drawing/2014/main" id="{F4A961B9-FBA0-4E48-BCEF-1AD814A52A5A}"/>
               </a:ext>
             </a:extLst>
           </p:cNvPr>
@@ -976,7 +879,7 @@
           <a:p>
             <a:fld id="{84C55D5A-E844-714B-B760-C3552F524A44}" type="datetimeFigureOut">
               <a:rPr kumimoji="1" lang="zh-CN" altLang="en-US" smtClean="0"/>
-              <a:t>2023/9/24</a:t>
+              <a:t>2023/10/24</a:t>
             </a:fld>
             <a:endParaRPr kumimoji="1" lang="zh-CN" altLang="en-US"/>
           </a:p>
@@ -984,10 +887,10 @@
       </p:sp>
       <p:sp>
         <p:nvSpPr>
-          <p:cNvPr id="5" name="Footer Placeholder 4">
-            <a:extLst>
-              <a:ext uri="{FF2B5EF4-FFF2-40B4-BE49-F238E27FC236}">
-                <a16:creationId xmlns:a16="http://schemas.microsoft.com/office/drawing/2014/main" id="{051A78A9-3DFF-4937-A9F2-5D8CF495F367}"/>
+          <p:cNvPr id="5" name="页脚占位符 4">
+            <a:extLst>
+              <a:ext uri="{FF2B5EF4-FFF2-40B4-BE49-F238E27FC236}">
+                <a16:creationId xmlns:a16="http://schemas.microsoft.com/office/drawing/2014/main" id="{2E2481C9-603C-4A6F-8C0E-4BCD14833F09}"/>
               </a:ext>
             </a:extLst>
           </p:cNvPr>
@@ -1009,10 +912,10 @@
       </p:sp>
       <p:sp>
         <p:nvSpPr>
-          <p:cNvPr id="6" name="Slide Number Placeholder 5">
-            <a:extLst>
-              <a:ext uri="{FF2B5EF4-FFF2-40B4-BE49-F238E27FC236}">
-                <a16:creationId xmlns:a16="http://schemas.microsoft.com/office/drawing/2014/main" id="{5FAEB271-5CC0-4759-BC6E-8BE53AB227C0}"/>
+          <p:cNvPr id="6" name="灯片编号占位符 5">
+            <a:extLst>
+              <a:ext uri="{FF2B5EF4-FFF2-40B4-BE49-F238E27FC236}">
+                <a16:creationId xmlns:a16="http://schemas.microsoft.com/office/drawing/2014/main" id="{D2A59854-E4D9-457C-844B-FCBD2970B182}"/>
               </a:ext>
             </a:extLst>
           </p:cNvPr>
@@ -1039,7 +942,7 @@
     </p:spTree>
     <p:extLst>
       <p:ext uri="{BB962C8B-B14F-4D97-AF65-F5344CB8AC3E}">
-        <p14:creationId xmlns:p14="http://schemas.microsoft.com/office/powerpoint/2010/main" val="4103580095"/>
+        <p14:creationId xmlns:p14="http://schemas.microsoft.com/office/powerpoint/2010/main" val="561988201"/>
       </p:ext>
     </p:extLst>
   </p:cSld>
@@ -1062,8 +965,8 @@
 </file>
 
 <file path=ppt/slideLayouts/slideLayout10.xml><?xml version="1.0" encoding="utf-8"?>
-<p:sldLayout xmlns:a="http://schemas.openxmlformats.org/drawingml/2006/main" xmlns:r="http://schemas.openxmlformats.org/officeDocument/2006/relationships" xmlns:p="http://schemas.openxmlformats.org/presentationml/2006/main" type="picTx" preserve="1">
-  <p:cSld name="图片与标题">
+<p:sldLayout xmlns:a="http://schemas.openxmlformats.org/drawingml/2006/main" xmlns:r="http://schemas.openxmlformats.org/officeDocument/2006/relationships" xmlns:p="http://schemas.openxmlformats.org/presentationml/2006/main" type="vertTx" preserve="1">
+  <p:cSld name="标题和竖排文字">
     <p:spTree>
       <p:nvGrpSpPr>
         <p:cNvPr id="1" name=""/>
@@ -1080,121 +983,13 @@
       </p:grpSpPr>
       <p:sp>
         <p:nvSpPr>
-          <p:cNvPr id="8" name="Rectangle 7">
-            <a:extLst>
-              <a:ext uri="{FF2B5EF4-FFF2-40B4-BE49-F238E27FC236}">
-                <a16:creationId xmlns:a16="http://schemas.microsoft.com/office/drawing/2014/main" id="{DA134939-39C0-4522-A125-A13DFDA66490}"/>
-              </a:ext>
-            </a:extLst>
-          </p:cNvPr>
-          <p:cNvSpPr/>
-          <p:nvPr/>
-        </p:nvSpPr>
-        <p:spPr>
-          <a:xfrm>
-            <a:off x="0" y="4578350"/>
-            <a:ext cx="12188825" cy="2279650"/>
-          </a:xfrm>
-          <a:prstGeom prst="rect">
-            <a:avLst/>
-          </a:prstGeom>
-          <a:solidFill>
-            <a:srgbClr val="262626"/>
-          </a:solidFill>
-          <a:ln>
-            <a:noFill/>
-          </a:ln>
-        </p:spPr>
-        <p:style>
-          <a:lnRef idx="2">
-            <a:schemeClr val="accent1">
-              <a:shade val="50000"/>
-            </a:schemeClr>
-          </a:lnRef>
-          <a:fillRef idx="1">
-            <a:schemeClr val="accent1"/>
-          </a:fillRef>
-          <a:effectRef idx="0">
-            <a:schemeClr val="accent1"/>
-          </a:effectRef>
-          <a:fontRef idx="minor">
-            <a:schemeClr val="lt1"/>
-          </a:fontRef>
-        </p:style>
-      </p:sp>
-      <p:sp>
-        <p:nvSpPr>
-          <p:cNvPr id="3" name="Picture Placeholder 2"/>
-          <p:cNvSpPr>
-            <a:spLocks noGrp="1" noChangeAspect="1"/>
-          </p:cNvSpPr>
-          <p:nvPr>
-            <p:ph type="pic" idx="1"/>
-          </p:nvPr>
-        </p:nvSpPr>
-        <p:spPr>
-          <a:xfrm>
-            <a:off x="15" y="0"/>
-            <a:ext cx="12191985" cy="4578350"/>
-          </a:xfrm>
-          <a:solidFill>
-            <a:schemeClr val="bg1">
-              <a:lumMod val="85000"/>
-            </a:schemeClr>
-          </a:solidFill>
-        </p:spPr>
-        <p:txBody>
-          <a:bodyPr lIns="457200" tIns="457200" anchor="t"/>
-          <a:lstStyle>
-            <a:lvl1pPr marL="0" indent="0">
-              <a:buNone/>
-              <a:defRPr sz="3200"/>
-            </a:lvl1pPr>
-            <a:lvl2pPr marL="457200" indent="0">
-              <a:buNone/>
-              <a:defRPr sz="2800"/>
-            </a:lvl2pPr>
-            <a:lvl3pPr marL="914400" indent="0">
-              <a:buNone/>
-              <a:defRPr sz="2400"/>
-            </a:lvl3pPr>
-            <a:lvl4pPr marL="1371600" indent="0">
-              <a:buNone/>
-              <a:defRPr sz="2000"/>
-            </a:lvl4pPr>
-            <a:lvl5pPr marL="1828800" indent="0">
-              <a:buNone/>
-              <a:defRPr sz="2000"/>
-            </a:lvl5pPr>
-            <a:lvl6pPr marL="2286000" indent="0">
-              <a:buNone/>
-              <a:defRPr sz="2000"/>
-            </a:lvl6pPr>
-            <a:lvl7pPr marL="2743200" indent="0">
-              <a:buNone/>
-              <a:defRPr sz="2000"/>
-            </a:lvl7pPr>
-            <a:lvl8pPr marL="3200400" indent="0">
-              <a:buNone/>
-              <a:defRPr sz="2000"/>
-            </a:lvl8pPr>
-            <a:lvl9pPr marL="3657600" indent="0">
-              <a:buNone/>
-              <a:defRPr sz="2000"/>
-            </a:lvl9pPr>
-          </a:lstStyle>
-          <a:p>
-            <a:r>
-              <a:rPr lang="zh-CN" altLang="en-US"/>
-              <a:t>单击图标添加图片</a:t>
-            </a:r>
-            <a:endParaRPr lang="en-US"/>
-          </a:p>
-        </p:txBody>
-      </p:sp>
-      <p:sp>
-        <p:nvSpPr>
-          <p:cNvPr id="2" name="Title 1"/>
+          <p:cNvPr id="2" name="标题 1">
+            <a:extLst>
+              <a:ext uri="{FF2B5EF4-FFF2-40B4-BE49-F238E27FC236}">
+                <a16:creationId xmlns:a16="http://schemas.microsoft.com/office/drawing/2014/main" id="{66025FC3-490E-4B73-BAAA-BF8AA28E3668}"/>
+              </a:ext>
+            </a:extLst>
+          </p:cNvPr>
           <p:cNvSpPr>
             <a:spLocks noGrp="1"/>
           </p:cNvSpPr>
@@ -1202,102 +997,38 @@
             <p:ph type="title"/>
           </p:nvPr>
         </p:nvSpPr>
-        <p:spPr>
-          <a:xfrm>
-            <a:off x="1097279" y="4799362"/>
-            <a:ext cx="10113645" cy="743682"/>
-          </a:xfrm>
-        </p:spPr>
-        <p:txBody>
-          <a:bodyPr tIns="0" bIns="0" anchor="b">
-            <a:noAutofit/>
-          </a:bodyPr>
-          <a:lstStyle>
-            <a:lvl1pPr>
-              <a:defRPr sz="3600" b="0">
-                <a:solidFill>
-                  <a:srgbClr val="FFFFFF"/>
-                </a:solidFill>
-              </a:defRPr>
-            </a:lvl1pPr>
-          </a:lstStyle>
+        <p:spPr/>
+        <p:txBody>
+          <a:bodyPr/>
+          <a:lstStyle/>
           <a:p>
             <a:r>
               <a:rPr lang="zh-CN" altLang="en-US"/>
               <a:t>单击此处编辑母版标题样式</a:t>
             </a:r>
-            <a:endParaRPr lang="en-US"/>
-          </a:p>
-        </p:txBody>
-      </p:sp>
-      <p:sp>
-        <p:nvSpPr>
-          <p:cNvPr id="4" name="Text Placeholder 3"/>
-          <p:cNvSpPr>
-            <a:spLocks noGrp="1"/>
-          </p:cNvSpPr>
-          <p:nvPr>
-            <p:ph type="body" sz="half" idx="2"/>
-          </p:nvPr>
-        </p:nvSpPr>
-        <p:spPr>
-          <a:xfrm>
-            <a:off x="1097279" y="5715000"/>
-            <a:ext cx="10113264" cy="609600"/>
-          </a:xfrm>
-        </p:spPr>
-        <p:txBody>
-          <a:bodyPr lIns="91440" tIns="0" rIns="91440" bIns="0">
-            <a:normAutofit/>
-          </a:bodyPr>
-          <a:lstStyle>
-            <a:lvl1pPr marL="0" indent="0">
-              <a:spcBef>
-                <a:spcPts val="0"/>
-              </a:spcBef>
-              <a:spcAft>
-                <a:spcPts val="600"/>
-              </a:spcAft>
-              <a:buNone/>
-              <a:defRPr sz="1800">
-                <a:solidFill>
-                  <a:srgbClr val="FFFFFF"/>
-                </a:solidFill>
-              </a:defRPr>
-            </a:lvl1pPr>
-            <a:lvl2pPr marL="457200" indent="0">
-              <a:buNone/>
-              <a:defRPr sz="1200"/>
-            </a:lvl2pPr>
-            <a:lvl3pPr marL="914400" indent="0">
-              <a:buNone/>
-              <a:defRPr sz="1000"/>
-            </a:lvl3pPr>
-            <a:lvl4pPr marL="1371600" indent="0">
-              <a:buNone/>
-              <a:defRPr sz="900"/>
-            </a:lvl4pPr>
-            <a:lvl5pPr marL="1828800" indent="0">
-              <a:buNone/>
-              <a:defRPr sz="900"/>
-            </a:lvl5pPr>
-            <a:lvl6pPr marL="2286000" indent="0">
-              <a:buNone/>
-              <a:defRPr sz="900"/>
-            </a:lvl6pPr>
-            <a:lvl7pPr marL="2743200" indent="0">
-              <a:buNone/>
-              <a:defRPr sz="900"/>
-            </a:lvl7pPr>
-            <a:lvl8pPr marL="3200400" indent="0">
-              <a:buNone/>
-              <a:defRPr sz="900"/>
-            </a:lvl8pPr>
-            <a:lvl9pPr marL="3657600" indent="0">
-              <a:buNone/>
-              <a:defRPr sz="900"/>
-            </a:lvl9pPr>
-          </a:lstStyle>
+          </a:p>
+        </p:txBody>
+      </p:sp>
+      <p:sp>
+        <p:nvSpPr>
+          <p:cNvPr id="3" name="竖排文字占位符 2">
+            <a:extLst>
+              <a:ext uri="{FF2B5EF4-FFF2-40B4-BE49-F238E27FC236}">
+                <a16:creationId xmlns:a16="http://schemas.microsoft.com/office/drawing/2014/main" id="{8E3DF66E-3408-40DF-888A-6EC33B8F521D}"/>
+              </a:ext>
+            </a:extLst>
+          </p:cNvPr>
+          <p:cNvSpPr>
+            <a:spLocks noGrp="1"/>
+          </p:cNvSpPr>
+          <p:nvPr>
+            <p:ph type="body" orient="vert" idx="1"/>
+          </p:nvPr>
+        </p:nvSpPr>
+        <p:spPr/>
+        <p:txBody>
+          <a:bodyPr vert="eaVert"/>
+          <a:lstStyle/>
           <a:p>
             <a:pPr lvl="0"/>
             <a:r>
@@ -1305,11 +1036,45 @@
               <a:t>单击此处编辑母版文本样式</a:t>
             </a:r>
           </a:p>
-        </p:txBody>
-      </p:sp>
-      <p:sp>
-        <p:nvSpPr>
-          <p:cNvPr id="5" name="Date Placeholder 4"/>
+          <a:p>
+            <a:pPr lvl="1"/>
+            <a:r>
+              <a:rPr lang="zh-CN" altLang="en-US"/>
+              <a:t>二级</a:t>
+            </a:r>
+          </a:p>
+          <a:p>
+            <a:pPr lvl="2"/>
+            <a:r>
+              <a:rPr lang="zh-CN" altLang="en-US"/>
+              <a:t>三级</a:t>
+            </a:r>
+          </a:p>
+          <a:p>
+            <a:pPr lvl="3"/>
+            <a:r>
+              <a:rPr lang="zh-CN" altLang="en-US"/>
+              <a:t>四级</a:t>
+            </a:r>
+          </a:p>
+          <a:p>
+            <a:pPr lvl="4"/>
+            <a:r>
+              <a:rPr lang="zh-CN" altLang="en-US"/>
+              <a:t>五级</a:t>
+            </a:r>
+          </a:p>
+        </p:txBody>
+      </p:sp>
+      <p:sp>
+        <p:nvSpPr>
+          <p:cNvPr id="4" name="日期占位符 3">
+            <a:extLst>
+              <a:ext uri="{FF2B5EF4-FFF2-40B4-BE49-F238E27FC236}">
+                <a16:creationId xmlns:a16="http://schemas.microsoft.com/office/drawing/2014/main" id="{8581C323-E615-4340-A30C-FE08548F7959}"/>
+              </a:ext>
+            </a:extLst>
+          </p:cNvPr>
           <p:cNvSpPr>
             <a:spLocks noGrp="1"/>
           </p:cNvSpPr>
@@ -1320,15 +1085,11 @@
         <p:spPr/>
         <p:txBody>
           <a:bodyPr/>
-          <a:lstStyle>
-            <a:lvl1pPr>
-              <a:defRPr/>
-            </a:lvl1pPr>
-          </a:lstStyle>
+          <a:lstStyle/>
           <a:p>
             <a:fld id="{84C55D5A-E844-714B-B760-C3552F524A44}" type="datetimeFigureOut">
               <a:rPr kumimoji="1" lang="zh-CN" altLang="en-US" smtClean="0"/>
-              <a:t>2023/9/24</a:t>
+              <a:t>2023/10/24</a:t>
             </a:fld>
             <a:endParaRPr kumimoji="1" lang="zh-CN" altLang="en-US"/>
           </a:p>
@@ -1336,7 +1097,13 @@
       </p:sp>
       <p:sp>
         <p:nvSpPr>
-          <p:cNvPr id="6" name="Footer Placeholder 5"/>
+          <p:cNvPr id="5" name="页脚占位符 4">
+            <a:extLst>
+              <a:ext uri="{FF2B5EF4-FFF2-40B4-BE49-F238E27FC236}">
+                <a16:creationId xmlns:a16="http://schemas.microsoft.com/office/drawing/2014/main" id="{9F3EBB92-6EAA-4EEE-B59A-C6AE3943C7FC}"/>
+              </a:ext>
+            </a:extLst>
+          </p:cNvPr>
           <p:cNvSpPr>
             <a:spLocks noGrp="1"/>
           </p:cNvSpPr>
@@ -1344,12 +1111,7 @@
             <p:ph type="ftr" sz="quarter" idx="11"/>
           </p:nvPr>
         </p:nvSpPr>
-        <p:spPr>
-          <a:xfrm>
-            <a:off x="1097279" y="6446838"/>
-            <a:ext cx="6818262" cy="365125"/>
-          </a:xfrm>
-        </p:spPr>
+        <p:spPr/>
         <p:txBody>
           <a:bodyPr/>
           <a:lstStyle/>
@@ -1360,7 +1122,13 @@
       </p:sp>
       <p:sp>
         <p:nvSpPr>
-          <p:cNvPr id="7" name="Slide Number Placeholder 6"/>
+          <p:cNvPr id="6" name="灯片编号占位符 5">
+            <a:extLst>
+              <a:ext uri="{FF2B5EF4-FFF2-40B4-BE49-F238E27FC236}">
+                <a16:creationId xmlns:a16="http://schemas.microsoft.com/office/drawing/2014/main" id="{B001DEB3-47D2-4B26-B2A0-49BFE57D8F04}"/>
+              </a:ext>
+            </a:extLst>
+          </p:cNvPr>
           <p:cNvSpPr>
             <a:spLocks noGrp="1"/>
           </p:cNvSpPr>
@@ -1384,7 +1152,7 @@
     </p:spTree>
     <p:extLst>
       <p:ext uri="{BB962C8B-B14F-4D97-AF65-F5344CB8AC3E}">
-        <p14:creationId xmlns:p14="http://schemas.microsoft.com/office/powerpoint/2010/main" val="4213320389"/>
+        <p14:creationId xmlns:p14="http://schemas.microsoft.com/office/powerpoint/2010/main" val="529799322"/>
       </p:ext>
     </p:extLst>
   </p:cSld>
@@ -1407,206 +1175,6 @@
 </file>
 
 <file path=ppt/slideLayouts/slideLayout11.xml><?xml version="1.0" encoding="utf-8"?>
-<p:sldLayout xmlns:a="http://schemas.openxmlformats.org/drawingml/2006/main" xmlns:r="http://schemas.openxmlformats.org/officeDocument/2006/relationships" xmlns:p="http://schemas.openxmlformats.org/presentationml/2006/main" type="vertTx" preserve="1">
-  <p:cSld name="标题和竖排文字">
-    <p:spTree>
-      <p:nvGrpSpPr>
-        <p:cNvPr id="1" name=""/>
-        <p:cNvGrpSpPr/>
-        <p:nvPr/>
-      </p:nvGrpSpPr>
-      <p:grpSpPr>
-        <a:xfrm>
-          <a:off x="0" y="0"/>
-          <a:ext cx="0" cy="0"/>
-          <a:chOff x="0" y="0"/>
-          <a:chExt cx="0" cy="0"/>
-        </a:xfrm>
-      </p:grpSpPr>
-      <p:sp>
-        <p:nvSpPr>
-          <p:cNvPr id="2" name="Title 1"/>
-          <p:cNvSpPr>
-            <a:spLocks noGrp="1"/>
-          </p:cNvSpPr>
-          <p:nvPr>
-            <p:ph type="title"/>
-          </p:nvPr>
-        </p:nvSpPr>
-        <p:spPr/>
-        <p:txBody>
-          <a:bodyPr/>
-          <a:lstStyle/>
-          <a:p>
-            <a:r>
-              <a:rPr lang="zh-CN" altLang="en-US"/>
-              <a:t>单击此处编辑母版标题样式</a:t>
-            </a:r>
-            <a:endParaRPr lang="en-US"/>
-          </a:p>
-        </p:txBody>
-      </p:sp>
-      <p:sp>
-        <p:nvSpPr>
-          <p:cNvPr id="3" name="Vertical Text Placeholder 2"/>
-          <p:cNvSpPr>
-            <a:spLocks noGrp="1"/>
-          </p:cNvSpPr>
-          <p:nvPr>
-            <p:ph type="body" orient="vert" idx="1"/>
-          </p:nvPr>
-        </p:nvSpPr>
-        <p:spPr/>
-        <p:txBody>
-          <a:bodyPr vert="eaVert" lIns="45720" tIns="0" rIns="45720" bIns="0"/>
-          <a:lstStyle/>
-          <a:p>
-            <a:pPr lvl="0"/>
-            <a:r>
-              <a:rPr lang="zh-CN" altLang="en-US"/>
-              <a:t>单击此处编辑母版文本样式</a:t>
-            </a:r>
-          </a:p>
-          <a:p>
-            <a:pPr lvl="1"/>
-            <a:r>
-              <a:rPr lang="zh-CN" altLang="en-US"/>
-              <a:t>二级</a:t>
-            </a:r>
-          </a:p>
-          <a:p>
-            <a:pPr lvl="2"/>
-            <a:r>
-              <a:rPr lang="zh-CN" altLang="en-US"/>
-              <a:t>三级</a:t>
-            </a:r>
-          </a:p>
-          <a:p>
-            <a:pPr lvl="3"/>
-            <a:r>
-              <a:rPr lang="zh-CN" altLang="en-US"/>
-              <a:t>四级</a:t>
-            </a:r>
-          </a:p>
-          <a:p>
-            <a:pPr lvl="4"/>
-            <a:r>
-              <a:rPr lang="zh-CN" altLang="en-US"/>
-              <a:t>五级</a:t>
-            </a:r>
-            <a:endParaRPr lang="en-US"/>
-          </a:p>
-        </p:txBody>
-      </p:sp>
-      <p:sp>
-        <p:nvSpPr>
-          <p:cNvPr id="7" name="Date Placeholder 6">
-            <a:extLst>
-              <a:ext uri="{FF2B5EF4-FFF2-40B4-BE49-F238E27FC236}">
-                <a16:creationId xmlns:a16="http://schemas.microsoft.com/office/drawing/2014/main" id="{7D5506EE-1026-4F35-9ACC-BD05BE0F9B36}"/>
-              </a:ext>
-            </a:extLst>
-          </p:cNvPr>
-          <p:cNvSpPr>
-            <a:spLocks noGrp="1"/>
-          </p:cNvSpPr>
-          <p:nvPr>
-            <p:ph type="dt" sz="half" idx="10"/>
-          </p:nvPr>
-        </p:nvSpPr>
-        <p:spPr/>
-        <p:txBody>
-          <a:bodyPr/>
-          <a:lstStyle/>
-          <a:p>
-            <a:fld id="{84C55D5A-E844-714B-B760-C3552F524A44}" type="datetimeFigureOut">
-              <a:rPr kumimoji="1" lang="zh-CN" altLang="en-US" smtClean="0"/>
-              <a:t>2023/9/24</a:t>
-            </a:fld>
-            <a:endParaRPr kumimoji="1" lang="zh-CN" altLang="en-US"/>
-          </a:p>
-        </p:txBody>
-      </p:sp>
-      <p:sp>
-        <p:nvSpPr>
-          <p:cNvPr id="8" name="Footer Placeholder 7">
-            <a:extLst>
-              <a:ext uri="{FF2B5EF4-FFF2-40B4-BE49-F238E27FC236}">
-                <a16:creationId xmlns:a16="http://schemas.microsoft.com/office/drawing/2014/main" id="{B7696E5F-8D95-4450-AE52-5438E6EDE2BF}"/>
-              </a:ext>
-            </a:extLst>
-          </p:cNvPr>
-          <p:cNvSpPr>
-            <a:spLocks noGrp="1"/>
-          </p:cNvSpPr>
-          <p:nvPr>
-            <p:ph type="ftr" sz="quarter" idx="11"/>
-          </p:nvPr>
-        </p:nvSpPr>
-        <p:spPr/>
-        <p:txBody>
-          <a:bodyPr/>
-          <a:lstStyle/>
-          <a:p>
-            <a:endParaRPr kumimoji="1" lang="zh-CN" altLang="en-US"/>
-          </a:p>
-        </p:txBody>
-      </p:sp>
-      <p:sp>
-        <p:nvSpPr>
-          <p:cNvPr id="9" name="Slide Number Placeholder 8">
-            <a:extLst>
-              <a:ext uri="{FF2B5EF4-FFF2-40B4-BE49-F238E27FC236}">
-                <a16:creationId xmlns:a16="http://schemas.microsoft.com/office/drawing/2014/main" id="{999B2253-74CC-409E-BEB0-F8EFCFCB5629}"/>
-              </a:ext>
-            </a:extLst>
-          </p:cNvPr>
-          <p:cNvSpPr>
-            <a:spLocks noGrp="1"/>
-          </p:cNvSpPr>
-          <p:nvPr>
-            <p:ph type="sldNum" sz="quarter" idx="12"/>
-          </p:nvPr>
-        </p:nvSpPr>
-        <p:spPr/>
-        <p:txBody>
-          <a:bodyPr/>
-          <a:lstStyle/>
-          <a:p>
-            <a:fld id="{FC89B6C8-C7EC-8541-A8C1-D9F57E279DE3}" type="slidenum">
-              <a:rPr kumimoji="1" lang="zh-CN" altLang="en-US" smtClean="0"/>
-              <a:t>‹#›</a:t>
-            </a:fld>
-            <a:endParaRPr kumimoji="1" lang="zh-CN" altLang="en-US"/>
-          </a:p>
-        </p:txBody>
-      </p:sp>
-    </p:spTree>
-    <p:extLst>
-      <p:ext uri="{BB962C8B-B14F-4D97-AF65-F5344CB8AC3E}">
-        <p14:creationId xmlns:p14="http://schemas.microsoft.com/office/powerpoint/2010/main" val="1901226995"/>
-      </p:ext>
-    </p:extLst>
-  </p:cSld>
-  <p:clrMapOvr>
-    <a:masterClrMapping/>
-  </p:clrMapOvr>
-  <mc:AlternateContent xmlns:mc="http://schemas.openxmlformats.org/markup-compatibility/2006" xmlns:p14="http://schemas.microsoft.com/office/powerpoint/2010/main">
-    <mc:Choice Requires="p14">
-      <p:transition spd="med" p14:dur="700">
-        <p:fade/>
-      </p:transition>
-    </mc:Choice>
-    <mc:Fallback xmlns="">
-      <p:transition spd="med">
-        <p:fade/>
-      </p:transition>
-    </mc:Fallback>
-  </mc:AlternateContent>
-</p:sldLayout>
-</file>
-
-<file path=ppt/slideLayouts/slideLayout12.xml><?xml version="1.0" encoding="utf-8"?>
 <p:sldLayout xmlns:a="http://schemas.openxmlformats.org/drawingml/2006/main" xmlns:r="http://schemas.openxmlformats.org/officeDocument/2006/relationships" xmlns:p="http://schemas.openxmlformats.org/presentationml/2006/main" type="vertTitleAndTx" preserve="1">
   <p:cSld name="竖排标题与文本">
     <p:spTree>
@@ -1625,96 +1193,63 @@
       </p:grpSpPr>
       <p:sp>
         <p:nvSpPr>
-          <p:cNvPr id="9" name="Rectangle 8">
-            <a:extLst>
-              <a:ext uri="{FF2B5EF4-FFF2-40B4-BE49-F238E27FC236}">
-                <a16:creationId xmlns:a16="http://schemas.microsoft.com/office/drawing/2014/main" id="{E1B68A5B-D9FA-424B-A4EB-30E7223836B3}"/>
-              </a:ext>
-            </a:extLst>
-          </p:cNvPr>
-          <p:cNvSpPr/>
-          <p:nvPr/>
+          <p:cNvPr id="2" name="竖排标题 1">
+            <a:extLst>
+              <a:ext uri="{FF2B5EF4-FFF2-40B4-BE49-F238E27FC236}">
+                <a16:creationId xmlns:a16="http://schemas.microsoft.com/office/drawing/2014/main" id="{66A787C8-267E-4537-955D-A3338F286141}"/>
+              </a:ext>
+            </a:extLst>
+          </p:cNvPr>
+          <p:cNvSpPr>
+            <a:spLocks noGrp="1"/>
+          </p:cNvSpPr>
+          <p:nvPr>
+            <p:ph type="title" orient="vert"/>
+          </p:nvPr>
         </p:nvSpPr>
         <p:spPr>
           <a:xfrm>
-            <a:off x="3175" y="6400800"/>
-            <a:ext cx="12188825" cy="457200"/>
+            <a:off x="8724900" y="365125"/>
+            <a:ext cx="2628900" cy="5811838"/>
           </a:xfrm>
-          <a:prstGeom prst="rect">
-            <a:avLst/>
-          </a:prstGeom>
-          <a:solidFill>
-            <a:srgbClr val="262626"/>
-          </a:solidFill>
-          <a:ln>
-            <a:noFill/>
-          </a:ln>
         </p:spPr>
-        <p:style>
-          <a:lnRef idx="2">
-            <a:schemeClr val="accent1">
-              <a:shade val="50000"/>
-            </a:schemeClr>
-          </a:lnRef>
-          <a:fillRef idx="1">
-            <a:schemeClr val="accent1"/>
-          </a:fillRef>
-          <a:effectRef idx="0">
-            <a:schemeClr val="accent1"/>
-          </a:effectRef>
-          <a:fontRef idx="minor">
-            <a:schemeClr val="lt1"/>
-          </a:fontRef>
-        </p:style>
-      </p:sp>
-      <p:sp>
-        <p:nvSpPr>
-          <p:cNvPr id="2" name="Vertical Title 1"/>
-          <p:cNvSpPr>
-            <a:spLocks noGrp="1"/>
-          </p:cNvSpPr>
-          <p:nvPr>
-            <p:ph type="title" orient="vert"/>
+        <p:txBody>
+          <a:bodyPr vert="eaVert"/>
+          <a:lstStyle/>
+          <a:p>
+            <a:r>
+              <a:rPr lang="zh-CN" altLang="en-US"/>
+              <a:t>单击此处编辑母版标题样式</a:t>
+            </a:r>
+          </a:p>
+        </p:txBody>
+      </p:sp>
+      <p:sp>
+        <p:nvSpPr>
+          <p:cNvPr id="3" name="竖排文字占位符 2">
+            <a:extLst>
+              <a:ext uri="{FF2B5EF4-FFF2-40B4-BE49-F238E27FC236}">
+                <a16:creationId xmlns:a16="http://schemas.microsoft.com/office/drawing/2014/main" id="{244B66A4-C386-48BE-9116-09EC8BF26513}"/>
+              </a:ext>
+            </a:extLst>
+          </p:cNvPr>
+          <p:cNvSpPr>
+            <a:spLocks noGrp="1"/>
+          </p:cNvSpPr>
+          <p:nvPr>
+            <p:ph type="body" orient="vert" idx="1"/>
           </p:nvPr>
         </p:nvSpPr>
         <p:spPr>
           <a:xfrm>
-            <a:off x="8724900" y="412302"/>
-            <a:ext cx="2628900" cy="5759898"/>
+            <a:off x="838200" y="365125"/>
+            <a:ext cx="7734300" cy="5811838"/>
           </a:xfrm>
         </p:spPr>
         <p:txBody>
           <a:bodyPr vert="eaVert"/>
           <a:lstStyle/>
           <a:p>
-            <a:r>
-              <a:rPr lang="zh-CN" altLang="en-US"/>
-              <a:t>单击此处编辑母版标题样式</a:t>
-            </a:r>
-            <a:endParaRPr lang="en-US"/>
-          </a:p>
-        </p:txBody>
-      </p:sp>
-      <p:sp>
-        <p:nvSpPr>
-          <p:cNvPr id="3" name="Vertical Text Placeholder 2"/>
-          <p:cNvSpPr>
-            <a:spLocks noGrp="1"/>
-          </p:cNvSpPr>
-          <p:nvPr>
-            <p:ph type="body" orient="vert" idx="1"/>
-          </p:nvPr>
-        </p:nvSpPr>
-        <p:spPr>
-          <a:xfrm>
-            <a:off x="838200" y="412302"/>
-            <a:ext cx="7734300" cy="5759898"/>
-          </a:xfrm>
-        </p:spPr>
-        <p:txBody>
-          <a:bodyPr vert="eaVert" lIns="45720" tIns="0" rIns="45720" bIns="0"/>
-          <a:lstStyle/>
-          <a:p>
             <a:pPr lvl="0"/>
             <a:r>
               <a:rPr lang="zh-CN" altLang="en-US"/>
@@ -1748,16 +1283,15 @@
               <a:rPr lang="zh-CN" altLang="en-US"/>
               <a:t>五级</a:t>
             </a:r>
-            <a:endParaRPr lang="en-US"/>
-          </a:p>
-        </p:txBody>
-      </p:sp>
-      <p:sp>
-        <p:nvSpPr>
-          <p:cNvPr id="7" name="Date Placeholder 6">
-            <a:extLst>
-              <a:ext uri="{FF2B5EF4-FFF2-40B4-BE49-F238E27FC236}">
-                <a16:creationId xmlns:a16="http://schemas.microsoft.com/office/drawing/2014/main" id="{AF33D6B0-F070-45C4-A472-19F432BE3932}"/>
+          </a:p>
+        </p:txBody>
+      </p:sp>
+      <p:sp>
+        <p:nvSpPr>
+          <p:cNvPr id="4" name="日期占位符 3">
+            <a:extLst>
+              <a:ext uri="{FF2B5EF4-FFF2-40B4-BE49-F238E27FC236}">
+                <a16:creationId xmlns:a16="http://schemas.microsoft.com/office/drawing/2014/main" id="{B78951E5-5B49-4D3D-9475-E7F5A736094C}"/>
               </a:ext>
             </a:extLst>
           </p:cNvPr>
@@ -1775,7 +1309,7 @@
           <a:p>
             <a:fld id="{84C55D5A-E844-714B-B760-C3552F524A44}" type="datetimeFigureOut">
               <a:rPr kumimoji="1" lang="zh-CN" altLang="en-US" smtClean="0"/>
-              <a:t>2023/9/24</a:t>
+              <a:t>2023/10/24</a:t>
             </a:fld>
             <a:endParaRPr kumimoji="1" lang="zh-CN" altLang="en-US"/>
           </a:p>
@@ -1783,10 +1317,10 @@
       </p:sp>
       <p:sp>
         <p:nvSpPr>
-          <p:cNvPr id="8" name="Footer Placeholder 7">
-            <a:extLst>
-              <a:ext uri="{FF2B5EF4-FFF2-40B4-BE49-F238E27FC236}">
-                <a16:creationId xmlns:a16="http://schemas.microsoft.com/office/drawing/2014/main" id="{9975399F-DAB2-410D-967F-ED17E6F796E7}"/>
+          <p:cNvPr id="5" name="页脚占位符 4">
+            <a:extLst>
+              <a:ext uri="{FF2B5EF4-FFF2-40B4-BE49-F238E27FC236}">
+                <a16:creationId xmlns:a16="http://schemas.microsoft.com/office/drawing/2014/main" id="{46A2543C-305B-42C8-9654-5C1FDA2A36F3}"/>
               </a:ext>
             </a:extLst>
           </p:cNvPr>
@@ -1808,10 +1342,10 @@
       </p:sp>
       <p:sp>
         <p:nvSpPr>
-          <p:cNvPr id="10" name="Slide Number Placeholder 9">
-            <a:extLst>
-              <a:ext uri="{FF2B5EF4-FFF2-40B4-BE49-F238E27FC236}">
-                <a16:creationId xmlns:a16="http://schemas.microsoft.com/office/drawing/2014/main" id="{F762A46F-6BE5-4D12-9412-5CA7672EA8EC}"/>
+          <p:cNvPr id="6" name="灯片编号占位符 5">
+            <a:extLst>
+              <a:ext uri="{FF2B5EF4-FFF2-40B4-BE49-F238E27FC236}">
+                <a16:creationId xmlns:a16="http://schemas.microsoft.com/office/drawing/2014/main" id="{6D849EEB-1177-45EA-ACEE-5B27C27DABF4}"/>
               </a:ext>
             </a:extLst>
           </p:cNvPr>
@@ -1838,7 +1372,7 @@
     </p:spTree>
     <p:extLst>
       <p:ext uri="{BB962C8B-B14F-4D97-AF65-F5344CB8AC3E}">
-        <p14:creationId xmlns:p14="http://schemas.microsoft.com/office/powerpoint/2010/main" val="438387313"/>
+        <p14:creationId xmlns:p14="http://schemas.microsoft.com/office/powerpoint/2010/main" val="544251"/>
       </p:ext>
     </p:extLst>
   </p:cSld>
@@ -1861,23 +1395,8 @@
 </file>
 
 <file path=ppt/slideLayouts/slideLayout2.xml><?xml version="1.0" encoding="utf-8"?>
-<p:sldLayout xmlns:a="http://schemas.openxmlformats.org/drawingml/2006/main" xmlns:r="http://schemas.openxmlformats.org/officeDocument/2006/relationships" xmlns:p="http://schemas.openxmlformats.org/presentationml/2006/main" preserve="1">
-  <p:cSld name="自定义版式">
-    <p:bg>
-      <p:bgPr>
-        <a:blipFill dpi="0" rotWithShape="1">
-          <a:blip r:embed="rId2">
-            <a:alphaModFix amt="20000"/>
-            <a:lum/>
-          </a:blip>
-          <a:srcRect/>
-          <a:stretch>
-            <a:fillRect t="-6000" b="-6000"/>
-          </a:stretch>
-        </a:blipFill>
-        <a:effectLst/>
-      </p:bgPr>
-    </p:bg>
+<p:sldLayout xmlns:a="http://schemas.openxmlformats.org/drawingml/2006/main" xmlns:r="http://schemas.openxmlformats.org/officeDocument/2006/relationships" xmlns:p="http://schemas.openxmlformats.org/presentationml/2006/main" type="obj" preserve="1">
+  <p:cSld name="标题和内容">
     <p:spTree>
       <p:nvGrpSpPr>
         <p:cNvPr id="1" name=""/>
@@ -1894,10 +1413,95 @@
       </p:grpSpPr>
       <p:sp>
         <p:nvSpPr>
-          <p:cNvPr id="3" name="日期占位符 2">
-            <a:extLst>
-              <a:ext uri="{FF2B5EF4-FFF2-40B4-BE49-F238E27FC236}">
-                <a16:creationId xmlns:a16="http://schemas.microsoft.com/office/drawing/2014/main" id="{86DE0311-2E40-4907-A5A0-C045BA2F613D}"/>
+          <p:cNvPr id="2" name="标题 1">
+            <a:extLst>
+              <a:ext uri="{FF2B5EF4-FFF2-40B4-BE49-F238E27FC236}">
+                <a16:creationId xmlns:a16="http://schemas.microsoft.com/office/drawing/2014/main" id="{C9F37A2A-94CD-4FD3-AA36-72DDE1901C0A}"/>
+              </a:ext>
+            </a:extLst>
+          </p:cNvPr>
+          <p:cNvSpPr>
+            <a:spLocks noGrp="1"/>
+          </p:cNvSpPr>
+          <p:nvPr>
+            <p:ph type="title"/>
+          </p:nvPr>
+        </p:nvSpPr>
+        <p:spPr/>
+        <p:txBody>
+          <a:bodyPr/>
+          <a:lstStyle/>
+          <a:p>
+            <a:r>
+              <a:rPr lang="zh-CN" altLang="en-US"/>
+              <a:t>单击此处编辑母版标题样式</a:t>
+            </a:r>
+          </a:p>
+        </p:txBody>
+      </p:sp>
+      <p:sp>
+        <p:nvSpPr>
+          <p:cNvPr id="3" name="内容占位符 2">
+            <a:extLst>
+              <a:ext uri="{FF2B5EF4-FFF2-40B4-BE49-F238E27FC236}">
+                <a16:creationId xmlns:a16="http://schemas.microsoft.com/office/drawing/2014/main" id="{F299B8F8-3A41-4417-A163-B9708DF85B98}"/>
+              </a:ext>
+            </a:extLst>
+          </p:cNvPr>
+          <p:cNvSpPr>
+            <a:spLocks noGrp="1"/>
+          </p:cNvSpPr>
+          <p:nvPr>
+            <p:ph idx="1"/>
+          </p:nvPr>
+        </p:nvSpPr>
+        <p:spPr/>
+        <p:txBody>
+          <a:bodyPr/>
+          <a:lstStyle/>
+          <a:p>
+            <a:pPr lvl="0"/>
+            <a:r>
+              <a:rPr lang="zh-CN" altLang="en-US"/>
+              <a:t>单击此处编辑母版文本样式</a:t>
+            </a:r>
+          </a:p>
+          <a:p>
+            <a:pPr lvl="1"/>
+            <a:r>
+              <a:rPr lang="zh-CN" altLang="en-US"/>
+              <a:t>二级</a:t>
+            </a:r>
+          </a:p>
+          <a:p>
+            <a:pPr lvl="2"/>
+            <a:r>
+              <a:rPr lang="zh-CN" altLang="en-US"/>
+              <a:t>三级</a:t>
+            </a:r>
+          </a:p>
+          <a:p>
+            <a:pPr lvl="3"/>
+            <a:r>
+              <a:rPr lang="zh-CN" altLang="en-US"/>
+              <a:t>四级</a:t>
+            </a:r>
+          </a:p>
+          <a:p>
+            <a:pPr lvl="4"/>
+            <a:r>
+              <a:rPr lang="zh-CN" altLang="en-US"/>
+              <a:t>五级</a:t>
+            </a:r>
+          </a:p>
+        </p:txBody>
+      </p:sp>
+      <p:sp>
+        <p:nvSpPr>
+          <p:cNvPr id="4" name="日期占位符 3">
+            <a:extLst>
+              <a:ext uri="{FF2B5EF4-FFF2-40B4-BE49-F238E27FC236}">
+                <a16:creationId xmlns:a16="http://schemas.microsoft.com/office/drawing/2014/main" id="{B0C1CA48-E52E-43E0-B61C-20E1C88F357D}"/>
               </a:ext>
             </a:extLst>
           </p:cNvPr>
@@ -1915,7 +1519,7 @@
           <a:p>
             <a:fld id="{84C55D5A-E844-714B-B760-C3552F524A44}" type="datetimeFigureOut">
               <a:rPr kumimoji="1" lang="zh-CN" altLang="en-US" smtClean="0"/>
-              <a:t>2023/9/24</a:t>
+              <a:t>2023/10/24</a:t>
             </a:fld>
             <a:endParaRPr kumimoji="1" lang="zh-CN" altLang="en-US"/>
           </a:p>
@@ -1923,10 +1527,10 @@
       </p:sp>
       <p:sp>
         <p:nvSpPr>
-          <p:cNvPr id="4" name="页脚占位符 3">
-            <a:extLst>
-              <a:ext uri="{FF2B5EF4-FFF2-40B4-BE49-F238E27FC236}">
-                <a16:creationId xmlns:a16="http://schemas.microsoft.com/office/drawing/2014/main" id="{A37EC3A2-7FD1-4718-A469-B520A4B9A74A}"/>
+          <p:cNvPr id="5" name="页脚占位符 4">
+            <a:extLst>
+              <a:ext uri="{FF2B5EF4-FFF2-40B4-BE49-F238E27FC236}">
+                <a16:creationId xmlns:a16="http://schemas.microsoft.com/office/drawing/2014/main" id="{555C7FB5-80FC-4926-810C-7BEDF43D07FB}"/>
               </a:ext>
             </a:extLst>
           </p:cNvPr>
@@ -1948,10 +1552,10 @@
       </p:sp>
       <p:sp>
         <p:nvSpPr>
-          <p:cNvPr id="5" name="灯片编号占位符 4">
-            <a:extLst>
-              <a:ext uri="{FF2B5EF4-FFF2-40B4-BE49-F238E27FC236}">
-                <a16:creationId xmlns:a16="http://schemas.microsoft.com/office/drawing/2014/main" id="{FC651BFE-8B2C-4588-B825-EEB85268F051}"/>
+          <p:cNvPr id="6" name="灯片编号占位符 5">
+            <a:extLst>
+              <a:ext uri="{FF2B5EF4-FFF2-40B4-BE49-F238E27FC236}">
+                <a16:creationId xmlns:a16="http://schemas.microsoft.com/office/drawing/2014/main" id="{E7FEBFD0-6D35-492F-A07C-4B90C00ACEB7}"/>
               </a:ext>
             </a:extLst>
           </p:cNvPr>
@@ -1978,7 +1582,7 @@
     </p:spTree>
     <p:extLst>
       <p:ext uri="{BB962C8B-B14F-4D97-AF65-F5344CB8AC3E}">
-        <p14:creationId xmlns:p14="http://schemas.microsoft.com/office/powerpoint/2010/main" val="3009881110"/>
+        <p14:creationId xmlns:p14="http://schemas.microsoft.com/office/powerpoint/2010/main" val="3999437335"/>
       </p:ext>
     </p:extLst>
   </p:cSld>
@@ -2001,8 +1605,8 @@
 </file>
 
 <file path=ppt/slideLayouts/slideLayout3.xml><?xml version="1.0" encoding="utf-8"?>
-<p:sldLayout xmlns:a="http://schemas.openxmlformats.org/drawingml/2006/main" xmlns:r="http://schemas.openxmlformats.org/officeDocument/2006/relationships" xmlns:p="http://schemas.openxmlformats.org/presentationml/2006/main" type="obj" preserve="1">
-  <p:cSld name="标题和内容">
+<p:sldLayout xmlns:a="http://schemas.openxmlformats.org/drawingml/2006/main" xmlns:r="http://schemas.openxmlformats.org/officeDocument/2006/relationships" xmlns:p="http://schemas.openxmlformats.org/presentationml/2006/main" type="secHead" preserve="1">
+  <p:cSld name="节标题">
     <p:spTree>
       <p:nvGrpSpPr>
         <p:cNvPr id="1" name=""/>
@@ -2019,7 +1623,13 @@
       </p:grpSpPr>
       <p:sp>
         <p:nvSpPr>
-          <p:cNvPr id="2" name="Title 1"/>
+          <p:cNvPr id="2" name="标题 1">
+            <a:extLst>
+              <a:ext uri="{FF2B5EF4-FFF2-40B4-BE49-F238E27FC236}">
+                <a16:creationId xmlns:a16="http://schemas.microsoft.com/office/drawing/2014/main" id="{30CF311C-3529-42E0-8064-CD55CC24B137}"/>
+              </a:ext>
+            </a:extLst>
+          </p:cNvPr>
           <p:cNvSpPr>
             <a:spLocks noGrp="1"/>
           </p:cNvSpPr>
@@ -2027,33 +1637,143 @@
             <p:ph type="title"/>
           </p:nvPr>
         </p:nvSpPr>
-        <p:spPr/>
-        <p:txBody>
-          <a:bodyPr/>
-          <a:lstStyle/>
+        <p:spPr>
+          <a:xfrm>
+            <a:off x="831850" y="1709738"/>
+            <a:ext cx="10515600" cy="2852737"/>
+          </a:xfrm>
+        </p:spPr>
+        <p:txBody>
+          <a:bodyPr anchor="b"/>
+          <a:lstStyle>
+            <a:lvl1pPr>
+              <a:defRPr sz="6000"/>
+            </a:lvl1pPr>
+          </a:lstStyle>
           <a:p>
             <a:r>
               <a:rPr lang="zh-CN" altLang="en-US"/>
               <a:t>单击此处编辑母版标题样式</a:t>
             </a:r>
-            <a:endParaRPr lang="en-US"/>
-          </a:p>
-        </p:txBody>
-      </p:sp>
-      <p:sp>
-        <p:nvSpPr>
-          <p:cNvPr id="3" name="Content Placeholder 2"/>
-          <p:cNvSpPr>
-            <a:spLocks noGrp="1"/>
-          </p:cNvSpPr>
-          <p:nvPr>
-            <p:ph idx="1"/>
-          </p:nvPr>
-        </p:nvSpPr>
-        <p:spPr/>
-        <p:txBody>
-          <a:bodyPr/>
-          <a:lstStyle/>
+          </a:p>
+        </p:txBody>
+      </p:sp>
+      <p:sp>
+        <p:nvSpPr>
+          <p:cNvPr id="3" name="文本占位符 2">
+            <a:extLst>
+              <a:ext uri="{FF2B5EF4-FFF2-40B4-BE49-F238E27FC236}">
+                <a16:creationId xmlns:a16="http://schemas.microsoft.com/office/drawing/2014/main" id="{86EB2DD0-5E19-4F3C-B5DA-B31EB3D6ABC8}"/>
+              </a:ext>
+            </a:extLst>
+          </p:cNvPr>
+          <p:cNvSpPr>
+            <a:spLocks noGrp="1"/>
+          </p:cNvSpPr>
+          <p:nvPr>
+            <p:ph type="body" idx="1"/>
+          </p:nvPr>
+        </p:nvSpPr>
+        <p:spPr>
+          <a:xfrm>
+            <a:off x="831850" y="4589463"/>
+            <a:ext cx="10515600" cy="1500187"/>
+          </a:xfrm>
+        </p:spPr>
+        <p:txBody>
+          <a:bodyPr/>
+          <a:lstStyle>
+            <a:lvl1pPr marL="0" indent="0">
+              <a:buNone/>
+              <a:defRPr sz="2400">
+                <a:solidFill>
+                  <a:schemeClr val="tx1">
+                    <a:tint val="75000"/>
+                  </a:schemeClr>
+                </a:solidFill>
+              </a:defRPr>
+            </a:lvl1pPr>
+            <a:lvl2pPr marL="457200" indent="0">
+              <a:buNone/>
+              <a:defRPr sz="2000">
+                <a:solidFill>
+                  <a:schemeClr val="tx1">
+                    <a:tint val="75000"/>
+                  </a:schemeClr>
+                </a:solidFill>
+              </a:defRPr>
+            </a:lvl2pPr>
+            <a:lvl3pPr marL="914400" indent="0">
+              <a:buNone/>
+              <a:defRPr sz="1800">
+                <a:solidFill>
+                  <a:schemeClr val="tx1">
+                    <a:tint val="75000"/>
+                  </a:schemeClr>
+                </a:solidFill>
+              </a:defRPr>
+            </a:lvl3pPr>
+            <a:lvl4pPr marL="1371600" indent="0">
+              <a:buNone/>
+              <a:defRPr sz="1600">
+                <a:solidFill>
+                  <a:schemeClr val="tx1">
+                    <a:tint val="75000"/>
+                  </a:schemeClr>
+                </a:solidFill>
+              </a:defRPr>
+            </a:lvl4pPr>
+            <a:lvl5pPr marL="1828800" indent="0">
+              <a:buNone/>
+              <a:defRPr sz="1600">
+                <a:solidFill>
+                  <a:schemeClr val="tx1">
+                    <a:tint val="75000"/>
+                  </a:schemeClr>
+                </a:solidFill>
+              </a:defRPr>
+            </a:lvl5pPr>
+            <a:lvl6pPr marL="2286000" indent="0">
+              <a:buNone/>
+              <a:defRPr sz="1600">
+                <a:solidFill>
+                  <a:schemeClr val="tx1">
+                    <a:tint val="75000"/>
+                  </a:schemeClr>
+                </a:solidFill>
+              </a:defRPr>
+            </a:lvl6pPr>
+            <a:lvl7pPr marL="2743200" indent="0">
+              <a:buNone/>
+              <a:defRPr sz="1600">
+                <a:solidFill>
+                  <a:schemeClr val="tx1">
+                    <a:tint val="75000"/>
+                  </a:schemeClr>
+                </a:solidFill>
+              </a:defRPr>
+            </a:lvl7pPr>
+            <a:lvl8pPr marL="3200400" indent="0">
+              <a:buNone/>
+              <a:defRPr sz="1600">
+                <a:solidFill>
+                  <a:schemeClr val="tx1">
+                    <a:tint val="75000"/>
+                  </a:schemeClr>
+                </a:solidFill>
+              </a:defRPr>
+            </a:lvl8pPr>
+            <a:lvl9pPr marL="3657600" indent="0">
+              <a:buNone/>
+              <a:defRPr sz="1600">
+                <a:solidFill>
+                  <a:schemeClr val="tx1">
+                    <a:tint val="75000"/>
+                  </a:schemeClr>
+                </a:solidFill>
+              </a:defRPr>
+            </a:lvl9pPr>
+          </a:lstStyle>
           <a:p>
             <a:pPr lvl="0"/>
             <a:r>
@@ -2061,43 +1781,14 @@
               <a:t>单击此处编辑母版文本样式</a:t>
             </a:r>
           </a:p>
-          <a:p>
-            <a:pPr lvl="1"/>
-            <a:r>
-              <a:rPr lang="zh-CN" altLang="en-US"/>
-              <a:t>二级</a:t>
-            </a:r>
-          </a:p>
-          <a:p>
-            <a:pPr lvl="2"/>
-            <a:r>
-              <a:rPr lang="zh-CN" altLang="en-US"/>
-              <a:t>三级</a:t>
-            </a:r>
-          </a:p>
-          <a:p>
-            <a:pPr lvl="3"/>
-            <a:r>
-              <a:rPr lang="zh-CN" altLang="en-US"/>
-              <a:t>四级</a:t>
-            </a:r>
-          </a:p>
-          <a:p>
-            <a:pPr lvl="4"/>
-            <a:r>
-              <a:rPr lang="zh-CN" altLang="en-US"/>
-              <a:t>五级</a:t>
-            </a:r>
-            <a:endParaRPr lang="en-US"/>
-          </a:p>
-        </p:txBody>
-      </p:sp>
-      <p:sp>
-        <p:nvSpPr>
-          <p:cNvPr id="7" name="Date Placeholder 6">
-            <a:extLst>
-              <a:ext uri="{FF2B5EF4-FFF2-40B4-BE49-F238E27FC236}">
-                <a16:creationId xmlns:a16="http://schemas.microsoft.com/office/drawing/2014/main" id="{354D8B55-9EA8-4B81-8E84-9B93B0A27559}"/>
+        </p:txBody>
+      </p:sp>
+      <p:sp>
+        <p:nvSpPr>
+          <p:cNvPr id="4" name="日期占位符 3">
+            <a:extLst>
+              <a:ext uri="{FF2B5EF4-FFF2-40B4-BE49-F238E27FC236}">
+                <a16:creationId xmlns:a16="http://schemas.microsoft.com/office/drawing/2014/main" id="{4A30A667-C722-4C1E-A380-3F495C884ECA}"/>
               </a:ext>
             </a:extLst>
           </p:cNvPr>
@@ -2115,7 +1806,7 @@
           <a:p>
             <a:fld id="{84C55D5A-E844-714B-B760-C3552F524A44}" type="datetimeFigureOut">
               <a:rPr kumimoji="1" lang="zh-CN" altLang="en-US" smtClean="0"/>
-              <a:t>2023/9/24</a:t>
+              <a:t>2023/10/24</a:t>
             </a:fld>
             <a:endParaRPr kumimoji="1" lang="zh-CN" altLang="en-US"/>
           </a:p>
@@ -2123,10 +1814,10 @@
       </p:sp>
       <p:sp>
         <p:nvSpPr>
-          <p:cNvPr id="8" name="Footer Placeholder 7">
-            <a:extLst>
-              <a:ext uri="{FF2B5EF4-FFF2-40B4-BE49-F238E27FC236}">
-                <a16:creationId xmlns:a16="http://schemas.microsoft.com/office/drawing/2014/main" id="{062CA021-2578-47CB-822C-BDDFF7223B28}"/>
+          <p:cNvPr id="5" name="页脚占位符 4">
+            <a:extLst>
+              <a:ext uri="{FF2B5EF4-FFF2-40B4-BE49-F238E27FC236}">
+                <a16:creationId xmlns:a16="http://schemas.microsoft.com/office/drawing/2014/main" id="{8DBEDAC1-1498-4A82-B82D-978836BB79BC}"/>
               </a:ext>
             </a:extLst>
           </p:cNvPr>
@@ -2148,10 +1839,10 @@
       </p:sp>
       <p:sp>
         <p:nvSpPr>
-          <p:cNvPr id="9" name="Slide Number Placeholder 8">
-            <a:extLst>
-              <a:ext uri="{FF2B5EF4-FFF2-40B4-BE49-F238E27FC236}">
-                <a16:creationId xmlns:a16="http://schemas.microsoft.com/office/drawing/2014/main" id="{C4AAB51D-4141-4682-9375-DAFD5FB9DD10}"/>
+          <p:cNvPr id="6" name="灯片编号占位符 5">
+            <a:extLst>
+              <a:ext uri="{FF2B5EF4-FFF2-40B4-BE49-F238E27FC236}">
+                <a16:creationId xmlns:a16="http://schemas.microsoft.com/office/drawing/2014/main" id="{81EF7DEA-E9FD-44B9-8E44-4243258989E8}"/>
               </a:ext>
             </a:extLst>
           </p:cNvPr>
@@ -2178,7 +1869,7 @@
     </p:spTree>
     <p:extLst>
       <p:ext uri="{BB962C8B-B14F-4D97-AF65-F5344CB8AC3E}">
-        <p14:creationId xmlns:p14="http://schemas.microsoft.com/office/powerpoint/2010/main" val="2604976534"/>
+        <p14:creationId xmlns:p14="http://schemas.microsoft.com/office/powerpoint/2010/main" val="1320836264"/>
       </p:ext>
     </p:extLst>
   </p:cSld>
@@ -2201,8 +1892,8 @@
 </file>
 
 <file path=ppt/slideLayouts/slideLayout4.xml><?xml version="1.0" encoding="utf-8"?>
-<p:sldLayout xmlns:a="http://schemas.openxmlformats.org/drawingml/2006/main" xmlns:r="http://schemas.openxmlformats.org/officeDocument/2006/relationships" xmlns:p="http://schemas.openxmlformats.org/presentationml/2006/main" type="secHead" preserve="1">
-  <p:cSld name="节标题">
+<p:sldLayout xmlns:a="http://schemas.openxmlformats.org/drawingml/2006/main" xmlns:r="http://schemas.openxmlformats.org/officeDocument/2006/relationships" xmlns:p="http://schemas.openxmlformats.org/presentationml/2006/main" type="twoObj" preserve="1">
+  <p:cSld name="两栏内容">
     <p:spTree>
       <p:nvGrpSpPr>
         <p:cNvPr id="1" name=""/>
@@ -2219,203 +1910,119 @@
       </p:grpSpPr>
       <p:sp>
         <p:nvSpPr>
-          <p:cNvPr id="10" name="Rectangle 9">
-            <a:extLst>
-              <a:ext uri="{FF2B5EF4-FFF2-40B4-BE49-F238E27FC236}">
-                <a16:creationId xmlns:a16="http://schemas.microsoft.com/office/drawing/2014/main" id="{A585C21A-8B93-4657-B5DF-7EAEAD3BE127}"/>
-              </a:ext>
-            </a:extLst>
-          </p:cNvPr>
-          <p:cNvSpPr/>
-          <p:nvPr/>
+          <p:cNvPr id="2" name="标题 1">
+            <a:extLst>
+              <a:ext uri="{FF2B5EF4-FFF2-40B4-BE49-F238E27FC236}">
+                <a16:creationId xmlns:a16="http://schemas.microsoft.com/office/drawing/2014/main" id="{91C6E03E-227F-4B52-A810-489D0C0E00E7}"/>
+              </a:ext>
+            </a:extLst>
+          </p:cNvPr>
+          <p:cNvSpPr>
+            <a:spLocks noGrp="1"/>
+          </p:cNvSpPr>
+          <p:nvPr>
+            <p:ph type="title"/>
+          </p:nvPr>
+        </p:nvSpPr>
+        <p:spPr/>
+        <p:txBody>
+          <a:bodyPr/>
+          <a:lstStyle/>
+          <a:p>
+            <a:r>
+              <a:rPr lang="zh-CN" altLang="en-US"/>
+              <a:t>单击此处编辑母版标题样式</a:t>
+            </a:r>
+          </a:p>
+        </p:txBody>
+      </p:sp>
+      <p:sp>
+        <p:nvSpPr>
+          <p:cNvPr id="3" name="内容占位符 2">
+            <a:extLst>
+              <a:ext uri="{FF2B5EF4-FFF2-40B4-BE49-F238E27FC236}">
+                <a16:creationId xmlns:a16="http://schemas.microsoft.com/office/drawing/2014/main" id="{ACE9B025-DF13-4130-96A3-7ECA21914A71}"/>
+              </a:ext>
+            </a:extLst>
+          </p:cNvPr>
+          <p:cNvSpPr>
+            <a:spLocks noGrp="1"/>
+          </p:cNvSpPr>
+          <p:nvPr>
+            <p:ph sz="half" idx="1"/>
+          </p:nvPr>
         </p:nvSpPr>
         <p:spPr>
           <a:xfrm>
-            <a:off x="3175" y="6400800"/>
-            <a:ext cx="12188825" cy="457200"/>
+            <a:off x="838200" y="1825625"/>
+            <a:ext cx="5181600" cy="4351338"/>
           </a:xfrm>
-          <a:prstGeom prst="rect">
-            <a:avLst/>
-          </a:prstGeom>
-          <a:solidFill>
-            <a:srgbClr val="262626"/>
-          </a:solidFill>
-          <a:ln>
-            <a:noFill/>
-          </a:ln>
         </p:spPr>
-        <p:style>
-          <a:lnRef idx="2">
-            <a:schemeClr val="accent1">
-              <a:shade val="50000"/>
-            </a:schemeClr>
-          </a:lnRef>
-          <a:fillRef idx="1">
-            <a:schemeClr val="accent1"/>
-          </a:fillRef>
-          <a:effectRef idx="0">
-            <a:schemeClr val="accent1"/>
-          </a:effectRef>
-          <a:fontRef idx="minor">
-            <a:schemeClr val="lt1"/>
-          </a:fontRef>
-        </p:style>
-      </p:sp>
-      <p:sp>
-        <p:nvSpPr>
-          <p:cNvPr id="2" name="Title 1"/>
-          <p:cNvSpPr>
-            <a:spLocks noGrp="1"/>
-          </p:cNvSpPr>
-          <p:nvPr>
-            <p:ph type="title"/>
+        <p:txBody>
+          <a:bodyPr/>
+          <a:lstStyle/>
+          <a:p>
+            <a:pPr lvl="0"/>
+            <a:r>
+              <a:rPr lang="zh-CN" altLang="en-US"/>
+              <a:t>单击此处编辑母版文本样式</a:t>
+            </a:r>
+          </a:p>
+          <a:p>
+            <a:pPr lvl="1"/>
+            <a:r>
+              <a:rPr lang="zh-CN" altLang="en-US"/>
+              <a:t>二级</a:t>
+            </a:r>
+          </a:p>
+          <a:p>
+            <a:pPr lvl="2"/>
+            <a:r>
+              <a:rPr lang="zh-CN" altLang="en-US"/>
+              <a:t>三级</a:t>
+            </a:r>
+          </a:p>
+          <a:p>
+            <a:pPr lvl="3"/>
+            <a:r>
+              <a:rPr lang="zh-CN" altLang="en-US"/>
+              <a:t>四级</a:t>
+            </a:r>
+          </a:p>
+          <a:p>
+            <a:pPr lvl="4"/>
+            <a:r>
+              <a:rPr lang="zh-CN" altLang="en-US"/>
+              <a:t>五级</a:t>
+            </a:r>
+          </a:p>
+        </p:txBody>
+      </p:sp>
+      <p:sp>
+        <p:nvSpPr>
+          <p:cNvPr id="4" name="内容占位符 3">
+            <a:extLst>
+              <a:ext uri="{FF2B5EF4-FFF2-40B4-BE49-F238E27FC236}">
+                <a16:creationId xmlns:a16="http://schemas.microsoft.com/office/drawing/2014/main" id="{8B5F3B1B-5732-45DD-88F9-BE0F21A5F80E}"/>
+              </a:ext>
+            </a:extLst>
+          </p:cNvPr>
+          <p:cNvSpPr>
+            <a:spLocks noGrp="1"/>
+          </p:cNvSpPr>
+          <p:nvPr>
+            <p:ph sz="half" idx="2"/>
           </p:nvPr>
         </p:nvSpPr>
         <p:spPr>
           <a:xfrm>
-            <a:off x="1097280" y="758952"/>
-            <a:ext cx="10058400" cy="3566160"/>
+            <a:off x="6172200" y="1825625"/>
+            <a:ext cx="5181600" cy="4351338"/>
           </a:xfrm>
         </p:spPr>
         <p:txBody>
-          <a:bodyPr anchor="b" anchorCtr="0">
-            <a:normAutofit/>
-          </a:bodyPr>
-          <a:lstStyle>
-            <a:lvl1pPr>
-              <a:lnSpc>
-                <a:spcPct val="90000"/>
-              </a:lnSpc>
-              <a:defRPr sz="8000" b="0">
-                <a:solidFill>
-                  <a:schemeClr val="tx1">
-                    <a:lumMod val="85000"/>
-                    <a:lumOff val="15000"/>
-                  </a:schemeClr>
-                </a:solidFill>
-              </a:defRPr>
-            </a:lvl1pPr>
-          </a:lstStyle>
-          <a:p>
-            <a:r>
-              <a:rPr lang="zh-CN" altLang="en-US"/>
-              <a:t>单击此处编辑母版标题样式</a:t>
-            </a:r>
-            <a:endParaRPr lang="en-US"/>
-          </a:p>
-        </p:txBody>
-      </p:sp>
-      <p:sp>
-        <p:nvSpPr>
-          <p:cNvPr id="3" name="Text Placeholder 2"/>
-          <p:cNvSpPr>
-            <a:spLocks noGrp="1"/>
-          </p:cNvSpPr>
-          <p:nvPr>
-            <p:ph type="body" idx="1"/>
-          </p:nvPr>
-        </p:nvSpPr>
-        <p:spPr>
-          <a:xfrm>
-            <a:off x="1097280" y="4663440"/>
-            <a:ext cx="10058400" cy="1143000"/>
-          </a:xfrm>
-        </p:spPr>
-        <p:txBody>
-          <a:bodyPr lIns="91440" rIns="91440" anchor="t" anchorCtr="0">
-            <a:normAutofit/>
-          </a:bodyPr>
-          <a:lstStyle>
-            <a:lvl1pPr marL="0" indent="0">
-              <a:buNone/>
-              <a:defRPr sz="2400" cap="all" spc="200" baseline="0">
-                <a:solidFill>
-                  <a:schemeClr val="tx1"/>
-                </a:solidFill>
-                <a:latin typeface="+mn-lt"/>
-              </a:defRPr>
-            </a:lvl1pPr>
-            <a:lvl2pPr marL="457200" indent="0">
-              <a:buNone/>
-              <a:defRPr sz="1800">
-                <a:solidFill>
-                  <a:schemeClr val="tx1">
-                    <a:tint val="75000"/>
-                  </a:schemeClr>
-                </a:solidFill>
-              </a:defRPr>
-            </a:lvl2pPr>
-            <a:lvl3pPr marL="914400" indent="0">
-              <a:buNone/>
-              <a:defRPr sz="1600">
-                <a:solidFill>
-                  <a:schemeClr val="tx1">
-                    <a:tint val="75000"/>
-                  </a:schemeClr>
-                </a:solidFill>
-              </a:defRPr>
-            </a:lvl3pPr>
-            <a:lvl4pPr marL="1371600" indent="0">
-              <a:buNone/>
-              <a:defRPr sz="1400">
-                <a:solidFill>
-                  <a:schemeClr val="tx1">
-                    <a:tint val="75000"/>
-                  </a:schemeClr>
-                </a:solidFill>
-              </a:defRPr>
-            </a:lvl4pPr>
-            <a:lvl5pPr marL="1828800" indent="0">
-              <a:buNone/>
-              <a:defRPr sz="1400">
-                <a:solidFill>
-                  <a:schemeClr val="tx1">
-                    <a:tint val="75000"/>
-                  </a:schemeClr>
-                </a:solidFill>
-              </a:defRPr>
-            </a:lvl5pPr>
-            <a:lvl6pPr marL="2286000" indent="0">
-              <a:buNone/>
-              <a:defRPr sz="1400">
-                <a:solidFill>
-                  <a:schemeClr val="tx1">
-                    <a:tint val="75000"/>
-                  </a:schemeClr>
-                </a:solidFill>
-              </a:defRPr>
-            </a:lvl6pPr>
-            <a:lvl7pPr marL="2743200" indent="0">
-              <a:buNone/>
-              <a:defRPr sz="1400">
-                <a:solidFill>
-                  <a:schemeClr val="tx1">
-                    <a:tint val="75000"/>
-                  </a:schemeClr>
-                </a:solidFill>
-              </a:defRPr>
-            </a:lvl7pPr>
-            <a:lvl8pPr marL="3200400" indent="0">
-              <a:buNone/>
-              <a:defRPr sz="1400">
-                <a:solidFill>
-                  <a:schemeClr val="tx1">
-                    <a:tint val="75000"/>
-                  </a:schemeClr>
-                </a:solidFill>
-              </a:defRPr>
-            </a:lvl8pPr>
-            <a:lvl9pPr marL="3657600" indent="0">
-              <a:buNone/>
-              <a:defRPr sz="1400">
-                <a:solidFill>
-                  <a:schemeClr val="tx1">
-                    <a:tint val="75000"/>
-                  </a:schemeClr>
-                </a:solidFill>
-              </a:defRPr>
-            </a:lvl9pPr>
-          </a:lstStyle>
+          <a:bodyPr/>
+          <a:lstStyle/>
           <a:p>
             <a:pPr lvl="0"/>
             <a:r>
@@ -2423,58 +2030,42 @@
               <a:t>单击此处编辑母版文本样式</a:t>
             </a:r>
           </a:p>
-        </p:txBody>
-      </p:sp>
-      <p:cxnSp>
-        <p:nvCxnSpPr>
-          <p:cNvPr id="9" name="Straight Connector 8">
-            <a:extLst>
-              <a:ext uri="{FF2B5EF4-FFF2-40B4-BE49-F238E27FC236}">
-                <a16:creationId xmlns:a16="http://schemas.microsoft.com/office/drawing/2014/main" id="{459DE2C1-4C52-40A3-8959-27B2C1BEBFF6}"/>
-              </a:ext>
-            </a:extLst>
-          </p:cNvPr>
-          <p:cNvCxnSpPr/>
-          <p:nvPr/>
-        </p:nvCxnSpPr>
-        <p:spPr>
-          <a:xfrm>
-            <a:off x="1207658" y="4485132"/>
-            <a:ext cx="9875520" cy="0"/>
-          </a:xfrm>
-          <a:prstGeom prst="line">
-            <a:avLst/>
-          </a:prstGeom>
-          <a:ln w="12700">
-            <a:solidFill>
-              <a:schemeClr val="tx1">
-                <a:lumMod val="75000"/>
-                <a:lumOff val="25000"/>
-              </a:schemeClr>
-            </a:solidFill>
-          </a:ln>
-        </p:spPr>
-        <p:style>
-          <a:lnRef idx="1">
-            <a:schemeClr val="accent1"/>
-          </a:lnRef>
-          <a:fillRef idx="0">
-            <a:schemeClr val="accent1"/>
-          </a:fillRef>
-          <a:effectRef idx="0">
-            <a:schemeClr val="accent1"/>
-          </a:effectRef>
-          <a:fontRef idx="minor">
-            <a:schemeClr val="tx1"/>
-          </a:fontRef>
-        </p:style>
-      </p:cxnSp>
-      <p:sp>
-        <p:nvSpPr>
-          <p:cNvPr id="7" name="Date Placeholder 6">
-            <a:extLst>
-              <a:ext uri="{FF2B5EF4-FFF2-40B4-BE49-F238E27FC236}">
-                <a16:creationId xmlns:a16="http://schemas.microsoft.com/office/drawing/2014/main" id="{AAF2E137-EC28-48F8-9198-1F02539029B6}"/>
+          <a:p>
+            <a:pPr lvl="1"/>
+            <a:r>
+              <a:rPr lang="zh-CN" altLang="en-US"/>
+              <a:t>二级</a:t>
+            </a:r>
+          </a:p>
+          <a:p>
+            <a:pPr lvl="2"/>
+            <a:r>
+              <a:rPr lang="zh-CN" altLang="en-US"/>
+              <a:t>三级</a:t>
+            </a:r>
+          </a:p>
+          <a:p>
+            <a:pPr lvl="3"/>
+            <a:r>
+              <a:rPr lang="zh-CN" altLang="en-US"/>
+              <a:t>四级</a:t>
+            </a:r>
+          </a:p>
+          <a:p>
+            <a:pPr lvl="4"/>
+            <a:r>
+              <a:rPr lang="zh-CN" altLang="en-US"/>
+              <a:t>五级</a:t>
+            </a:r>
+          </a:p>
+        </p:txBody>
+      </p:sp>
+      <p:sp>
+        <p:nvSpPr>
+          <p:cNvPr id="5" name="日期占位符 4">
+            <a:extLst>
+              <a:ext uri="{FF2B5EF4-FFF2-40B4-BE49-F238E27FC236}">
+                <a16:creationId xmlns:a16="http://schemas.microsoft.com/office/drawing/2014/main" id="{100C464B-81FD-43B3-ADDD-B78503DCCB34}"/>
               </a:ext>
             </a:extLst>
           </p:cNvPr>
@@ -2492,7 +2083,7 @@
           <a:p>
             <a:fld id="{84C55D5A-E844-714B-B760-C3552F524A44}" type="datetimeFigureOut">
               <a:rPr kumimoji="1" lang="zh-CN" altLang="en-US" smtClean="0"/>
-              <a:t>2023/9/24</a:t>
+              <a:t>2023/10/24</a:t>
             </a:fld>
             <a:endParaRPr kumimoji="1" lang="zh-CN" altLang="en-US"/>
           </a:p>
@@ -2500,10 +2091,10 @@
       </p:sp>
       <p:sp>
         <p:nvSpPr>
-          <p:cNvPr id="8" name="Footer Placeholder 7">
-            <a:extLst>
-              <a:ext uri="{FF2B5EF4-FFF2-40B4-BE49-F238E27FC236}">
-                <a16:creationId xmlns:a16="http://schemas.microsoft.com/office/drawing/2014/main" id="{189422CD-6F62-4DD6-89EF-07A60B42D219}"/>
+          <p:cNvPr id="6" name="页脚占位符 5">
+            <a:extLst>
+              <a:ext uri="{FF2B5EF4-FFF2-40B4-BE49-F238E27FC236}">
+                <a16:creationId xmlns:a16="http://schemas.microsoft.com/office/drawing/2014/main" id="{54EE3D05-5E6D-4A3C-AD8D-8BEAA3A1108E}"/>
               </a:ext>
             </a:extLst>
           </p:cNvPr>
@@ -2525,10 +2116,10 @@
       </p:sp>
       <p:sp>
         <p:nvSpPr>
-          <p:cNvPr id="11" name="Slide Number Placeholder 10">
-            <a:extLst>
-              <a:ext uri="{FF2B5EF4-FFF2-40B4-BE49-F238E27FC236}">
-                <a16:creationId xmlns:a16="http://schemas.microsoft.com/office/drawing/2014/main" id="{69C6AFF8-42B4-4D05-969B-9F5FB3355555}"/>
+          <p:cNvPr id="7" name="灯片编号占位符 6">
+            <a:extLst>
+              <a:ext uri="{FF2B5EF4-FFF2-40B4-BE49-F238E27FC236}">
+                <a16:creationId xmlns:a16="http://schemas.microsoft.com/office/drawing/2014/main" id="{BE346295-92F2-4B54-A731-323EAA9E8104}"/>
               </a:ext>
             </a:extLst>
           </p:cNvPr>
@@ -2555,7 +2146,7 @@
     </p:spTree>
     <p:extLst>
       <p:ext uri="{BB962C8B-B14F-4D97-AF65-F5344CB8AC3E}">
-        <p14:creationId xmlns:p14="http://schemas.microsoft.com/office/powerpoint/2010/main" val="3550168286"/>
+        <p14:creationId xmlns:p14="http://schemas.microsoft.com/office/powerpoint/2010/main" val="1076727830"/>
       </p:ext>
     </p:extLst>
   </p:cSld>
@@ -2578,8 +2169,8 @@
 </file>
 
 <file path=ppt/slideLayouts/slideLayout5.xml><?xml version="1.0" encoding="utf-8"?>
-<p:sldLayout xmlns:a="http://schemas.openxmlformats.org/drawingml/2006/main" xmlns:r="http://schemas.openxmlformats.org/officeDocument/2006/relationships" xmlns:p="http://schemas.openxmlformats.org/presentationml/2006/main" type="twoObj" preserve="1">
-  <p:cSld name="两栏内容">
+<p:sldLayout xmlns:a="http://schemas.openxmlformats.org/drawingml/2006/main" xmlns:r="http://schemas.openxmlformats.org/officeDocument/2006/relationships" xmlns:p="http://schemas.openxmlformats.org/presentationml/2006/main" type="twoTxTwoObj" preserve="1">
+  <p:cSld name="比较">
     <p:spTree>
       <p:nvGrpSpPr>
         <p:cNvPr id="1" name=""/>
@@ -2596,7 +2187,13 @@
       </p:grpSpPr>
       <p:sp>
         <p:nvSpPr>
-          <p:cNvPr id="8" name="Title 7"/>
+          <p:cNvPr id="2" name="标题 1">
+            <a:extLst>
+              <a:ext uri="{FF2B5EF4-FFF2-40B4-BE49-F238E27FC236}">
+                <a16:creationId xmlns:a16="http://schemas.microsoft.com/office/drawing/2014/main" id="{980A1917-CA2C-4F57-B3CC-A2A9BA57C9F7}"/>
+              </a:ext>
+            </a:extLst>
+          </p:cNvPr>
           <p:cNvSpPr>
             <a:spLocks noGrp="1"/>
           </p:cNvSpPr>
@@ -2606,8 +2203,8 @@
         </p:nvSpPr>
         <p:spPr>
           <a:xfrm>
-            <a:off x="1097280" y="286603"/>
-            <a:ext cx="10058400" cy="1450757"/>
+            <a:off x="839788" y="365125"/>
+            <a:ext cx="10515600" cy="1325563"/>
           </a:xfrm>
         </p:spPr>
         <p:txBody>
@@ -2618,29 +2215,71 @@
               <a:rPr lang="zh-CN" altLang="en-US"/>
               <a:t>单击此处编辑母版标题样式</a:t>
             </a:r>
-            <a:endParaRPr lang="en-US"/>
-          </a:p>
-        </p:txBody>
-      </p:sp>
-      <p:sp>
-        <p:nvSpPr>
-          <p:cNvPr id="3" name="Content Placeholder 2"/>
-          <p:cNvSpPr>
-            <a:spLocks noGrp="1"/>
-          </p:cNvSpPr>
-          <p:nvPr>
-            <p:ph sz="half" idx="1"/>
+          </a:p>
+        </p:txBody>
+      </p:sp>
+      <p:sp>
+        <p:nvSpPr>
+          <p:cNvPr id="3" name="文本占位符 2">
+            <a:extLst>
+              <a:ext uri="{FF2B5EF4-FFF2-40B4-BE49-F238E27FC236}">
+                <a16:creationId xmlns:a16="http://schemas.microsoft.com/office/drawing/2014/main" id="{B02E01C0-2EAB-4B28-B99A-4405792AA2A9}"/>
+              </a:ext>
+            </a:extLst>
+          </p:cNvPr>
+          <p:cNvSpPr>
+            <a:spLocks noGrp="1"/>
+          </p:cNvSpPr>
+          <p:nvPr>
+            <p:ph type="body" idx="1"/>
           </p:nvPr>
         </p:nvSpPr>
         <p:spPr>
           <a:xfrm>
-            <a:off x="1097280" y="2120900"/>
-            <a:ext cx="4639736" cy="3748193"/>
+            <a:off x="839788" y="1681163"/>
+            <a:ext cx="5157787" cy="823912"/>
           </a:xfrm>
         </p:spPr>
         <p:txBody>
-          <a:bodyPr/>
-          <a:lstStyle/>
+          <a:bodyPr anchor="b"/>
+          <a:lstStyle>
+            <a:lvl1pPr marL="0" indent="0">
+              <a:buNone/>
+              <a:defRPr sz="2400" b="1"/>
+            </a:lvl1pPr>
+            <a:lvl2pPr marL="457200" indent="0">
+              <a:buNone/>
+              <a:defRPr sz="2000" b="1"/>
+            </a:lvl2pPr>
+            <a:lvl3pPr marL="914400" indent="0">
+              <a:buNone/>
+              <a:defRPr sz="1800" b="1"/>
+            </a:lvl3pPr>
+            <a:lvl4pPr marL="1371600" indent="0">
+              <a:buNone/>
+              <a:defRPr sz="1600" b="1"/>
+            </a:lvl4pPr>
+            <a:lvl5pPr marL="1828800" indent="0">
+              <a:buNone/>
+              <a:defRPr sz="1600" b="1"/>
+            </a:lvl5pPr>
+            <a:lvl6pPr marL="2286000" indent="0">
+              <a:buNone/>
+              <a:defRPr sz="1600" b="1"/>
+            </a:lvl6pPr>
+            <a:lvl7pPr marL="2743200" indent="0">
+              <a:buNone/>
+              <a:defRPr sz="1600" b="1"/>
+            </a:lvl7pPr>
+            <a:lvl8pPr marL="3200400" indent="0">
+              <a:buNone/>
+              <a:defRPr sz="1600" b="1"/>
+            </a:lvl8pPr>
+            <a:lvl9pPr marL="3657600" indent="0">
+              <a:buNone/>
+              <a:defRPr sz="1600" b="1"/>
+            </a:lvl9pPr>
+          </a:lstStyle>
           <a:p>
             <a:pPr lvl="0"/>
             <a:r>
@@ -2648,40 +2287,17 @@
               <a:t>单击此处编辑母版文本样式</a:t>
             </a:r>
           </a:p>
-          <a:p>
-            <a:pPr lvl="1"/>
-            <a:r>
-              <a:rPr lang="zh-CN" altLang="en-US"/>
-              <a:t>二级</a:t>
-            </a:r>
-          </a:p>
-          <a:p>
-            <a:pPr lvl="2"/>
-            <a:r>
-              <a:rPr lang="zh-CN" altLang="en-US"/>
-              <a:t>三级</a:t>
-            </a:r>
-          </a:p>
-          <a:p>
-            <a:pPr lvl="3"/>
-            <a:r>
-              <a:rPr lang="zh-CN" altLang="en-US"/>
-              <a:t>四级</a:t>
-            </a:r>
-          </a:p>
-          <a:p>
-            <a:pPr lvl="4"/>
-            <a:r>
-              <a:rPr lang="zh-CN" altLang="en-US"/>
-              <a:t>五级</a:t>
-            </a:r>
-            <a:endParaRPr lang="en-US"/>
-          </a:p>
-        </p:txBody>
-      </p:sp>
-      <p:sp>
-        <p:nvSpPr>
-          <p:cNvPr id="4" name="Content Placeholder 3"/>
+        </p:txBody>
+      </p:sp>
+      <p:sp>
+        <p:nvSpPr>
+          <p:cNvPr id="4" name="内容占位符 3">
+            <a:extLst>
+              <a:ext uri="{FF2B5EF4-FFF2-40B4-BE49-F238E27FC236}">
+                <a16:creationId xmlns:a16="http://schemas.microsoft.com/office/drawing/2014/main" id="{A265980D-0A68-4497-B7D3-E955BB13375D}"/>
+              </a:ext>
+            </a:extLst>
+          </p:cNvPr>
           <p:cNvSpPr>
             <a:spLocks noGrp="1"/>
           </p:cNvSpPr>
@@ -2691,8 +2307,8 @@
         </p:nvSpPr>
         <p:spPr>
           <a:xfrm>
-            <a:off x="6515944" y="2120900"/>
-            <a:ext cx="4639736" cy="3748194"/>
+            <a:off x="839788" y="2505075"/>
+            <a:ext cx="5157787" cy="3684588"/>
           </a:xfrm>
         </p:spPr>
         <p:txBody>
@@ -2732,16 +2348,148 @@
               <a:rPr lang="zh-CN" altLang="en-US"/>
               <a:t>五级</a:t>
             </a:r>
-            <a:endParaRPr lang="en-US"/>
-          </a:p>
-        </p:txBody>
-      </p:sp>
-      <p:sp>
-        <p:nvSpPr>
-          <p:cNvPr id="2" name="Date Placeholder 1">
-            <a:extLst>
-              <a:ext uri="{FF2B5EF4-FFF2-40B4-BE49-F238E27FC236}">
-                <a16:creationId xmlns:a16="http://schemas.microsoft.com/office/drawing/2014/main" id="{5782D47D-B0DC-4C40-BCC6-BBBA32584A38}"/>
+          </a:p>
+        </p:txBody>
+      </p:sp>
+      <p:sp>
+        <p:nvSpPr>
+          <p:cNvPr id="5" name="文本占位符 4">
+            <a:extLst>
+              <a:ext uri="{FF2B5EF4-FFF2-40B4-BE49-F238E27FC236}">
+                <a16:creationId xmlns:a16="http://schemas.microsoft.com/office/drawing/2014/main" id="{F029EC16-CE4D-4660-87E5-C566E6324AF4}"/>
+              </a:ext>
+            </a:extLst>
+          </p:cNvPr>
+          <p:cNvSpPr>
+            <a:spLocks noGrp="1"/>
+          </p:cNvSpPr>
+          <p:nvPr>
+            <p:ph type="body" sz="quarter" idx="3"/>
+          </p:nvPr>
+        </p:nvSpPr>
+        <p:spPr>
+          <a:xfrm>
+            <a:off x="6172200" y="1681163"/>
+            <a:ext cx="5183188" cy="823912"/>
+          </a:xfrm>
+        </p:spPr>
+        <p:txBody>
+          <a:bodyPr anchor="b"/>
+          <a:lstStyle>
+            <a:lvl1pPr marL="0" indent="0">
+              <a:buNone/>
+              <a:defRPr sz="2400" b="1"/>
+            </a:lvl1pPr>
+            <a:lvl2pPr marL="457200" indent="0">
+              <a:buNone/>
+              <a:defRPr sz="2000" b="1"/>
+            </a:lvl2pPr>
+            <a:lvl3pPr marL="914400" indent="0">
+              <a:buNone/>
+              <a:defRPr sz="1800" b="1"/>
+            </a:lvl3pPr>
+            <a:lvl4pPr marL="1371600" indent="0">
+              <a:buNone/>
+              <a:defRPr sz="1600" b="1"/>
+            </a:lvl4pPr>
+            <a:lvl5pPr marL="1828800" indent="0">
+              <a:buNone/>
+              <a:defRPr sz="1600" b="1"/>
+            </a:lvl5pPr>
+            <a:lvl6pPr marL="2286000" indent="0">
+              <a:buNone/>
+              <a:defRPr sz="1600" b="1"/>
+            </a:lvl6pPr>
+            <a:lvl7pPr marL="2743200" indent="0">
+              <a:buNone/>
+              <a:defRPr sz="1600" b="1"/>
+            </a:lvl7pPr>
+            <a:lvl8pPr marL="3200400" indent="0">
+              <a:buNone/>
+              <a:defRPr sz="1600" b="1"/>
+            </a:lvl8pPr>
+            <a:lvl9pPr marL="3657600" indent="0">
+              <a:buNone/>
+              <a:defRPr sz="1600" b="1"/>
+            </a:lvl9pPr>
+          </a:lstStyle>
+          <a:p>
+            <a:pPr lvl="0"/>
+            <a:r>
+              <a:rPr lang="zh-CN" altLang="en-US"/>
+              <a:t>单击此处编辑母版文本样式</a:t>
+            </a:r>
+          </a:p>
+        </p:txBody>
+      </p:sp>
+      <p:sp>
+        <p:nvSpPr>
+          <p:cNvPr id="6" name="内容占位符 5">
+            <a:extLst>
+              <a:ext uri="{FF2B5EF4-FFF2-40B4-BE49-F238E27FC236}">
+                <a16:creationId xmlns:a16="http://schemas.microsoft.com/office/drawing/2014/main" id="{CD76753A-476F-4C93-AE32-237130A918A2}"/>
+              </a:ext>
+            </a:extLst>
+          </p:cNvPr>
+          <p:cNvSpPr>
+            <a:spLocks noGrp="1"/>
+          </p:cNvSpPr>
+          <p:nvPr>
+            <p:ph sz="quarter" idx="4"/>
+          </p:nvPr>
+        </p:nvSpPr>
+        <p:spPr>
+          <a:xfrm>
+            <a:off x="6172200" y="2505075"/>
+            <a:ext cx="5183188" cy="3684588"/>
+          </a:xfrm>
+        </p:spPr>
+        <p:txBody>
+          <a:bodyPr/>
+          <a:lstStyle/>
+          <a:p>
+            <a:pPr lvl="0"/>
+            <a:r>
+              <a:rPr lang="zh-CN" altLang="en-US"/>
+              <a:t>单击此处编辑母版文本样式</a:t>
+            </a:r>
+          </a:p>
+          <a:p>
+            <a:pPr lvl="1"/>
+            <a:r>
+              <a:rPr lang="zh-CN" altLang="en-US"/>
+              <a:t>二级</a:t>
+            </a:r>
+          </a:p>
+          <a:p>
+            <a:pPr lvl="2"/>
+            <a:r>
+              <a:rPr lang="zh-CN" altLang="en-US"/>
+              <a:t>三级</a:t>
+            </a:r>
+          </a:p>
+          <a:p>
+            <a:pPr lvl="3"/>
+            <a:r>
+              <a:rPr lang="zh-CN" altLang="en-US"/>
+              <a:t>四级</a:t>
+            </a:r>
+          </a:p>
+          <a:p>
+            <a:pPr lvl="4"/>
+            <a:r>
+              <a:rPr lang="zh-CN" altLang="en-US"/>
+              <a:t>五级</a:t>
+            </a:r>
+          </a:p>
+        </p:txBody>
+      </p:sp>
+      <p:sp>
+        <p:nvSpPr>
+          <p:cNvPr id="7" name="日期占位符 6">
+            <a:extLst>
+              <a:ext uri="{FF2B5EF4-FFF2-40B4-BE49-F238E27FC236}">
+                <a16:creationId xmlns:a16="http://schemas.microsoft.com/office/drawing/2014/main" id="{95FC5CCB-0EF0-4798-8C0F-E325EB7DEC1F}"/>
               </a:ext>
             </a:extLst>
           </p:cNvPr>
@@ -2759,7 +2507,7 @@
           <a:p>
             <a:fld id="{84C55D5A-E844-714B-B760-C3552F524A44}" type="datetimeFigureOut">
               <a:rPr kumimoji="1" lang="zh-CN" altLang="en-US" smtClean="0"/>
-              <a:t>2023/9/24</a:t>
+              <a:t>2023/10/24</a:t>
             </a:fld>
             <a:endParaRPr kumimoji="1" lang="zh-CN" altLang="en-US"/>
           </a:p>
@@ -2767,10 +2515,10 @@
       </p:sp>
       <p:sp>
         <p:nvSpPr>
-          <p:cNvPr id="9" name="Footer Placeholder 8">
-            <a:extLst>
-              <a:ext uri="{FF2B5EF4-FFF2-40B4-BE49-F238E27FC236}">
-                <a16:creationId xmlns:a16="http://schemas.microsoft.com/office/drawing/2014/main" id="{4690D34E-7EBD-44B2-83CA-4C126A18D7EF}"/>
+          <p:cNvPr id="8" name="页脚占位符 7">
+            <a:extLst>
+              <a:ext uri="{FF2B5EF4-FFF2-40B4-BE49-F238E27FC236}">
+                <a16:creationId xmlns:a16="http://schemas.microsoft.com/office/drawing/2014/main" id="{8880C4D6-5CA8-4C80-B8EB-C69C9D694A5D}"/>
               </a:ext>
             </a:extLst>
           </p:cNvPr>
@@ -2792,10 +2540,10 @@
       </p:sp>
       <p:sp>
         <p:nvSpPr>
-          <p:cNvPr id="10" name="Slide Number Placeholder 9">
-            <a:extLst>
-              <a:ext uri="{FF2B5EF4-FFF2-40B4-BE49-F238E27FC236}">
-                <a16:creationId xmlns:a16="http://schemas.microsoft.com/office/drawing/2014/main" id="{2AC511A1-9BBD-42DE-92FB-2AF44F8E97A9}"/>
+          <p:cNvPr id="9" name="灯片编号占位符 8">
+            <a:extLst>
+              <a:ext uri="{FF2B5EF4-FFF2-40B4-BE49-F238E27FC236}">
+                <a16:creationId xmlns:a16="http://schemas.microsoft.com/office/drawing/2014/main" id="{B222E1BA-CD27-48A1-869F-3EF6DACACD7D}"/>
               </a:ext>
             </a:extLst>
           </p:cNvPr>
@@ -2822,7 +2570,7 @@
     </p:spTree>
     <p:extLst>
       <p:ext uri="{BB962C8B-B14F-4D97-AF65-F5344CB8AC3E}">
-        <p14:creationId xmlns:p14="http://schemas.microsoft.com/office/powerpoint/2010/main" val="2783799162"/>
+        <p14:creationId xmlns:p14="http://schemas.microsoft.com/office/powerpoint/2010/main" val="2727203721"/>
       </p:ext>
     </p:extLst>
   </p:cSld>
@@ -2845,8 +2593,8 @@
 </file>
 
 <file path=ppt/slideLayouts/slideLayout6.xml><?xml version="1.0" encoding="utf-8"?>
-<p:sldLayout xmlns:a="http://schemas.openxmlformats.org/drawingml/2006/main" xmlns:r="http://schemas.openxmlformats.org/officeDocument/2006/relationships" xmlns:p="http://schemas.openxmlformats.org/presentationml/2006/main" type="twoTxTwoObj" preserve="1">
-  <p:cSld name="比较">
+<p:sldLayout xmlns:a="http://schemas.openxmlformats.org/drawingml/2006/main" xmlns:r="http://schemas.openxmlformats.org/officeDocument/2006/relationships" xmlns:p="http://schemas.openxmlformats.org/presentationml/2006/main" type="titleOnly" preserve="1">
+  <p:cSld name="仅标题">
     <p:spTree>
       <p:nvGrpSpPr>
         <p:cNvPr id="1" name=""/>
@@ -2863,7 +2611,13 @@
       </p:grpSpPr>
       <p:sp>
         <p:nvSpPr>
-          <p:cNvPr id="10" name="Title 9"/>
+          <p:cNvPr id="2" name="标题 1">
+            <a:extLst>
+              <a:ext uri="{FF2B5EF4-FFF2-40B4-BE49-F238E27FC236}">
+                <a16:creationId xmlns:a16="http://schemas.microsoft.com/office/drawing/2014/main" id="{81B3E84F-0FF8-4A05-BDDD-4C0521D2CFAA}"/>
+              </a:ext>
+            </a:extLst>
+          </p:cNvPr>
           <p:cNvSpPr>
             <a:spLocks noGrp="1"/>
           </p:cNvSpPr>
@@ -2871,12 +2625,7 @@
             <p:ph type="title"/>
           </p:nvPr>
         </p:nvSpPr>
-        <p:spPr>
-          <a:xfrm>
-            <a:off x="1097280" y="286603"/>
-            <a:ext cx="10058400" cy="1450757"/>
-          </a:xfrm>
-        </p:spPr>
+        <p:spPr/>
         <p:txBody>
           <a:bodyPr/>
           <a:lstStyle/>
@@ -2885,272 +2634,15 @@
               <a:rPr lang="zh-CN" altLang="en-US"/>
               <a:t>单击此处编辑母版标题样式</a:t>
             </a:r>
-            <a:endParaRPr lang="en-US"/>
-          </a:p>
-        </p:txBody>
-      </p:sp>
-      <p:sp>
-        <p:nvSpPr>
-          <p:cNvPr id="3" name="Text Placeholder 2"/>
-          <p:cNvSpPr>
-            <a:spLocks noGrp="1"/>
-          </p:cNvSpPr>
-          <p:nvPr>
-            <p:ph type="body" idx="1"/>
-          </p:nvPr>
-        </p:nvSpPr>
-        <p:spPr>
-          <a:xfrm>
-            <a:off x="1097280" y="2057400"/>
-            <a:ext cx="4639736" cy="736282"/>
-          </a:xfrm>
-        </p:spPr>
-        <p:txBody>
-          <a:bodyPr lIns="91440" rIns="91440" anchor="ctr">
-            <a:normAutofit/>
-          </a:bodyPr>
-          <a:lstStyle>
-            <a:lvl1pPr marL="0" indent="0">
-              <a:buNone/>
-              <a:defRPr sz="2000" b="0" cap="all" baseline="0">
-                <a:solidFill>
-                  <a:schemeClr val="tx1"/>
-                </a:solidFill>
-              </a:defRPr>
-            </a:lvl1pPr>
-            <a:lvl2pPr marL="457200" indent="0">
-              <a:buNone/>
-              <a:defRPr sz="2000" b="1"/>
-            </a:lvl2pPr>
-            <a:lvl3pPr marL="914400" indent="0">
-              <a:buNone/>
-              <a:defRPr sz="1800" b="1"/>
-            </a:lvl3pPr>
-            <a:lvl4pPr marL="1371600" indent="0">
-              <a:buNone/>
-              <a:defRPr sz="1600" b="1"/>
-            </a:lvl4pPr>
-            <a:lvl5pPr marL="1828800" indent="0">
-              <a:buNone/>
-              <a:defRPr sz="1600" b="1"/>
-            </a:lvl5pPr>
-            <a:lvl6pPr marL="2286000" indent="0">
-              <a:buNone/>
-              <a:defRPr sz="1600" b="1"/>
-            </a:lvl6pPr>
-            <a:lvl7pPr marL="2743200" indent="0">
-              <a:buNone/>
-              <a:defRPr sz="1600" b="1"/>
-            </a:lvl7pPr>
-            <a:lvl8pPr marL="3200400" indent="0">
-              <a:buNone/>
-              <a:defRPr sz="1600" b="1"/>
-            </a:lvl8pPr>
-            <a:lvl9pPr marL="3657600" indent="0">
-              <a:buNone/>
-              <a:defRPr sz="1600" b="1"/>
-            </a:lvl9pPr>
-          </a:lstStyle>
-          <a:p>
-            <a:pPr lvl="0"/>
-            <a:r>
-              <a:rPr lang="zh-CN" altLang="en-US"/>
-              <a:t>单击此处编辑母版文本样式</a:t>
-            </a:r>
-          </a:p>
-        </p:txBody>
-      </p:sp>
-      <p:sp>
-        <p:nvSpPr>
-          <p:cNvPr id="4" name="Content Placeholder 3"/>
-          <p:cNvSpPr>
-            <a:spLocks noGrp="1"/>
-          </p:cNvSpPr>
-          <p:nvPr>
-            <p:ph sz="half" idx="2"/>
-          </p:nvPr>
-        </p:nvSpPr>
-        <p:spPr>
-          <a:xfrm>
-            <a:off x="1097280" y="2958274"/>
-            <a:ext cx="4639736" cy="2910821"/>
-          </a:xfrm>
-        </p:spPr>
-        <p:txBody>
-          <a:bodyPr/>
-          <a:lstStyle/>
-          <a:p>
-            <a:pPr lvl="0"/>
-            <a:r>
-              <a:rPr lang="zh-CN" altLang="en-US"/>
-              <a:t>单击此处编辑母版文本样式</a:t>
-            </a:r>
-          </a:p>
-          <a:p>
-            <a:pPr lvl="1"/>
-            <a:r>
-              <a:rPr lang="zh-CN" altLang="en-US"/>
-              <a:t>二级</a:t>
-            </a:r>
-          </a:p>
-          <a:p>
-            <a:pPr lvl="2"/>
-            <a:r>
-              <a:rPr lang="zh-CN" altLang="en-US"/>
-              <a:t>三级</a:t>
-            </a:r>
-          </a:p>
-          <a:p>
-            <a:pPr lvl="3"/>
-            <a:r>
-              <a:rPr lang="zh-CN" altLang="en-US"/>
-              <a:t>四级</a:t>
-            </a:r>
-          </a:p>
-          <a:p>
-            <a:pPr lvl="4"/>
-            <a:r>
-              <a:rPr lang="zh-CN" altLang="en-US"/>
-              <a:t>五级</a:t>
-            </a:r>
-            <a:endParaRPr lang="en-US"/>
-          </a:p>
-        </p:txBody>
-      </p:sp>
-      <p:sp>
-        <p:nvSpPr>
-          <p:cNvPr id="5" name="Text Placeholder 4"/>
-          <p:cNvSpPr>
-            <a:spLocks noGrp="1"/>
-          </p:cNvSpPr>
-          <p:nvPr>
-            <p:ph type="body" sz="quarter" idx="3"/>
-          </p:nvPr>
-        </p:nvSpPr>
-        <p:spPr>
-          <a:xfrm>
-            <a:off x="6515944" y="2057400"/>
-            <a:ext cx="4639736" cy="736282"/>
-          </a:xfrm>
-        </p:spPr>
-        <p:txBody>
-          <a:bodyPr lIns="91440" rIns="91440" anchor="ctr">
-            <a:normAutofit/>
-          </a:bodyPr>
-          <a:lstStyle>
-            <a:lvl1pPr marL="0" indent="0">
-              <a:buNone/>
-              <a:defRPr sz="2000" b="0" cap="all" baseline="0">
-                <a:solidFill>
-                  <a:schemeClr val="tx1"/>
-                </a:solidFill>
-              </a:defRPr>
-            </a:lvl1pPr>
-            <a:lvl2pPr marL="457200" indent="0">
-              <a:buNone/>
-              <a:defRPr sz="2000" b="1"/>
-            </a:lvl2pPr>
-            <a:lvl3pPr marL="914400" indent="0">
-              <a:buNone/>
-              <a:defRPr sz="1800" b="1"/>
-            </a:lvl3pPr>
-            <a:lvl4pPr marL="1371600" indent="0">
-              <a:buNone/>
-              <a:defRPr sz="1600" b="1"/>
-            </a:lvl4pPr>
-            <a:lvl5pPr marL="1828800" indent="0">
-              <a:buNone/>
-              <a:defRPr sz="1600" b="1"/>
-            </a:lvl5pPr>
-            <a:lvl6pPr marL="2286000" indent="0">
-              <a:buNone/>
-              <a:defRPr sz="1600" b="1"/>
-            </a:lvl6pPr>
-            <a:lvl7pPr marL="2743200" indent="0">
-              <a:buNone/>
-              <a:defRPr sz="1600" b="1"/>
-            </a:lvl7pPr>
-            <a:lvl8pPr marL="3200400" indent="0">
-              <a:buNone/>
-              <a:defRPr sz="1600" b="1"/>
-            </a:lvl8pPr>
-            <a:lvl9pPr marL="3657600" indent="0">
-              <a:buNone/>
-              <a:defRPr sz="1600" b="1"/>
-            </a:lvl9pPr>
-          </a:lstStyle>
-          <a:p>
-            <a:pPr lvl="0"/>
-            <a:r>
-              <a:rPr lang="zh-CN" altLang="en-US"/>
-              <a:t>单击此处编辑母版文本样式</a:t>
-            </a:r>
-          </a:p>
-        </p:txBody>
-      </p:sp>
-      <p:sp>
-        <p:nvSpPr>
-          <p:cNvPr id="6" name="Content Placeholder 5"/>
-          <p:cNvSpPr>
-            <a:spLocks noGrp="1"/>
-          </p:cNvSpPr>
-          <p:nvPr>
-            <p:ph sz="quarter" idx="4"/>
-          </p:nvPr>
-        </p:nvSpPr>
-        <p:spPr>
-          <a:xfrm>
-            <a:off x="6515944" y="2958273"/>
-            <a:ext cx="4639736" cy="2910821"/>
-          </a:xfrm>
-        </p:spPr>
-        <p:txBody>
-          <a:bodyPr/>
-          <a:lstStyle/>
-          <a:p>
-            <a:pPr lvl="0"/>
-            <a:r>
-              <a:rPr lang="zh-CN" altLang="en-US"/>
-              <a:t>单击此处编辑母版文本样式</a:t>
-            </a:r>
-          </a:p>
-          <a:p>
-            <a:pPr lvl="1"/>
-            <a:r>
-              <a:rPr lang="zh-CN" altLang="en-US"/>
-              <a:t>二级</a:t>
-            </a:r>
-          </a:p>
-          <a:p>
-            <a:pPr lvl="2"/>
-            <a:r>
-              <a:rPr lang="zh-CN" altLang="en-US"/>
-              <a:t>三级</a:t>
-            </a:r>
-          </a:p>
-          <a:p>
-            <a:pPr lvl="3"/>
-            <a:r>
-              <a:rPr lang="zh-CN" altLang="en-US"/>
-              <a:t>四级</a:t>
-            </a:r>
-          </a:p>
-          <a:p>
-            <a:pPr lvl="4"/>
-            <a:r>
-              <a:rPr lang="zh-CN" altLang="en-US"/>
-              <a:t>五级</a:t>
-            </a:r>
-            <a:endParaRPr lang="en-US"/>
-          </a:p>
-        </p:txBody>
-      </p:sp>
-      <p:sp>
-        <p:nvSpPr>
-          <p:cNvPr id="2" name="Date Placeholder 1">
-            <a:extLst>
-              <a:ext uri="{FF2B5EF4-FFF2-40B4-BE49-F238E27FC236}">
-                <a16:creationId xmlns:a16="http://schemas.microsoft.com/office/drawing/2014/main" id="{8AF8A515-AA94-45D1-9223-5C2272618D85}"/>
+          </a:p>
+        </p:txBody>
+      </p:sp>
+      <p:sp>
+        <p:nvSpPr>
+          <p:cNvPr id="3" name="日期占位符 2">
+            <a:extLst>
+              <a:ext uri="{FF2B5EF4-FFF2-40B4-BE49-F238E27FC236}">
+                <a16:creationId xmlns:a16="http://schemas.microsoft.com/office/drawing/2014/main" id="{7F155276-48B5-45BC-976D-84A015EAC545}"/>
               </a:ext>
             </a:extLst>
           </p:cNvPr>
@@ -3168,7 +2660,7 @@
           <a:p>
             <a:fld id="{84C55D5A-E844-714B-B760-C3552F524A44}" type="datetimeFigureOut">
               <a:rPr kumimoji="1" lang="zh-CN" altLang="en-US" smtClean="0"/>
-              <a:t>2023/9/24</a:t>
+              <a:t>2023/10/24</a:t>
             </a:fld>
             <a:endParaRPr kumimoji="1" lang="zh-CN" altLang="en-US"/>
           </a:p>
@@ -3176,10 +2668,10 @@
       </p:sp>
       <p:sp>
         <p:nvSpPr>
-          <p:cNvPr id="11" name="Footer Placeholder 10">
-            <a:extLst>
-              <a:ext uri="{FF2B5EF4-FFF2-40B4-BE49-F238E27FC236}">
-                <a16:creationId xmlns:a16="http://schemas.microsoft.com/office/drawing/2014/main" id="{D052F5BC-98E0-4D60-AD67-9547738B7DD4}"/>
+          <p:cNvPr id="4" name="页脚占位符 3">
+            <a:extLst>
+              <a:ext uri="{FF2B5EF4-FFF2-40B4-BE49-F238E27FC236}">
+                <a16:creationId xmlns:a16="http://schemas.microsoft.com/office/drawing/2014/main" id="{3CE8DA6E-905B-4FD1-B61B-C9765154032D}"/>
               </a:ext>
             </a:extLst>
           </p:cNvPr>
@@ -3201,10 +2693,10 @@
       </p:sp>
       <p:sp>
         <p:nvSpPr>
-          <p:cNvPr id="12" name="Slide Number Placeholder 11">
-            <a:extLst>
-              <a:ext uri="{FF2B5EF4-FFF2-40B4-BE49-F238E27FC236}">
-                <a16:creationId xmlns:a16="http://schemas.microsoft.com/office/drawing/2014/main" id="{A38552DC-952E-41EA-AAAF-C2187523C0B0}"/>
+          <p:cNvPr id="5" name="灯片编号占位符 4">
+            <a:extLst>
+              <a:ext uri="{FF2B5EF4-FFF2-40B4-BE49-F238E27FC236}">
+                <a16:creationId xmlns:a16="http://schemas.microsoft.com/office/drawing/2014/main" id="{B914CB43-ADE9-4938-9C46-A5BA213A38EC}"/>
               </a:ext>
             </a:extLst>
           </p:cNvPr>
@@ -3231,7 +2723,7 @@
     </p:spTree>
     <p:extLst>
       <p:ext uri="{BB962C8B-B14F-4D97-AF65-F5344CB8AC3E}">
-        <p14:creationId xmlns:p14="http://schemas.microsoft.com/office/powerpoint/2010/main" val="414586314"/>
+        <p14:creationId xmlns:p14="http://schemas.microsoft.com/office/powerpoint/2010/main" val="3658202879"/>
       </p:ext>
     </p:extLst>
   </p:cSld>
@@ -3254,8 +2746,8 @@
 </file>
 
 <file path=ppt/slideLayouts/slideLayout7.xml><?xml version="1.0" encoding="utf-8"?>
-<p:sldLayout xmlns:a="http://schemas.openxmlformats.org/drawingml/2006/main" xmlns:r="http://schemas.openxmlformats.org/officeDocument/2006/relationships" xmlns:p="http://schemas.openxmlformats.org/presentationml/2006/main" type="titleOnly" preserve="1">
-  <p:cSld name="仅标题">
+<p:sldLayout xmlns:a="http://schemas.openxmlformats.org/drawingml/2006/main" xmlns:r="http://schemas.openxmlformats.org/officeDocument/2006/relationships" xmlns:p="http://schemas.openxmlformats.org/presentationml/2006/main" type="blank" preserve="1">
+  <p:cSld name="空白">
     <p:spTree>
       <p:nvGrpSpPr>
         <p:cNvPr id="1" name=""/>
@@ -3272,33 +2764,10 @@
       </p:grpSpPr>
       <p:sp>
         <p:nvSpPr>
-          <p:cNvPr id="2" name="Title 1"/>
-          <p:cNvSpPr>
-            <a:spLocks noGrp="1"/>
-          </p:cNvSpPr>
-          <p:nvPr>
-            <p:ph type="title"/>
-          </p:nvPr>
-        </p:nvSpPr>
-        <p:spPr/>
-        <p:txBody>
-          <a:bodyPr/>
-          <a:lstStyle/>
-          <a:p>
-            <a:r>
-              <a:rPr lang="zh-CN" altLang="en-US"/>
-              <a:t>单击此处编辑母版标题样式</a:t>
-            </a:r>
-            <a:endParaRPr lang="en-US"/>
-          </a:p>
-        </p:txBody>
-      </p:sp>
-      <p:sp>
-        <p:nvSpPr>
-          <p:cNvPr id="6" name="Date Placeholder 5">
-            <a:extLst>
-              <a:ext uri="{FF2B5EF4-FFF2-40B4-BE49-F238E27FC236}">
-                <a16:creationId xmlns:a16="http://schemas.microsoft.com/office/drawing/2014/main" id="{7392073F-158F-44A3-8913-917AFFC1BC20}"/>
+          <p:cNvPr id="2" name="日期占位符 1">
+            <a:extLst>
+              <a:ext uri="{FF2B5EF4-FFF2-40B4-BE49-F238E27FC236}">
+                <a16:creationId xmlns:a16="http://schemas.microsoft.com/office/drawing/2014/main" id="{6409D84B-3403-4B64-9E5F-AC0465F491D3}"/>
               </a:ext>
             </a:extLst>
           </p:cNvPr>
@@ -3316,7 +2785,7 @@
           <a:p>
             <a:fld id="{84C55D5A-E844-714B-B760-C3552F524A44}" type="datetimeFigureOut">
               <a:rPr kumimoji="1" lang="zh-CN" altLang="en-US" smtClean="0"/>
-              <a:t>2023/9/24</a:t>
+              <a:t>2023/10/24</a:t>
             </a:fld>
             <a:endParaRPr kumimoji="1" lang="zh-CN" altLang="en-US"/>
           </a:p>
@@ -3324,10 +2793,10 @@
       </p:sp>
       <p:sp>
         <p:nvSpPr>
-          <p:cNvPr id="7" name="Footer Placeholder 6">
-            <a:extLst>
-              <a:ext uri="{FF2B5EF4-FFF2-40B4-BE49-F238E27FC236}">
-                <a16:creationId xmlns:a16="http://schemas.microsoft.com/office/drawing/2014/main" id="{EED72207-24CA-42B7-A975-2F8E41CBA904}"/>
+          <p:cNvPr id="3" name="页脚占位符 2">
+            <a:extLst>
+              <a:ext uri="{FF2B5EF4-FFF2-40B4-BE49-F238E27FC236}">
+                <a16:creationId xmlns:a16="http://schemas.microsoft.com/office/drawing/2014/main" id="{EA9DDEBD-0924-4476-A11A-6790265596FD}"/>
               </a:ext>
             </a:extLst>
           </p:cNvPr>
@@ -3349,10 +2818,10 @@
       </p:sp>
       <p:sp>
         <p:nvSpPr>
-          <p:cNvPr id="8" name="Slide Number Placeholder 7">
-            <a:extLst>
-              <a:ext uri="{FF2B5EF4-FFF2-40B4-BE49-F238E27FC236}">
-                <a16:creationId xmlns:a16="http://schemas.microsoft.com/office/drawing/2014/main" id="{D01080F2-251A-4B88-9A62-16F46D724F83}"/>
+          <p:cNvPr id="4" name="灯片编号占位符 3">
+            <a:extLst>
+              <a:ext uri="{FF2B5EF4-FFF2-40B4-BE49-F238E27FC236}">
+                <a16:creationId xmlns:a16="http://schemas.microsoft.com/office/drawing/2014/main" id="{384E96B3-D5A7-4EB9-A57E-5C8BD9AC0B6F}"/>
               </a:ext>
             </a:extLst>
           </p:cNvPr>
@@ -3379,7 +2848,7 @@
     </p:spTree>
     <p:extLst>
       <p:ext uri="{BB962C8B-B14F-4D97-AF65-F5344CB8AC3E}">
-        <p14:creationId xmlns:p14="http://schemas.microsoft.com/office/powerpoint/2010/main" val="2813143212"/>
+        <p14:creationId xmlns:p14="http://schemas.microsoft.com/office/powerpoint/2010/main" val="477490053"/>
       </p:ext>
     </p:extLst>
   </p:cSld>
@@ -3402,8 +2871,8 @@
 </file>
 
 <file path=ppt/slideLayouts/slideLayout8.xml><?xml version="1.0" encoding="utf-8"?>
-<p:sldLayout xmlns:a="http://schemas.openxmlformats.org/drawingml/2006/main" xmlns:r="http://schemas.openxmlformats.org/officeDocument/2006/relationships" xmlns:p="http://schemas.openxmlformats.org/presentationml/2006/main" type="blank" preserve="1">
-  <p:cSld name="空白">
+<p:sldLayout xmlns:a="http://schemas.openxmlformats.org/drawingml/2006/main" xmlns:r="http://schemas.openxmlformats.org/officeDocument/2006/relationships" xmlns:p="http://schemas.openxmlformats.org/presentationml/2006/main" type="objTx" preserve="1">
+  <p:cSld name="内容与标题">
     <p:spTree>
       <p:nvGrpSpPr>
         <p:cNvPr id="1" name=""/>
@@ -3420,54 +2889,208 @@
       </p:grpSpPr>
       <p:sp>
         <p:nvSpPr>
-          <p:cNvPr id="10" name="Rectangle 9">
-            <a:extLst>
-              <a:ext uri="{FF2B5EF4-FFF2-40B4-BE49-F238E27FC236}">
-                <a16:creationId xmlns:a16="http://schemas.microsoft.com/office/drawing/2014/main" id="{A8E9C91B-7EAD-4562-AB0E-DFB9663AECE3}"/>
-              </a:ext>
-            </a:extLst>
-          </p:cNvPr>
-          <p:cNvSpPr/>
-          <p:nvPr/>
+          <p:cNvPr id="2" name="标题 1">
+            <a:extLst>
+              <a:ext uri="{FF2B5EF4-FFF2-40B4-BE49-F238E27FC236}">
+                <a16:creationId xmlns:a16="http://schemas.microsoft.com/office/drawing/2014/main" id="{0C798F21-C4BF-47C9-9ED1-735EA2832D62}"/>
+              </a:ext>
+            </a:extLst>
+          </p:cNvPr>
+          <p:cNvSpPr>
+            <a:spLocks noGrp="1"/>
+          </p:cNvSpPr>
+          <p:nvPr>
+            <p:ph type="title"/>
+          </p:nvPr>
         </p:nvSpPr>
         <p:spPr>
           <a:xfrm>
-            <a:off x="3175" y="6400800"/>
-            <a:ext cx="12188825" cy="457200"/>
+            <a:off x="839788" y="457200"/>
+            <a:ext cx="3932237" cy="1600200"/>
           </a:xfrm>
-          <a:prstGeom prst="rect">
-            <a:avLst/>
-          </a:prstGeom>
-          <a:solidFill>
-            <a:srgbClr val="262626"/>
-          </a:solidFill>
-          <a:ln>
-            <a:noFill/>
-          </a:ln>
         </p:spPr>
-        <p:style>
-          <a:lnRef idx="2">
-            <a:schemeClr val="accent1">
-              <a:shade val="50000"/>
-            </a:schemeClr>
-          </a:lnRef>
-          <a:fillRef idx="1">
-            <a:schemeClr val="accent1"/>
-          </a:fillRef>
-          <a:effectRef idx="0">
-            <a:schemeClr val="accent1"/>
-          </a:effectRef>
-          <a:fontRef idx="minor">
-            <a:schemeClr val="lt1"/>
-          </a:fontRef>
-        </p:style>
-      </p:sp>
-      <p:sp>
-        <p:nvSpPr>
-          <p:cNvPr id="2" name="Date Placeholder 1">
-            <a:extLst>
-              <a:ext uri="{FF2B5EF4-FFF2-40B4-BE49-F238E27FC236}">
-                <a16:creationId xmlns:a16="http://schemas.microsoft.com/office/drawing/2014/main" id="{94E9223F-721F-47BF-9FD5-0F8D12FF0DE1}"/>
+        <p:txBody>
+          <a:bodyPr anchor="b"/>
+          <a:lstStyle>
+            <a:lvl1pPr>
+              <a:defRPr sz="3200"/>
+            </a:lvl1pPr>
+          </a:lstStyle>
+          <a:p>
+            <a:r>
+              <a:rPr lang="zh-CN" altLang="en-US"/>
+              <a:t>单击此处编辑母版标题样式</a:t>
+            </a:r>
+          </a:p>
+        </p:txBody>
+      </p:sp>
+      <p:sp>
+        <p:nvSpPr>
+          <p:cNvPr id="3" name="内容占位符 2">
+            <a:extLst>
+              <a:ext uri="{FF2B5EF4-FFF2-40B4-BE49-F238E27FC236}">
+                <a16:creationId xmlns:a16="http://schemas.microsoft.com/office/drawing/2014/main" id="{35B2D0F9-5D49-4526-9A34-46E9FE3875B2}"/>
+              </a:ext>
+            </a:extLst>
+          </p:cNvPr>
+          <p:cNvSpPr>
+            <a:spLocks noGrp="1"/>
+          </p:cNvSpPr>
+          <p:nvPr>
+            <p:ph idx="1"/>
+          </p:nvPr>
+        </p:nvSpPr>
+        <p:spPr>
+          <a:xfrm>
+            <a:off x="5183188" y="987425"/>
+            <a:ext cx="6172200" cy="4873625"/>
+          </a:xfrm>
+        </p:spPr>
+        <p:txBody>
+          <a:bodyPr/>
+          <a:lstStyle>
+            <a:lvl1pPr>
+              <a:defRPr sz="3200"/>
+            </a:lvl1pPr>
+            <a:lvl2pPr>
+              <a:defRPr sz="2800"/>
+            </a:lvl2pPr>
+            <a:lvl3pPr>
+              <a:defRPr sz="2400"/>
+            </a:lvl3pPr>
+            <a:lvl4pPr>
+              <a:defRPr sz="2000"/>
+            </a:lvl4pPr>
+            <a:lvl5pPr>
+              <a:defRPr sz="2000"/>
+            </a:lvl5pPr>
+            <a:lvl6pPr>
+              <a:defRPr sz="2000"/>
+            </a:lvl6pPr>
+            <a:lvl7pPr>
+              <a:defRPr sz="2000"/>
+            </a:lvl7pPr>
+            <a:lvl8pPr>
+              <a:defRPr sz="2000"/>
+            </a:lvl8pPr>
+            <a:lvl9pPr>
+              <a:defRPr sz="2000"/>
+            </a:lvl9pPr>
+          </a:lstStyle>
+          <a:p>
+            <a:pPr lvl="0"/>
+            <a:r>
+              <a:rPr lang="zh-CN" altLang="en-US"/>
+              <a:t>单击此处编辑母版文本样式</a:t>
+            </a:r>
+          </a:p>
+          <a:p>
+            <a:pPr lvl="1"/>
+            <a:r>
+              <a:rPr lang="zh-CN" altLang="en-US"/>
+              <a:t>二级</a:t>
+            </a:r>
+          </a:p>
+          <a:p>
+            <a:pPr lvl="2"/>
+            <a:r>
+              <a:rPr lang="zh-CN" altLang="en-US"/>
+              <a:t>三级</a:t>
+            </a:r>
+          </a:p>
+          <a:p>
+            <a:pPr lvl="3"/>
+            <a:r>
+              <a:rPr lang="zh-CN" altLang="en-US"/>
+              <a:t>四级</a:t>
+            </a:r>
+          </a:p>
+          <a:p>
+            <a:pPr lvl="4"/>
+            <a:r>
+              <a:rPr lang="zh-CN" altLang="en-US"/>
+              <a:t>五级</a:t>
+            </a:r>
+          </a:p>
+        </p:txBody>
+      </p:sp>
+      <p:sp>
+        <p:nvSpPr>
+          <p:cNvPr id="4" name="文本占位符 3">
+            <a:extLst>
+              <a:ext uri="{FF2B5EF4-FFF2-40B4-BE49-F238E27FC236}">
+                <a16:creationId xmlns:a16="http://schemas.microsoft.com/office/drawing/2014/main" id="{48D7E14E-3730-4EAD-AC20-EC0E5002663B}"/>
+              </a:ext>
+            </a:extLst>
+          </p:cNvPr>
+          <p:cNvSpPr>
+            <a:spLocks noGrp="1"/>
+          </p:cNvSpPr>
+          <p:nvPr>
+            <p:ph type="body" sz="half" idx="2"/>
+          </p:nvPr>
+        </p:nvSpPr>
+        <p:spPr>
+          <a:xfrm>
+            <a:off x="839788" y="2057400"/>
+            <a:ext cx="3932237" cy="3811588"/>
+          </a:xfrm>
+        </p:spPr>
+        <p:txBody>
+          <a:bodyPr/>
+          <a:lstStyle>
+            <a:lvl1pPr marL="0" indent="0">
+              <a:buNone/>
+              <a:defRPr sz="1600"/>
+            </a:lvl1pPr>
+            <a:lvl2pPr marL="457200" indent="0">
+              <a:buNone/>
+              <a:defRPr sz="1400"/>
+            </a:lvl2pPr>
+            <a:lvl3pPr marL="914400" indent="0">
+              <a:buNone/>
+              <a:defRPr sz="1200"/>
+            </a:lvl3pPr>
+            <a:lvl4pPr marL="1371600" indent="0">
+              <a:buNone/>
+              <a:defRPr sz="1000"/>
+            </a:lvl4pPr>
+            <a:lvl5pPr marL="1828800" indent="0">
+              <a:buNone/>
+              <a:defRPr sz="1000"/>
+            </a:lvl5pPr>
+            <a:lvl6pPr marL="2286000" indent="0">
+              <a:buNone/>
+              <a:defRPr sz="1000"/>
+            </a:lvl6pPr>
+            <a:lvl7pPr marL="2743200" indent="0">
+              <a:buNone/>
+              <a:defRPr sz="1000"/>
+            </a:lvl7pPr>
+            <a:lvl8pPr marL="3200400" indent="0">
+              <a:buNone/>
+              <a:defRPr sz="1000"/>
+            </a:lvl8pPr>
+            <a:lvl9pPr marL="3657600" indent="0">
+              <a:buNone/>
+              <a:defRPr sz="1000"/>
+            </a:lvl9pPr>
+          </a:lstStyle>
+          <a:p>
+            <a:pPr lvl="0"/>
+            <a:r>
+              <a:rPr lang="zh-CN" altLang="en-US"/>
+              <a:t>单击此处编辑母版文本样式</a:t>
+            </a:r>
+          </a:p>
+        </p:txBody>
+      </p:sp>
+      <p:sp>
+        <p:nvSpPr>
+          <p:cNvPr id="5" name="日期占位符 4">
+            <a:extLst>
+              <a:ext uri="{FF2B5EF4-FFF2-40B4-BE49-F238E27FC236}">
+                <a16:creationId xmlns:a16="http://schemas.microsoft.com/office/drawing/2014/main" id="{269F566C-5256-4F07-9451-178E5DFAC0BE}"/>
               </a:ext>
             </a:extLst>
           </p:cNvPr>
@@ -3485,7 +3108,7 @@
           <a:p>
             <a:fld id="{84C55D5A-E844-714B-B760-C3552F524A44}" type="datetimeFigureOut">
               <a:rPr kumimoji="1" lang="zh-CN" altLang="en-US" smtClean="0"/>
-              <a:t>2023/9/24</a:t>
+              <a:t>2023/10/24</a:t>
             </a:fld>
             <a:endParaRPr kumimoji="1" lang="zh-CN" altLang="en-US"/>
           </a:p>
@@ -3493,10 +3116,10 @@
       </p:sp>
       <p:sp>
         <p:nvSpPr>
-          <p:cNvPr id="3" name="Footer Placeholder 2">
-            <a:extLst>
-              <a:ext uri="{FF2B5EF4-FFF2-40B4-BE49-F238E27FC236}">
-                <a16:creationId xmlns:a16="http://schemas.microsoft.com/office/drawing/2014/main" id="{05915714-6BBA-4593-8591-4E26F7D58D9F}"/>
+          <p:cNvPr id="6" name="页脚占位符 5">
+            <a:extLst>
+              <a:ext uri="{FF2B5EF4-FFF2-40B4-BE49-F238E27FC236}">
+                <a16:creationId xmlns:a16="http://schemas.microsoft.com/office/drawing/2014/main" id="{F4F2B5F9-CA60-4AF8-B167-843507F3424D}"/>
               </a:ext>
             </a:extLst>
           </p:cNvPr>
@@ -3518,10 +3141,10 @@
       </p:sp>
       <p:sp>
         <p:nvSpPr>
-          <p:cNvPr id="4" name="Slide Number Placeholder 3">
-            <a:extLst>
-              <a:ext uri="{FF2B5EF4-FFF2-40B4-BE49-F238E27FC236}">
-                <a16:creationId xmlns:a16="http://schemas.microsoft.com/office/drawing/2014/main" id="{BE06F857-D2E1-44DD-ABDD-EBB739645B67}"/>
+          <p:cNvPr id="7" name="灯片编号占位符 6">
+            <a:extLst>
+              <a:ext uri="{FF2B5EF4-FFF2-40B4-BE49-F238E27FC236}">
+                <a16:creationId xmlns:a16="http://schemas.microsoft.com/office/drawing/2014/main" id="{4C4F2F09-46C2-444B-B9B7-C2074709C809}"/>
               </a:ext>
             </a:extLst>
           </p:cNvPr>
@@ -3548,7 +3171,7 @@
     </p:spTree>
     <p:extLst>
       <p:ext uri="{BB962C8B-B14F-4D97-AF65-F5344CB8AC3E}">
-        <p14:creationId xmlns:p14="http://schemas.microsoft.com/office/powerpoint/2010/main" val="1115332128"/>
+        <p14:creationId xmlns:p14="http://schemas.microsoft.com/office/powerpoint/2010/main" val="1093223003"/>
       </p:ext>
     </p:extLst>
   </p:cSld>
@@ -3571,8 +3194,8 @@
 </file>
 
 <file path=ppt/slideLayouts/slideLayout9.xml><?xml version="1.0" encoding="utf-8"?>
-<p:sldLayout xmlns:a="http://schemas.openxmlformats.org/drawingml/2006/main" xmlns:r="http://schemas.openxmlformats.org/officeDocument/2006/relationships" xmlns:p="http://schemas.openxmlformats.org/presentationml/2006/main" type="objTx" preserve="1">
-  <p:cSld name="内容与标题">
+<p:sldLayout xmlns:a="http://schemas.openxmlformats.org/drawingml/2006/main" xmlns:r="http://schemas.openxmlformats.org/officeDocument/2006/relationships" xmlns:p="http://schemas.openxmlformats.org/presentationml/2006/main" type="picTx" preserve="1">
+  <p:cSld name="图片与标题">
     <p:spTree>
       <p:nvGrpSpPr>
         <p:cNvPr id="1" name=""/>
@@ -3589,206 +3212,171 @@
       </p:grpSpPr>
       <p:sp>
         <p:nvSpPr>
-          <p:cNvPr id="8" name="Rectangle 7">
-            <a:extLst>
-              <a:ext uri="{FF2B5EF4-FFF2-40B4-BE49-F238E27FC236}">
-                <a16:creationId xmlns:a16="http://schemas.microsoft.com/office/drawing/2014/main" id="{16D90D66-BCB9-4229-A829-628874352AC0}"/>
-              </a:ext>
-            </a:extLst>
-          </p:cNvPr>
-          <p:cNvSpPr/>
-          <p:nvPr/>
+          <p:cNvPr id="2" name="标题 1">
+            <a:extLst>
+              <a:ext uri="{FF2B5EF4-FFF2-40B4-BE49-F238E27FC236}">
+                <a16:creationId xmlns:a16="http://schemas.microsoft.com/office/drawing/2014/main" id="{199DD035-5742-4715-8B09-34AB3E95351C}"/>
+              </a:ext>
+            </a:extLst>
+          </p:cNvPr>
+          <p:cNvSpPr>
+            <a:spLocks noGrp="1"/>
+          </p:cNvSpPr>
+          <p:nvPr>
+            <p:ph type="title"/>
+          </p:nvPr>
         </p:nvSpPr>
         <p:spPr>
           <a:xfrm>
-            <a:off x="16" y="0"/>
-            <a:ext cx="4654296" cy="6858000"/>
+            <a:off x="839788" y="457200"/>
+            <a:ext cx="3932237" cy="1600200"/>
           </a:xfrm>
-          <a:prstGeom prst="rect">
-            <a:avLst/>
-          </a:prstGeom>
-          <a:solidFill>
-            <a:srgbClr val="262626"/>
-          </a:solidFill>
-          <a:ln>
-            <a:noFill/>
-          </a:ln>
         </p:spPr>
-        <p:style>
-          <a:lnRef idx="2">
-            <a:schemeClr val="accent1">
-              <a:shade val="50000"/>
-            </a:schemeClr>
-          </a:lnRef>
-          <a:fillRef idx="1">
-            <a:schemeClr val="accent1"/>
-          </a:fillRef>
-          <a:effectRef idx="0">
-            <a:schemeClr val="accent1"/>
-          </a:effectRef>
-          <a:fontRef idx="minor">
-            <a:schemeClr val="lt1"/>
-          </a:fontRef>
-        </p:style>
-      </p:sp>
-      <p:sp>
-        <p:nvSpPr>
-          <p:cNvPr id="2" name="Title 1"/>
-          <p:cNvSpPr>
-            <a:spLocks noGrp="1"/>
-          </p:cNvSpPr>
-          <p:nvPr>
-            <p:ph type="title"/>
+        <p:txBody>
+          <a:bodyPr anchor="b"/>
+          <a:lstStyle>
+            <a:lvl1pPr>
+              <a:defRPr sz="3200"/>
+            </a:lvl1pPr>
+          </a:lstStyle>
+          <a:p>
+            <a:r>
+              <a:rPr lang="zh-CN" altLang="en-US"/>
+              <a:t>单击此处编辑母版标题样式</a:t>
+            </a:r>
+          </a:p>
+        </p:txBody>
+      </p:sp>
+      <p:sp>
+        <p:nvSpPr>
+          <p:cNvPr id="3" name="图片占位符 2">
+            <a:extLst>
+              <a:ext uri="{FF2B5EF4-FFF2-40B4-BE49-F238E27FC236}">
+                <a16:creationId xmlns:a16="http://schemas.microsoft.com/office/drawing/2014/main" id="{FE70D685-FDE8-4DA5-809A-FDEB19E6B64B}"/>
+              </a:ext>
+            </a:extLst>
+          </p:cNvPr>
+          <p:cNvSpPr>
+            <a:spLocks noGrp="1"/>
+          </p:cNvSpPr>
+          <p:nvPr>
+            <p:ph type="pic" idx="1"/>
           </p:nvPr>
         </p:nvSpPr>
         <p:spPr>
           <a:xfrm>
-            <a:off x="643466" y="786383"/>
-            <a:ext cx="3517567" cy="2093975"/>
+            <a:off x="5183188" y="987425"/>
+            <a:ext cx="6172200" cy="4873625"/>
           </a:xfrm>
         </p:spPr>
         <p:txBody>
-          <a:bodyPr anchor="b">
-            <a:normAutofit/>
-          </a:bodyPr>
+          <a:bodyPr/>
           <a:lstStyle>
-            <a:lvl1pPr>
-              <a:lnSpc>
-                <a:spcPct val="90000"/>
-              </a:lnSpc>
-              <a:defRPr sz="3600" b="0">
-                <a:solidFill>
-                  <a:srgbClr val="FFFFFF"/>
-                </a:solidFill>
-              </a:defRPr>
+            <a:lvl1pPr marL="0" indent="0">
+              <a:buNone/>
+              <a:defRPr sz="3200"/>
             </a:lvl1pPr>
+            <a:lvl2pPr marL="457200" indent="0">
+              <a:buNone/>
+              <a:defRPr sz="2800"/>
+            </a:lvl2pPr>
+            <a:lvl3pPr marL="914400" indent="0">
+              <a:buNone/>
+              <a:defRPr sz="2400"/>
+            </a:lvl3pPr>
+            <a:lvl4pPr marL="1371600" indent="0">
+              <a:buNone/>
+              <a:defRPr sz="2000"/>
+            </a:lvl4pPr>
+            <a:lvl5pPr marL="1828800" indent="0">
+              <a:buNone/>
+              <a:defRPr sz="2000"/>
+            </a:lvl5pPr>
+            <a:lvl6pPr marL="2286000" indent="0">
+              <a:buNone/>
+              <a:defRPr sz="2000"/>
+            </a:lvl6pPr>
+            <a:lvl7pPr marL="2743200" indent="0">
+              <a:buNone/>
+              <a:defRPr sz="2000"/>
+            </a:lvl7pPr>
+            <a:lvl8pPr marL="3200400" indent="0">
+              <a:buNone/>
+              <a:defRPr sz="2000"/>
+            </a:lvl8pPr>
+            <a:lvl9pPr marL="3657600" indent="0">
+              <a:buNone/>
+              <a:defRPr sz="2000"/>
+            </a:lvl9pPr>
           </a:lstStyle>
           <a:p>
             <a:r>
               <a:rPr lang="zh-CN" altLang="en-US"/>
-              <a:t>单击此处编辑母版标题样式</a:t>
-            </a:r>
-            <a:endParaRPr lang="en-US"/>
-          </a:p>
-        </p:txBody>
-      </p:sp>
-      <p:sp>
-        <p:nvSpPr>
-          <p:cNvPr id="3" name="Content Placeholder 2"/>
-          <p:cNvSpPr>
-            <a:spLocks noGrp="1"/>
-          </p:cNvSpPr>
-          <p:nvPr>
-            <p:ph idx="1"/>
+              <a:t>单击图标添加图片</a:t>
+            </a:r>
+          </a:p>
+        </p:txBody>
+      </p:sp>
+      <p:sp>
+        <p:nvSpPr>
+          <p:cNvPr id="4" name="文本占位符 3">
+            <a:extLst>
+              <a:ext uri="{FF2B5EF4-FFF2-40B4-BE49-F238E27FC236}">
+                <a16:creationId xmlns:a16="http://schemas.microsoft.com/office/drawing/2014/main" id="{818058FD-56BB-4186-9B1B-D7E523DF518E}"/>
+              </a:ext>
+            </a:extLst>
+          </p:cNvPr>
+          <p:cNvSpPr>
+            <a:spLocks noGrp="1"/>
+          </p:cNvSpPr>
+          <p:nvPr>
+            <p:ph type="body" sz="half" idx="2"/>
           </p:nvPr>
         </p:nvSpPr>
         <p:spPr>
           <a:xfrm>
-            <a:off x="5458984" y="812799"/>
-            <a:ext cx="5928344" cy="5294757"/>
+            <a:off x="839788" y="2057400"/>
+            <a:ext cx="3932237" cy="3811588"/>
           </a:xfrm>
         </p:spPr>
         <p:txBody>
           <a:bodyPr/>
-          <a:lstStyle/>
-          <a:p>
-            <a:pPr lvl="0"/>
-            <a:r>
-              <a:rPr lang="zh-CN" altLang="en-US"/>
-              <a:t>单击此处编辑母版文本样式</a:t>
-            </a:r>
-          </a:p>
-          <a:p>
-            <a:pPr lvl="1"/>
-            <a:r>
-              <a:rPr lang="zh-CN" altLang="en-US"/>
-              <a:t>二级</a:t>
-            </a:r>
-          </a:p>
-          <a:p>
-            <a:pPr lvl="2"/>
-            <a:r>
-              <a:rPr lang="zh-CN" altLang="en-US"/>
-              <a:t>三级</a:t>
-            </a:r>
-          </a:p>
-          <a:p>
-            <a:pPr lvl="3"/>
-            <a:r>
-              <a:rPr lang="zh-CN" altLang="en-US"/>
-              <a:t>四级</a:t>
-            </a:r>
-          </a:p>
-          <a:p>
-            <a:pPr lvl="4"/>
-            <a:r>
-              <a:rPr lang="zh-CN" altLang="en-US"/>
-              <a:t>五级</a:t>
-            </a:r>
-            <a:endParaRPr lang="en-US"/>
-          </a:p>
-        </p:txBody>
-      </p:sp>
-      <p:sp>
-        <p:nvSpPr>
-          <p:cNvPr id="4" name="Text Placeholder 3"/>
-          <p:cNvSpPr>
-            <a:spLocks noGrp="1"/>
-          </p:cNvSpPr>
-          <p:nvPr>
-            <p:ph type="body" sz="half" idx="2"/>
-          </p:nvPr>
-        </p:nvSpPr>
-        <p:spPr>
-          <a:xfrm>
-            <a:off x="643465" y="3043050"/>
-            <a:ext cx="3517567" cy="3064505"/>
-          </a:xfrm>
-        </p:spPr>
-        <p:txBody>
-          <a:bodyPr lIns="91440" rIns="91440">
-            <a:normAutofit/>
-          </a:bodyPr>
           <a:lstStyle>
             <a:lvl1pPr marL="0" indent="0">
               <a:buNone/>
-              <a:defRPr sz="1800">
-                <a:solidFill>
-                  <a:srgbClr val="FFFFFF"/>
-                </a:solidFill>
-              </a:defRPr>
+              <a:defRPr sz="1600"/>
             </a:lvl1pPr>
             <a:lvl2pPr marL="457200" indent="0">
               <a:buNone/>
-              <a:defRPr sz="1200"/>
+              <a:defRPr sz="1400"/>
             </a:lvl2pPr>
             <a:lvl3pPr marL="914400" indent="0">
               <a:buNone/>
-              <a:defRPr sz="1000"/>
+              <a:defRPr sz="1200"/>
             </a:lvl3pPr>
             <a:lvl4pPr marL="1371600" indent="0">
               <a:buNone/>
-              <a:defRPr sz="900"/>
+              <a:defRPr sz="1000"/>
             </a:lvl4pPr>
             <a:lvl5pPr marL="1828800" indent="0">
               <a:buNone/>
-              <a:defRPr sz="900"/>
+              <a:defRPr sz="1000"/>
             </a:lvl5pPr>
             <a:lvl6pPr marL="2286000" indent="0">
               <a:buNone/>
-              <a:defRPr sz="900"/>
+              <a:defRPr sz="1000"/>
             </a:lvl6pPr>
             <a:lvl7pPr marL="2743200" indent="0">
               <a:buNone/>
-              <a:defRPr sz="900"/>
+              <a:defRPr sz="1000"/>
             </a:lvl7pPr>
             <a:lvl8pPr marL="3200400" indent="0">
               <a:buNone/>
-              <a:defRPr sz="900"/>
+              <a:defRPr sz="1000"/>
             </a:lvl8pPr>
             <a:lvl9pPr marL="3657600" indent="0">
               <a:buNone/>
-              <a:defRPr sz="900"/>
+              <a:defRPr sz="1000"/>
             </a:lvl9pPr>
           </a:lstStyle>
           <a:p>
@@ -3802,7 +3390,13 @@
       </p:sp>
       <p:sp>
         <p:nvSpPr>
-          <p:cNvPr id="5" name="Date Placeholder 4"/>
+          <p:cNvPr id="5" name="日期占位符 4">
+            <a:extLst>
+              <a:ext uri="{FF2B5EF4-FFF2-40B4-BE49-F238E27FC236}">
+                <a16:creationId xmlns:a16="http://schemas.microsoft.com/office/drawing/2014/main" id="{61B32BE9-1977-4F6B-8F6A-4192E29F6FF9}"/>
+              </a:ext>
+            </a:extLst>
+          </p:cNvPr>
           <p:cNvSpPr>
             <a:spLocks noGrp="1"/>
           </p:cNvSpPr>
@@ -3810,23 +3404,14 @@
             <p:ph type="dt" sz="half" idx="10"/>
           </p:nvPr>
         </p:nvSpPr>
-        <p:spPr>
-          <a:xfrm>
-            <a:off x="643464" y="6446520"/>
-            <a:ext cx="3517568" cy="365125"/>
-          </a:xfrm>
-        </p:spPr>
-        <p:txBody>
-          <a:bodyPr/>
-          <a:lstStyle>
-            <a:lvl1pPr algn="l">
-              <a:defRPr/>
-            </a:lvl1pPr>
-          </a:lstStyle>
+        <p:spPr/>
+        <p:txBody>
+          <a:bodyPr/>
+          <a:lstStyle/>
           <a:p>
             <a:fld id="{84C55D5A-E844-714B-B760-C3552F524A44}" type="datetimeFigureOut">
               <a:rPr kumimoji="1" lang="zh-CN" altLang="en-US" smtClean="0"/>
-              <a:t>2023/9/24</a:t>
+              <a:t>2023/10/24</a:t>
             </a:fld>
             <a:endParaRPr kumimoji="1" lang="zh-CN" altLang="en-US"/>
           </a:p>
@@ -3834,7 +3419,13 @@
       </p:sp>
       <p:sp>
         <p:nvSpPr>
-          <p:cNvPr id="6" name="Footer Placeholder 5"/>
+          <p:cNvPr id="6" name="页脚占位符 5">
+            <a:extLst>
+              <a:ext uri="{FF2B5EF4-FFF2-40B4-BE49-F238E27FC236}">
+                <a16:creationId xmlns:a16="http://schemas.microsoft.com/office/drawing/2014/main" id="{5BA4DAB7-4CA9-49AA-8ECD-23CF1098204A}"/>
+              </a:ext>
+            </a:extLst>
+          </p:cNvPr>
           <p:cNvSpPr>
             <a:spLocks noGrp="1"/>
           </p:cNvSpPr>
@@ -3842,23 +3433,10 @@
             <p:ph type="ftr" sz="quarter" idx="11"/>
           </p:nvPr>
         </p:nvSpPr>
-        <p:spPr>
-          <a:xfrm>
-            <a:off x="5458983" y="6446520"/>
-            <a:ext cx="5334019" cy="365125"/>
-          </a:xfrm>
-        </p:spPr>
-        <p:txBody>
-          <a:bodyPr/>
-          <a:lstStyle>
-            <a:lvl1pPr algn="l">
-              <a:defRPr>
-                <a:solidFill>
-                  <a:schemeClr val="tx2"/>
-                </a:solidFill>
-              </a:defRPr>
-            </a:lvl1pPr>
-          </a:lstStyle>
+        <p:spPr/>
+        <p:txBody>
+          <a:bodyPr/>
+          <a:lstStyle/>
           <a:p>
             <a:endParaRPr kumimoji="1" lang="zh-CN" altLang="en-US"/>
           </a:p>
@@ -3866,7 +3444,13 @@
       </p:sp>
       <p:sp>
         <p:nvSpPr>
-          <p:cNvPr id="7" name="Slide Number Placeholder 6"/>
+          <p:cNvPr id="7" name="灯片编号占位符 6">
+            <a:extLst>
+              <a:ext uri="{FF2B5EF4-FFF2-40B4-BE49-F238E27FC236}">
+                <a16:creationId xmlns:a16="http://schemas.microsoft.com/office/drawing/2014/main" id="{8AA9C25A-1A31-412C-8684-FD859D39E5B9}"/>
+              </a:ext>
+            </a:extLst>
+          </p:cNvPr>
           <p:cNvSpPr>
             <a:spLocks noGrp="1"/>
           </p:cNvSpPr>
@@ -3877,15 +3461,7 @@
         <p:spPr/>
         <p:txBody>
           <a:bodyPr/>
-          <a:lstStyle>
-            <a:lvl1pPr>
-              <a:defRPr>
-                <a:solidFill>
-                  <a:schemeClr val="tx2"/>
-                </a:solidFill>
-              </a:defRPr>
-            </a:lvl1pPr>
-          </a:lstStyle>
+          <a:lstStyle/>
           <a:p>
             <a:fld id="{FC89B6C8-C7EC-8541-A8C1-D9F57E279DE3}" type="slidenum">
               <a:rPr kumimoji="1" lang="zh-CN" altLang="en-US" smtClean="0"/>
@@ -3898,7 +3474,7 @@
     </p:spTree>
     <p:extLst>
       <p:ext uri="{BB962C8B-B14F-4D97-AF65-F5344CB8AC3E}">
-        <p14:creationId xmlns:p14="http://schemas.microsoft.com/office/powerpoint/2010/main" val="1553430865"/>
+        <p14:creationId xmlns:p14="http://schemas.microsoft.com/office/powerpoint/2010/main" val="928339160"/>
       </p:ext>
     </p:extLst>
   </p:cSld>
@@ -3921,18 +3497,18 @@
 </file>
 
 <file path=ppt/slideMasters/slideMaster1.xml><?xml version="1.0" encoding="utf-8"?>
-<p:sldMaster xmlns:a="http://schemas.openxmlformats.org/drawingml/2006/main" xmlns:r="http://schemas.openxmlformats.org/officeDocument/2006/relationships" xmlns:p="http://schemas.openxmlformats.org/presentationml/2006/main" preserve="1">
+<p:sldMaster xmlns:a="http://schemas.openxmlformats.org/drawingml/2006/main" xmlns:r="http://schemas.openxmlformats.org/officeDocument/2006/relationships" xmlns:p="http://schemas.openxmlformats.org/presentationml/2006/main">
   <p:cSld>
     <p:bg>
       <p:bgPr>
         <a:blipFill dpi="0" rotWithShape="1">
-          <a:blip r:embed="rId14">
-            <a:alphaModFix amt="20000"/>
+          <a:blip r:embed="rId13">
+            <a:alphaModFix amt="30000"/>
             <a:lum/>
           </a:blip>
           <a:srcRect/>
           <a:stretch>
-            <a:fillRect t="-6000" b="-6000"/>
+            <a:fillRect/>
           </a:stretch>
         </a:blipFill>
         <a:effectLst/>
@@ -3954,69 +3530,31 @@
       </p:grpSpPr>
       <p:sp>
         <p:nvSpPr>
-          <p:cNvPr id="7" name="Rectangle 6">
-            <a:extLst>
-              <a:ext uri="{FF2B5EF4-FFF2-40B4-BE49-F238E27FC236}">
-                <a16:creationId xmlns:a16="http://schemas.microsoft.com/office/drawing/2014/main" id="{416A0E3C-60E6-4F39-BC55-5F7C224E1F7C}"/>
-              </a:ext>
-            </a:extLst>
-          </p:cNvPr>
-          <p:cNvSpPr/>
-          <p:nvPr/>
+          <p:cNvPr id="2" name="标题占位符 1">
+            <a:extLst>
+              <a:ext uri="{FF2B5EF4-FFF2-40B4-BE49-F238E27FC236}">
+                <a16:creationId xmlns:a16="http://schemas.microsoft.com/office/drawing/2014/main" id="{3D50DD24-5F7C-4C37-AEAD-0FAFFBF62938}"/>
+              </a:ext>
+            </a:extLst>
+          </p:cNvPr>
+          <p:cNvSpPr>
+            <a:spLocks noGrp="1"/>
+          </p:cNvSpPr>
+          <p:nvPr>
+            <p:ph type="title"/>
+          </p:nvPr>
         </p:nvSpPr>
         <p:spPr>
           <a:xfrm>
-            <a:off x="3175" y="6400800"/>
-            <a:ext cx="12188825" cy="457200"/>
-          </a:xfrm>
-          <a:prstGeom prst="rect">
-            <a:avLst/>
-          </a:prstGeom>
-          <a:solidFill>
-            <a:srgbClr val="262626"/>
-          </a:solidFill>
-          <a:ln>
-            <a:noFill/>
-          </a:ln>
-        </p:spPr>
-        <p:style>
-          <a:lnRef idx="2">
-            <a:schemeClr val="accent1">
-              <a:shade val="50000"/>
-            </a:schemeClr>
-          </a:lnRef>
-          <a:fillRef idx="1">
-            <a:schemeClr val="accent1"/>
-          </a:fillRef>
-          <a:effectRef idx="0">
-            <a:schemeClr val="accent1"/>
-          </a:effectRef>
-          <a:fontRef idx="minor">
-            <a:schemeClr val="lt1"/>
-          </a:fontRef>
-        </p:style>
-      </p:sp>
-      <p:sp>
-        <p:nvSpPr>
-          <p:cNvPr id="2" name="Title Placeholder 1"/>
-          <p:cNvSpPr>
-            <a:spLocks noGrp="1"/>
-          </p:cNvSpPr>
-          <p:nvPr>
-            <p:ph type="title"/>
-          </p:nvPr>
-        </p:nvSpPr>
-        <p:spPr>
-          <a:xfrm>
-            <a:off x="1097280" y="286603"/>
-            <a:ext cx="10058400" cy="1450757"/>
+            <a:off x="838200" y="365125"/>
+            <a:ext cx="10515600" cy="1325563"/>
           </a:xfrm>
           <a:prstGeom prst="rect">
             <a:avLst/>
           </a:prstGeom>
         </p:spPr>
         <p:txBody>
-          <a:bodyPr vert="horz" lIns="91440" tIns="45720" rIns="91440" bIns="45720" rtlCol="0" anchor="b">
+          <a:bodyPr vert="horz" lIns="91440" tIns="45720" rIns="91440" bIns="45720" rtlCol="0" anchor="ctr">
             <a:normAutofit/>
           </a:bodyPr>
           <a:lstStyle/>
@@ -4025,13 +3563,18 @@
               <a:rPr lang="zh-CN" altLang="en-US"/>
               <a:t>单击此处编辑母版标题样式</a:t>
             </a:r>
-            <a:endParaRPr lang="en-US"/>
-          </a:p>
-        </p:txBody>
-      </p:sp>
-      <p:sp>
-        <p:nvSpPr>
-          <p:cNvPr id="3" name="Text Placeholder 2"/>
+          </a:p>
+        </p:txBody>
+      </p:sp>
+      <p:sp>
+        <p:nvSpPr>
+          <p:cNvPr id="3" name="文本占位符 2">
+            <a:extLst>
+              <a:ext uri="{FF2B5EF4-FFF2-40B4-BE49-F238E27FC236}">
+                <a16:creationId xmlns:a16="http://schemas.microsoft.com/office/drawing/2014/main" id="{746AF937-8FE0-486E-84B1-BB27D279E770}"/>
+              </a:ext>
+            </a:extLst>
+          </p:cNvPr>
           <p:cNvSpPr>
             <a:spLocks noGrp="1"/>
           </p:cNvSpPr>
@@ -4041,15 +3584,15 @@
         </p:nvSpPr>
         <p:spPr>
           <a:xfrm>
-            <a:off x="1097280" y="2108201"/>
-            <a:ext cx="10058400" cy="3760891"/>
+            <a:off x="838200" y="1825625"/>
+            <a:ext cx="10515600" cy="4351338"/>
           </a:xfrm>
           <a:prstGeom prst="rect">
             <a:avLst/>
           </a:prstGeom>
         </p:spPr>
         <p:txBody>
-          <a:bodyPr vert="horz" lIns="0" tIns="45720" rIns="0" bIns="45720" rtlCol="0">
+          <a:bodyPr vert="horz" lIns="91440" tIns="45720" rIns="91440" bIns="45720" rtlCol="0">
             <a:normAutofit/>
           </a:bodyPr>
           <a:lstStyle/>
@@ -4087,13 +3630,18 @@
               <a:rPr lang="zh-CN" altLang="en-US"/>
               <a:t>五级</a:t>
             </a:r>
-            <a:endParaRPr lang="en-US"/>
-          </a:p>
-        </p:txBody>
-      </p:sp>
-      <p:sp>
-        <p:nvSpPr>
-          <p:cNvPr id="4" name="Date Placeholder 3"/>
+          </a:p>
+        </p:txBody>
+      </p:sp>
+      <p:sp>
+        <p:nvSpPr>
+          <p:cNvPr id="4" name="日期占位符 3">
+            <a:extLst>
+              <a:ext uri="{FF2B5EF4-FFF2-40B4-BE49-F238E27FC236}">
+                <a16:creationId xmlns:a16="http://schemas.microsoft.com/office/drawing/2014/main" id="{BAD98BF4-ED38-4419-928A-C25756EEB490}"/>
+              </a:ext>
+            </a:extLst>
+          </p:cNvPr>
           <p:cNvSpPr>
             <a:spLocks noGrp="1"/>
           </p:cNvSpPr>
@@ -4103,8 +3651,8 @@
         </p:nvSpPr>
         <p:spPr>
           <a:xfrm>
-            <a:off x="8218426" y="6446838"/>
-            <a:ext cx="2584850" cy="365125"/>
+            <a:off x="838200" y="6356350"/>
+            <a:ext cx="2743200" cy="365125"/>
           </a:xfrm>
           <a:prstGeom prst="rect">
             <a:avLst/>
@@ -4113,10 +3661,12 @@
         <p:txBody>
           <a:bodyPr vert="horz" lIns="91440" tIns="45720" rIns="91440" bIns="45720" rtlCol="0" anchor="ctr"/>
           <a:lstStyle>
-            <a:lvl1pPr algn="r">
-              <a:defRPr sz="800">
+            <a:lvl1pPr algn="l">
+              <a:defRPr sz="1200">
                 <a:solidFill>
-                  <a:srgbClr val="FFFFFF"/>
+                  <a:schemeClr val="tx1">
+                    <a:tint val="75000"/>
+                  </a:schemeClr>
                 </a:solidFill>
               </a:defRPr>
             </a:lvl1pPr>
@@ -4124,7 +3674,7 @@
           <a:p>
             <a:fld id="{84C55D5A-E844-714B-B760-C3552F524A44}" type="datetimeFigureOut">
               <a:rPr kumimoji="1" lang="zh-CN" altLang="en-US" smtClean="0"/>
-              <a:t>2023/9/24</a:t>
+              <a:t>2023/10/24</a:t>
             </a:fld>
             <a:endParaRPr kumimoji="1" lang="zh-CN" altLang="en-US"/>
           </a:p>
@@ -4132,7 +3682,13 @@
       </p:sp>
       <p:sp>
         <p:nvSpPr>
-          <p:cNvPr id="5" name="Footer Placeholder 4"/>
+          <p:cNvPr id="5" name="页脚占位符 4">
+            <a:extLst>
+              <a:ext uri="{FF2B5EF4-FFF2-40B4-BE49-F238E27FC236}">
+                <a16:creationId xmlns:a16="http://schemas.microsoft.com/office/drawing/2014/main" id="{AB5D090F-E936-4CD1-8DF2-37C0D9C81CD4}"/>
+              </a:ext>
+            </a:extLst>
+          </p:cNvPr>
           <p:cNvSpPr>
             <a:spLocks noGrp="1"/>
           </p:cNvSpPr>
@@ -4142,8 +3698,8 @@
         </p:nvSpPr>
         <p:spPr>
           <a:xfrm>
-            <a:off x="1097279" y="6446838"/>
-            <a:ext cx="6818262" cy="365125"/>
+            <a:off x="4038600" y="6356350"/>
+            <a:ext cx="4114800" cy="365125"/>
           </a:xfrm>
           <a:prstGeom prst="rect">
             <a:avLst/>
@@ -4152,10 +3708,12 @@
         <p:txBody>
           <a:bodyPr vert="horz" lIns="91440" tIns="45720" rIns="91440" bIns="45720" rtlCol="0" anchor="ctr"/>
           <a:lstStyle>
-            <a:lvl1pPr algn="l">
-              <a:defRPr sz="800" cap="all" baseline="0">
+            <a:lvl1pPr algn="ctr">
+              <a:defRPr sz="1200">
                 <a:solidFill>
-                  <a:srgbClr val="FFFFFF"/>
+                  <a:schemeClr val="tx1">
+                    <a:tint val="75000"/>
+                  </a:schemeClr>
                 </a:solidFill>
               </a:defRPr>
             </a:lvl1pPr>
@@ -4167,7 +3725,13 @@
       </p:sp>
       <p:sp>
         <p:nvSpPr>
-          <p:cNvPr id="6" name="Slide Number Placeholder 5"/>
+          <p:cNvPr id="6" name="灯片编号占位符 5">
+            <a:extLst>
+              <a:ext uri="{FF2B5EF4-FFF2-40B4-BE49-F238E27FC236}">
+                <a16:creationId xmlns:a16="http://schemas.microsoft.com/office/drawing/2014/main" id="{C1156267-9EC8-4CD5-9864-215102D3B291}"/>
+              </a:ext>
+            </a:extLst>
+          </p:cNvPr>
           <p:cNvSpPr>
             <a:spLocks noGrp="1"/>
           </p:cNvSpPr>
@@ -4177,8 +3741,8 @@
         </p:nvSpPr>
         <p:spPr>
           <a:xfrm>
-            <a:off x="10993582" y="6446838"/>
-            <a:ext cx="780010" cy="365125"/>
+            <a:off x="8610600" y="6356350"/>
+            <a:ext cx="2743200" cy="365125"/>
           </a:xfrm>
           <a:prstGeom prst="rect">
             <a:avLst/>
@@ -4187,10 +3751,12 @@
         <p:txBody>
           <a:bodyPr vert="horz" lIns="91440" tIns="45720" rIns="91440" bIns="45720" rtlCol="0" anchor="ctr"/>
           <a:lstStyle>
-            <a:lvl1pPr algn="l">
-              <a:defRPr sz="800">
+            <a:lvl1pPr algn="r">
+              <a:defRPr sz="1200">
                 <a:solidFill>
-                  <a:srgbClr val="FFFFFF"/>
+                  <a:schemeClr val="tx1">
+                    <a:tint val="75000"/>
+                  </a:schemeClr>
                 </a:solidFill>
               </a:defRPr>
             </a:lvl1pPr>
@@ -4204,71 +3770,26 @@
           </a:p>
         </p:txBody>
       </p:sp>
-      <p:cxnSp>
-        <p:nvCxnSpPr>
-          <p:cNvPr id="10" name="Straight Connector 9">
-            <a:extLst>
-              <a:ext uri="{FF2B5EF4-FFF2-40B4-BE49-F238E27FC236}">
-                <a16:creationId xmlns:a16="http://schemas.microsoft.com/office/drawing/2014/main" id="{C5025DAC-8B93-4160-B017-3A274A5828C0}"/>
-              </a:ext>
-            </a:extLst>
-          </p:cNvPr>
-          <p:cNvCxnSpPr/>
-          <p:nvPr/>
-        </p:nvCxnSpPr>
-        <p:spPr>
-          <a:xfrm>
-            <a:off x="1193532" y="1897380"/>
-            <a:ext cx="9966960" cy="0"/>
-          </a:xfrm>
-          <a:prstGeom prst="line">
-            <a:avLst/>
-          </a:prstGeom>
-          <a:ln w="12700">
-            <a:solidFill>
-              <a:schemeClr val="tx1">
-                <a:lumMod val="75000"/>
-                <a:lumOff val="25000"/>
-              </a:schemeClr>
-            </a:solidFill>
-          </a:ln>
-        </p:spPr>
-        <p:style>
-          <a:lnRef idx="1">
-            <a:schemeClr val="accent1"/>
-          </a:lnRef>
-          <a:fillRef idx="0">
-            <a:schemeClr val="accent1"/>
-          </a:fillRef>
-          <a:effectRef idx="0">
-            <a:schemeClr val="accent1"/>
-          </a:effectRef>
-          <a:fontRef idx="minor">
-            <a:schemeClr val="tx1"/>
-          </a:fontRef>
-        </p:style>
-      </p:cxnSp>
     </p:spTree>
     <p:extLst>
       <p:ext uri="{BB962C8B-B14F-4D97-AF65-F5344CB8AC3E}">
-        <p14:creationId xmlns:p14="http://schemas.microsoft.com/office/powerpoint/2010/main" val="1321701994"/>
+        <p14:creationId xmlns:p14="http://schemas.microsoft.com/office/powerpoint/2010/main" val="3446511389"/>
       </p:ext>
     </p:extLst>
   </p:cSld>
   <p:clrMap bg1="lt1" tx1="dk1" bg2="lt2" tx2="dk2" accent1="accent1" accent2="accent2" accent3="accent3" accent4="accent4" accent5="accent5" accent6="accent6" hlink="hlink" folHlink="folHlink"/>
   <p:sldLayoutIdLst>
-    <p:sldLayoutId id="2147483661" r:id="rId1"/>
-    <p:sldLayoutId id="2147483662" r:id="rId2"/>
-    <p:sldLayoutId id="2147483663" r:id="rId3"/>
-    <p:sldLayoutId id="2147483664" r:id="rId4"/>
-    <p:sldLayoutId id="2147483665" r:id="rId5"/>
-    <p:sldLayoutId id="2147483666" r:id="rId6"/>
-    <p:sldLayoutId id="2147483667" r:id="rId7"/>
-    <p:sldLayoutId id="2147483668" r:id="rId8"/>
-    <p:sldLayoutId id="2147483669" r:id="rId9"/>
-    <p:sldLayoutId id="2147483670" r:id="rId10"/>
-    <p:sldLayoutId id="2147483671" r:id="rId11"/>
-    <p:sldLayoutId id="2147483672" r:id="rId12"/>
+    <p:sldLayoutId id="2147483674" r:id="rId1"/>
+    <p:sldLayoutId id="2147483675" r:id="rId2"/>
+    <p:sldLayoutId id="2147483676" r:id="rId3"/>
+    <p:sldLayoutId id="2147483677" r:id="rId4"/>
+    <p:sldLayoutId id="2147483678" r:id="rId5"/>
+    <p:sldLayoutId id="2147483679" r:id="rId6"/>
+    <p:sldLayoutId id="2147483680" r:id="rId7"/>
+    <p:sldLayoutId id="2147483681" r:id="rId8"/>
+    <p:sldLayoutId id="2147483682" r:id="rId9"/>
+    <p:sldLayoutId id="2147483683" r:id="rId10"/>
+    <p:sldLayoutId id="2147483684" r:id="rId11"/>
   </p:sldLayoutIdLst>
   <mc:AlternateContent xmlns:mc="http://schemas.openxmlformats.org/markup-compatibility/2006" xmlns:p14="http://schemas.microsoft.com/office/powerpoint/2010/main">
     <mc:Choice Requires="p14">
@@ -4292,12 +3813,9 @@
           <a:spcPct val="0"/>
         </a:spcBef>
         <a:buNone/>
-        <a:defRPr sz="4200" kern="1200" spc="-50" baseline="0">
+        <a:defRPr sz="4400" kern="1200">
           <a:solidFill>
-            <a:schemeClr val="tx1">
-              <a:lumMod val="75000"/>
-              <a:lumOff val="25000"/>
-            </a:schemeClr>
+            <a:schemeClr val="tx1"/>
           </a:solidFill>
           <a:latin typeface="+mj-lt"/>
           <a:ea typeface="+mj-ea"/>
@@ -4306,236 +3824,162 @@
       </a:lvl1pPr>
     </p:titleStyle>
     <p:bodyStyle>
-      <a:lvl1pPr marL="91440" indent="-91440" algn="l" defTabSz="914400" rtl="0" eaLnBrk="1" latinLnBrk="0" hangingPunct="1">
+      <a:lvl1pPr marL="228600" indent="-228600" algn="l" defTabSz="914400" rtl="0" eaLnBrk="1" latinLnBrk="0" hangingPunct="1">
         <a:lnSpc>
-          <a:spcPct val="120000"/>
+          <a:spcPct val="90000"/>
         </a:lnSpc>
         <a:spcBef>
-          <a:spcPts val="1200"/>
+          <a:spcPts val="1000"/>
         </a:spcBef>
-        <a:spcAft>
-          <a:spcPts val="200"/>
-        </a:spcAft>
-        <a:buClr>
-          <a:schemeClr val="accent1"/>
-        </a:buClr>
-        <a:buSzPct val="100000"/>
-        <a:buFont typeface="Calibri" panose="020F0502020204030204" pitchFamily="34" charset="0"/>
-        <a:buChar char=" "/>
-        <a:defRPr sz="1800" kern="1200">
+        <a:buFont typeface="Arial" panose="020B0604020202020204" pitchFamily="34" charset="0"/>
+        <a:buChar char="•"/>
+        <a:defRPr sz="2800" kern="1200">
           <a:solidFill>
-            <a:schemeClr val="tx1">
-              <a:lumMod val="75000"/>
-              <a:lumOff val="25000"/>
-            </a:schemeClr>
+            <a:schemeClr val="tx1"/>
           </a:solidFill>
           <a:latin typeface="+mn-lt"/>
           <a:ea typeface="+mn-ea"/>
           <a:cs typeface="+mn-cs"/>
         </a:defRPr>
       </a:lvl1pPr>
-      <a:lvl2pPr marL="384048" indent="-182880" algn="l" defTabSz="914400" rtl="0" eaLnBrk="1" latinLnBrk="0" hangingPunct="1">
+      <a:lvl2pPr marL="685800" indent="-228600" algn="l" defTabSz="914400" rtl="0" eaLnBrk="1" latinLnBrk="0" hangingPunct="1">
         <a:lnSpc>
-          <a:spcPct val="100000"/>
+          <a:spcPct val="90000"/>
         </a:lnSpc>
         <a:spcBef>
-          <a:spcPts val="200"/>
+          <a:spcPts val="500"/>
         </a:spcBef>
-        <a:spcAft>
-          <a:spcPts val="400"/>
-        </a:spcAft>
-        <a:buClrTx/>
-        <a:buFont typeface="Calibri" pitchFamily="34" charset="0"/>
-        <a:buChar char="◦"/>
-        <a:defRPr sz="1600" kern="1200">
+        <a:buFont typeface="Arial" panose="020B0604020202020204" pitchFamily="34" charset="0"/>
+        <a:buChar char="•"/>
+        <a:defRPr sz="2400" kern="1200">
           <a:solidFill>
-            <a:schemeClr val="tx1">
-              <a:lumMod val="75000"/>
-              <a:lumOff val="25000"/>
-            </a:schemeClr>
+            <a:schemeClr val="tx1"/>
           </a:solidFill>
           <a:latin typeface="+mn-lt"/>
           <a:ea typeface="+mn-ea"/>
           <a:cs typeface="+mn-cs"/>
         </a:defRPr>
       </a:lvl2pPr>
-      <a:lvl3pPr marL="566928" indent="-182880" algn="l" defTabSz="914400" rtl="0" eaLnBrk="1" latinLnBrk="0" hangingPunct="1">
+      <a:lvl3pPr marL="1143000" indent="-228600" algn="l" defTabSz="914400" rtl="0" eaLnBrk="1" latinLnBrk="0" hangingPunct="1">
         <a:lnSpc>
-          <a:spcPct val="100000"/>
+          <a:spcPct val="90000"/>
         </a:lnSpc>
         <a:spcBef>
-          <a:spcPts val="200"/>
+          <a:spcPts val="500"/>
         </a:spcBef>
-        <a:spcAft>
-          <a:spcPts val="400"/>
-        </a:spcAft>
-        <a:buClrTx/>
-        <a:buFont typeface="Calibri" pitchFamily="34" charset="0"/>
-        <a:buChar char="◦"/>
-        <a:defRPr sz="1200" kern="1200">
+        <a:buFont typeface="Arial" panose="020B0604020202020204" pitchFamily="34" charset="0"/>
+        <a:buChar char="•"/>
+        <a:defRPr sz="2000" kern="1200">
           <a:solidFill>
-            <a:schemeClr val="tx1">
-              <a:lumMod val="75000"/>
-              <a:lumOff val="25000"/>
-            </a:schemeClr>
+            <a:schemeClr val="tx1"/>
           </a:solidFill>
           <a:latin typeface="+mn-lt"/>
           <a:ea typeface="+mn-ea"/>
           <a:cs typeface="+mn-cs"/>
         </a:defRPr>
       </a:lvl3pPr>
-      <a:lvl4pPr marL="749808" indent="-182880" algn="l" defTabSz="914400" rtl="0" eaLnBrk="1" latinLnBrk="0" hangingPunct="1">
+      <a:lvl4pPr marL="1600200" indent="-228600" algn="l" defTabSz="914400" rtl="0" eaLnBrk="1" latinLnBrk="0" hangingPunct="1">
         <a:lnSpc>
-          <a:spcPct val="100000"/>
+          <a:spcPct val="90000"/>
         </a:lnSpc>
         <a:spcBef>
-          <a:spcPts val="200"/>
+          <a:spcPts val="500"/>
         </a:spcBef>
-        <a:spcAft>
-          <a:spcPts val="400"/>
-        </a:spcAft>
-        <a:buClrTx/>
-        <a:buFont typeface="Calibri" pitchFamily="34" charset="0"/>
-        <a:buChar char="◦"/>
-        <a:defRPr sz="1200" kern="1200">
+        <a:buFont typeface="Arial" panose="020B0604020202020204" pitchFamily="34" charset="0"/>
+        <a:buChar char="•"/>
+        <a:defRPr sz="1800" kern="1200">
           <a:solidFill>
-            <a:schemeClr val="tx1">
-              <a:lumMod val="75000"/>
-              <a:lumOff val="25000"/>
-            </a:schemeClr>
+            <a:schemeClr val="tx1"/>
           </a:solidFill>
           <a:latin typeface="+mn-lt"/>
           <a:ea typeface="+mn-ea"/>
           <a:cs typeface="+mn-cs"/>
         </a:defRPr>
       </a:lvl4pPr>
-      <a:lvl5pPr marL="932688" indent="-182880" algn="l" defTabSz="914400" rtl="0" eaLnBrk="1" latinLnBrk="0" hangingPunct="1">
+      <a:lvl5pPr marL="2057400" indent="-228600" algn="l" defTabSz="914400" rtl="0" eaLnBrk="1" latinLnBrk="0" hangingPunct="1">
         <a:lnSpc>
-          <a:spcPct val="100000"/>
+          <a:spcPct val="90000"/>
         </a:lnSpc>
         <a:spcBef>
-          <a:spcPts val="200"/>
+          <a:spcPts val="500"/>
         </a:spcBef>
-        <a:spcAft>
-          <a:spcPts val="400"/>
-        </a:spcAft>
-        <a:buClrTx/>
-        <a:buFont typeface="Calibri" pitchFamily="34" charset="0"/>
-        <a:buChar char="◦"/>
-        <a:defRPr sz="1200" kern="1200">
+        <a:buFont typeface="Arial" panose="020B0604020202020204" pitchFamily="34" charset="0"/>
+        <a:buChar char="•"/>
+        <a:defRPr sz="1800" kern="1200">
           <a:solidFill>
-            <a:schemeClr val="tx1">
-              <a:lumMod val="75000"/>
-              <a:lumOff val="25000"/>
-            </a:schemeClr>
+            <a:schemeClr val="tx1"/>
           </a:solidFill>
           <a:latin typeface="+mn-lt"/>
           <a:ea typeface="+mn-ea"/>
           <a:cs typeface="+mn-cs"/>
         </a:defRPr>
       </a:lvl5pPr>
-      <a:lvl6pPr marL="1100000" indent="-228600" algn="l" defTabSz="914400" rtl="0" eaLnBrk="1" latinLnBrk="0" hangingPunct="1">
+      <a:lvl6pPr marL="2514600" indent="-228600" algn="l" defTabSz="914400" rtl="0" eaLnBrk="1" latinLnBrk="0" hangingPunct="1">
         <a:lnSpc>
           <a:spcPct val="90000"/>
         </a:lnSpc>
         <a:spcBef>
-          <a:spcPts val="200"/>
+          <a:spcPts val="500"/>
         </a:spcBef>
-        <a:spcAft>
-          <a:spcPts val="400"/>
-        </a:spcAft>
-        <a:buClr>
-          <a:schemeClr val="accent1"/>
-        </a:buClr>
-        <a:buFont typeface="Calibri" pitchFamily="34" charset="0"/>
-        <a:buChar char="◦"/>
-        <a:defRPr sz="1400" kern="1200">
+        <a:buFont typeface="Arial" panose="020B0604020202020204" pitchFamily="34" charset="0"/>
+        <a:buChar char="•"/>
+        <a:defRPr sz="1800" kern="1200">
           <a:solidFill>
-            <a:schemeClr val="tx1">
-              <a:lumMod val="75000"/>
-              <a:lumOff val="25000"/>
-            </a:schemeClr>
+            <a:schemeClr val="tx1"/>
           </a:solidFill>
           <a:latin typeface="+mn-lt"/>
           <a:ea typeface="+mn-ea"/>
           <a:cs typeface="+mn-cs"/>
         </a:defRPr>
       </a:lvl6pPr>
-      <a:lvl7pPr marL="1300000" indent="-228600" algn="l" defTabSz="914400" rtl="0" eaLnBrk="1" latinLnBrk="0" hangingPunct="1">
+      <a:lvl7pPr marL="2971800" indent="-228600" algn="l" defTabSz="914400" rtl="0" eaLnBrk="1" latinLnBrk="0" hangingPunct="1">
         <a:lnSpc>
           <a:spcPct val="90000"/>
         </a:lnSpc>
         <a:spcBef>
-          <a:spcPts val="200"/>
+          <a:spcPts val="500"/>
         </a:spcBef>
-        <a:spcAft>
-          <a:spcPts val="400"/>
-        </a:spcAft>
-        <a:buClr>
-          <a:schemeClr val="accent1"/>
-        </a:buClr>
-        <a:buFont typeface="Calibri" pitchFamily="34" charset="0"/>
-        <a:buChar char="◦"/>
-        <a:defRPr sz="1400" kern="1200">
+        <a:buFont typeface="Arial" panose="020B0604020202020204" pitchFamily="34" charset="0"/>
+        <a:buChar char="•"/>
+        <a:defRPr sz="1800" kern="1200">
           <a:solidFill>
-            <a:schemeClr val="tx1">
-              <a:lumMod val="75000"/>
-              <a:lumOff val="25000"/>
-            </a:schemeClr>
+            <a:schemeClr val="tx1"/>
           </a:solidFill>
           <a:latin typeface="+mn-lt"/>
           <a:ea typeface="+mn-ea"/>
           <a:cs typeface="+mn-cs"/>
         </a:defRPr>
       </a:lvl7pPr>
-      <a:lvl8pPr marL="1500000" indent="-228600" algn="l" defTabSz="914400" rtl="0" eaLnBrk="1" latinLnBrk="0" hangingPunct="1">
+      <a:lvl8pPr marL="3429000" indent="-228600" algn="l" defTabSz="914400" rtl="0" eaLnBrk="1" latinLnBrk="0" hangingPunct="1">
         <a:lnSpc>
           <a:spcPct val="90000"/>
         </a:lnSpc>
         <a:spcBef>
-          <a:spcPts val="200"/>
+          <a:spcPts val="500"/>
         </a:spcBef>
-        <a:spcAft>
-          <a:spcPts val="400"/>
-        </a:spcAft>
-        <a:buClr>
-          <a:schemeClr val="accent1"/>
-        </a:buClr>
-        <a:buFont typeface="Calibri" pitchFamily="34" charset="0"/>
-        <a:buChar char="◦"/>
-        <a:defRPr sz="1400" kern="1200">
+        <a:buFont typeface="Arial" panose="020B0604020202020204" pitchFamily="34" charset="0"/>
+        <a:buChar char="•"/>
+        <a:defRPr sz="1800" kern="1200">
           <a:solidFill>
-            <a:schemeClr val="tx1">
-              <a:lumMod val="75000"/>
-              <a:lumOff val="25000"/>
-            </a:schemeClr>
+            <a:schemeClr val="tx1"/>
           </a:solidFill>
           <a:latin typeface="+mn-lt"/>
           <a:ea typeface="+mn-ea"/>
           <a:cs typeface="+mn-cs"/>
         </a:defRPr>
       </a:lvl8pPr>
-      <a:lvl9pPr marL="1700000" indent="-228600" algn="l" defTabSz="914400" rtl="0" eaLnBrk="1" latinLnBrk="0" hangingPunct="1">
+      <a:lvl9pPr marL="3886200" indent="-228600" algn="l" defTabSz="914400" rtl="0" eaLnBrk="1" latinLnBrk="0" hangingPunct="1">
         <a:lnSpc>
           <a:spcPct val="90000"/>
         </a:lnSpc>
         <a:spcBef>
-          <a:spcPts val="200"/>
+          <a:spcPts val="500"/>
         </a:spcBef>
-        <a:spcAft>
-          <a:spcPts val="400"/>
-        </a:spcAft>
-        <a:buClr>
-          <a:schemeClr val="accent1"/>
-        </a:buClr>
-        <a:buFont typeface="Calibri" pitchFamily="34" charset="0"/>
-        <a:buChar char="◦"/>
-        <a:defRPr sz="1400" kern="1200">
+        <a:buFont typeface="Arial" panose="020B0604020202020204" pitchFamily="34" charset="0"/>
+        <a:buChar char="•"/>
+        <a:defRPr sz="1800" kern="1200">
           <a:solidFill>
-            <a:schemeClr val="tx1">
-              <a:lumMod val="75000"/>
-              <a:lumOff val="25000"/>
-            </a:schemeClr>
+            <a:schemeClr val="tx1"/>
           </a:solidFill>
           <a:latin typeface="+mn-lt"/>
           <a:ea typeface="+mn-ea"/>
@@ -4545,7 +3989,7 @@
     </p:bodyStyle>
     <p:otherStyle>
       <a:defPPr>
-        <a:defRPr lang="en-US"/>
+        <a:defRPr lang="zh-CN"/>
       </a:defPPr>
       <a:lvl1pPr marL="0" algn="l" defTabSz="914400" rtl="0" eaLnBrk="1" latinLnBrk="0" hangingPunct="1">
         <a:defRPr sz="1800" kern="1200">
@@ -5805,62 +5249,62 @@
 </file>
 
 <file path=ppt/theme/theme1.xml><?xml version="1.0" encoding="utf-8"?>
-<a:theme xmlns:a="http://schemas.openxmlformats.org/drawingml/2006/main" name="mythm">
+<a:theme xmlns:a="http://schemas.openxmlformats.org/drawingml/2006/main" name="1">
   <a:themeElements>
-    <a:clrScheme name="AnalogousFromRegularSeedRightStep">
+    <a:clrScheme name="Office">
       <a:dk1>
-        <a:srgbClr val="000000"/>
+        <a:sysClr val="windowText" lastClr="000000"/>
       </a:dk1>
       <a:lt1>
-        <a:srgbClr val="FFFFFF"/>
+        <a:sysClr val="window" lastClr="FFFFFF"/>
       </a:lt1>
       <a:dk2>
-        <a:srgbClr val="242E41"/>
+        <a:srgbClr val="44546A"/>
       </a:dk2>
       <a:lt2>
-        <a:srgbClr val="E8E2E5"/>
+        <a:srgbClr val="E7E6E6"/>
       </a:lt2>
       <a:accent1>
-        <a:srgbClr val="47B475"/>
+        <a:srgbClr val="4472C4"/>
       </a:accent1>
       <a:accent2>
-        <a:srgbClr val="3BB19E"/>
+        <a:srgbClr val="ED7D31"/>
       </a:accent2>
       <a:accent3>
-        <a:srgbClr val="4DA5C3"/>
+        <a:srgbClr val="A5A5A5"/>
       </a:accent3>
       <a:accent4>
-        <a:srgbClr val="3B62B1"/>
+        <a:srgbClr val="FFC000"/>
       </a:accent4>
       <a:accent5>
-        <a:srgbClr val="574DC3"/>
+        <a:srgbClr val="5B9BD5"/>
       </a:accent5>
       <a:accent6>
-        <a:srgbClr val="793FB3"/>
+        <a:srgbClr val="70AD47"/>
       </a:accent6>
       <a:hlink>
-        <a:srgbClr val="C2498F"/>
+        <a:srgbClr val="0563C1"/>
       </a:hlink>
       <a:folHlink>
-        <a:srgbClr val="7F7F7F"/>
+        <a:srgbClr val="954F72"/>
       </a:folHlink>
     </a:clrScheme>
-    <a:fontScheme name="Trebuchet MS">
+    <a:fontScheme name="Office">
       <a:majorFont>
-        <a:latin typeface="Trebuchet MS" panose="020B0603020202020204"/>
+        <a:latin typeface="等线 Light" panose="020F0302020204030204"/>
         <a:ea typeface=""/>
         <a:cs typeface=""/>
-        <a:font script="Jpan" typeface="HGｺﾞｼｯｸM"/>
+        <a:font script="Jpan" typeface="游ゴシック Light"/>
         <a:font script="Hang" typeface="맑은 고딕"/>
-        <a:font script="Hans" typeface="方正姚体"/>
-        <a:font script="Hant" typeface="微軟正黑體"/>
-        <a:font script="Arab" typeface="Tahoma"/>
-        <a:font script="Hebr" typeface="Arial"/>
-        <a:font script="Thai" typeface="Cordia New"/>
+        <a:font script="Hans" typeface="等线 Light"/>
+        <a:font script="Hant" typeface="新細明體"/>
+        <a:font script="Arab" typeface="Times New Roman"/>
+        <a:font script="Hebr" typeface="Times New Roman"/>
+        <a:font script="Thai" typeface="Angsana New"/>
         <a:font script="Ethi" typeface="Nyala"/>
         <a:font script="Beng" typeface="Vrinda"/>
         <a:font script="Gujr" typeface="Shruti"/>
-        <a:font script="Khmr" typeface="DaunPenh"/>
+        <a:font script="Khmr" typeface="MoolBoran"/>
         <a:font script="Knda" typeface="Tunga"/>
         <a:font script="Guru" typeface="Raavi"/>
         <a:font script="Cans" typeface="Euphemia"/>
@@ -5877,21 +5321,38 @@
         <a:font script="Laoo" typeface="DokChampa"/>
         <a:font script="Sinh" typeface="Iskoola Pota"/>
         <a:font script="Mong" typeface="Mongolian Baiti"/>
-        <a:font script="Viet" typeface="Tahoma"/>
+        <a:font script="Viet" typeface="Times New Roman"/>
         <a:font script="Uigh" typeface="Microsoft Uighur"/>
         <a:font script="Geor" typeface="Sylfaen"/>
+        <a:font script="Armn" typeface="Arial"/>
+        <a:font script="Bugi" typeface="Leelawadee UI"/>
+        <a:font script="Bopo" typeface="Microsoft JhengHei"/>
+        <a:font script="Java" typeface="Javanese Text"/>
+        <a:font script="Lisu" typeface="Segoe UI"/>
+        <a:font script="Mymr" typeface="Myanmar Text"/>
+        <a:font script="Nkoo" typeface="Ebrima"/>
+        <a:font script="Olck" typeface="Nirmala UI"/>
+        <a:font script="Osma" typeface="Ebrima"/>
+        <a:font script="Phag" typeface="Phagspa"/>
+        <a:font script="Syrn" typeface="Estrangelo Edessa"/>
+        <a:font script="Syrj" typeface="Estrangelo Edessa"/>
+        <a:font script="Syre" typeface="Estrangelo Edessa"/>
+        <a:font script="Sora" typeface="Nirmala UI"/>
+        <a:font script="Tale" typeface="Microsoft Tai Le"/>
+        <a:font script="Talu" typeface="Microsoft New Tai Lue"/>
+        <a:font script="Tfng" typeface="Ebrima"/>
       </a:majorFont>
       <a:minorFont>
-        <a:latin typeface="Trebuchet MS" panose="020B0603020202020204"/>
+        <a:latin typeface="等线" panose="020F0502020204030204"/>
         <a:ea typeface=""/>
         <a:cs typeface=""/>
-        <a:font script="Jpan" typeface="HG丸ｺﾞｼｯｸM-PRO"/>
-        <a:font script="Hang" typeface="HY그래픽M"/>
-        <a:font script="Hans" typeface="华文新魏"/>
-        <a:font script="Hant" typeface="微軟正黑體"/>
-        <a:font script="Arab" typeface="Tahoma"/>
-        <a:font script="Hebr" typeface="Gisha"/>
-        <a:font script="Thai" typeface="IrisUPC"/>
+        <a:font script="Jpan" typeface="游ゴシック"/>
+        <a:font script="Hang" typeface="맑은 고딕"/>
+        <a:font script="Hans" typeface="等线"/>
+        <a:font script="Hant" typeface="新細明體"/>
+        <a:font script="Arab" typeface="Arial"/>
+        <a:font script="Hebr" typeface="Arial"/>
+        <a:font script="Thai" typeface="Cordia New"/>
         <a:font script="Ethi" typeface="Nyala"/>
         <a:font script="Beng" typeface="Vrinda"/>
         <a:font script="Gujr" typeface="Shruti"/>
@@ -5915,9 +5376,26 @@
         <a:font script="Viet" typeface="Arial"/>
         <a:font script="Uigh" typeface="Microsoft Uighur"/>
         <a:font script="Geor" typeface="Sylfaen"/>
+        <a:font script="Armn" typeface="Arial"/>
+        <a:font script="Bugi" typeface="Leelawadee UI"/>
+        <a:font script="Bopo" typeface="Microsoft JhengHei"/>
+        <a:font script="Java" typeface="Javanese Text"/>
+        <a:font script="Lisu" typeface="Segoe UI"/>
+        <a:font script="Mymr" typeface="Myanmar Text"/>
+        <a:font script="Nkoo" typeface="Ebrima"/>
+        <a:font script="Olck" typeface="Nirmala UI"/>
+        <a:font script="Osma" typeface="Ebrima"/>
+        <a:font script="Phag" typeface="Phagspa"/>
+        <a:font script="Syrn" typeface="Estrangelo Edessa"/>
+        <a:font script="Syrj" typeface="Estrangelo Edessa"/>
+        <a:font script="Syre" typeface="Estrangelo Edessa"/>
+        <a:font script="Sora" typeface="Nirmala UI"/>
+        <a:font script="Tale" typeface="Microsoft Tai Le"/>
+        <a:font script="Talu" typeface="Microsoft New Tai Lue"/>
+        <a:font script="Tfng" typeface="Ebrima"/>
       </a:minorFont>
     </a:fontScheme>
-    <a:fmtScheme name="回顾">
+    <a:fmtScheme name="Office">
       <a:fillStyleLst>
         <a:solidFill>
           <a:schemeClr val="phClr"/>
@@ -5926,81 +5404,76 @@
           <a:gsLst>
             <a:gs pos="0">
               <a:schemeClr val="phClr">
-                <a:tint val="65000"/>
-                <a:shade val="92000"/>
-                <a:satMod val="130000"/>
+                <a:lumMod val="110000"/>
+                <a:satMod val="105000"/>
+                <a:tint val="67000"/>
               </a:schemeClr>
             </a:gs>
-            <a:gs pos="45000">
+            <a:gs pos="50000">
               <a:schemeClr val="phClr">
-                <a:tint val="60000"/>
-                <a:shade val="99000"/>
-                <a:satMod val="120000"/>
+                <a:lumMod val="105000"/>
+                <a:satMod val="103000"/>
+                <a:tint val="73000"/>
               </a:schemeClr>
             </a:gs>
             <a:gs pos="100000">
               <a:schemeClr val="phClr">
-                <a:tint val="55000"/>
-                <a:satMod val="140000"/>
+                <a:lumMod val="105000"/>
+                <a:satMod val="109000"/>
+                <a:tint val="81000"/>
               </a:schemeClr>
             </a:gs>
           </a:gsLst>
-          <a:path path="circle">
-            <a:fillToRect l="100000" t="100000" r="100000" b="100000"/>
-          </a:path>
+          <a:lin ang="5400000" scaled="0"/>
         </a:gradFill>
         <a:gradFill rotWithShape="1">
           <a:gsLst>
             <a:gs pos="0">
               <a:schemeClr val="phClr">
-                <a:shade val="85000"/>
-                <a:satMod val="130000"/>
+                <a:satMod val="103000"/>
+                <a:lumMod val="102000"/>
+                <a:tint val="94000"/>
               </a:schemeClr>
             </a:gs>
-            <a:gs pos="34000">
+            <a:gs pos="50000">
               <a:schemeClr val="phClr">
-                <a:shade val="87000"/>
-                <a:satMod val="125000"/>
-              </a:schemeClr>
-            </a:gs>
-            <a:gs pos="70000">
-              <a:schemeClr val="phClr">
-                <a:tint val="100000"/>
-                <a:shade val="90000"/>
-                <a:satMod val="130000"/>
+                <a:satMod val="110000"/>
+                <a:lumMod val="100000"/>
+                <a:shade val="100000"/>
               </a:schemeClr>
             </a:gs>
             <a:gs pos="100000">
               <a:schemeClr val="phClr">
-                <a:tint val="100000"/>
-                <a:shade val="100000"/>
-                <a:satMod val="110000"/>
+                <a:lumMod val="99000"/>
+                <a:satMod val="120000"/>
+                <a:shade val="78000"/>
               </a:schemeClr>
             </a:gs>
           </a:gsLst>
-          <a:path path="circle">
-            <a:fillToRect l="100000" t="100000" r="100000" b="100000"/>
-          </a:path>
+          <a:lin ang="5400000" scaled="0"/>
         </a:gradFill>
       </a:fillStyleLst>
       <a:lnStyleLst>
+        <a:ln w="6350" cap="flat" cmpd="sng" algn="ctr">
+          <a:solidFill>
+            <a:schemeClr val="phClr"/>
+          </a:solidFill>
+          <a:prstDash val="solid"/>
+          <a:miter lim="800000"/>
+        </a:ln>
         <a:ln w="12700" cap="flat" cmpd="sng" algn="ctr">
           <a:solidFill>
             <a:schemeClr val="phClr"/>
           </a:solidFill>
           <a:prstDash val="solid"/>
+          <a:miter lim="800000"/>
         </a:ln>
-        <a:ln w="15875" cap="flat" cmpd="sng" algn="ctr">
+        <a:ln w="19050" cap="flat" cmpd="sng" algn="ctr">
           <a:solidFill>
             <a:schemeClr val="phClr"/>
           </a:solidFill>
           <a:prstDash val="solid"/>
-        </a:ln>
-        <a:ln w="25400" cap="flat" cmpd="sng" algn="ctr">
-          <a:solidFill>
-            <a:schemeClr val="phClr"/>
-          </a:solidFill>
-          <a:prstDash val="solid"/>
+          <a:miter lim="800000"/>
         </a:ln>
       </a:lnStyleLst>
       <a:effectStyleLst>
@@ -6008,33 +5481,16 @@
           <a:effectLst/>
         </a:effectStyle>
         <a:effectStyle>
+          <a:effectLst/>
+        </a:effectStyle>
+        <a:effectStyle>
           <a:effectLst>
-            <a:outerShdw blurRad="38100" dist="25400" dir="2700000" algn="br" rotWithShape="0">
+            <a:outerShdw blurRad="57150" dist="19050" dir="5400000" algn="ctr" rotWithShape="0">
               <a:srgbClr val="000000">
-                <a:alpha val="60000"/>
+                <a:alpha val="63000"/>
               </a:srgbClr>
             </a:outerShdw>
           </a:effectLst>
-        </a:effectStyle>
-        <a:effectStyle>
-          <a:effectLst>
-            <a:outerShdw blurRad="44450" dist="25400" dir="2700000" algn="br" rotWithShape="0">
-              <a:srgbClr val="000000">
-                <a:alpha val="60000"/>
-              </a:srgbClr>
-            </a:outerShdw>
-          </a:effectLst>
-          <a:scene3d>
-            <a:camera prst="orthographicFront">
-              <a:rot lat="0" lon="0" rev="0"/>
-            </a:camera>
-            <a:lightRig rig="threePt" dir="t">
-              <a:rot lat="0" lon="0" rev="19800000"/>
-            </a:lightRig>
-          </a:scene3d>
-          <a:sp3d prstMaterial="flat">
-            <a:bevelT w="25400" h="31750"/>
-          </a:sp3d>
         </a:effectStyle>
       </a:effectStyleLst>
       <a:bgFillStyleLst>
@@ -6043,36 +5499,36 @@
         </a:solidFill>
         <a:solidFill>
           <a:schemeClr val="phClr">
-            <a:tint val="90000"/>
-            <a:shade val="97000"/>
-            <a:satMod val="130000"/>
+            <a:tint val="95000"/>
+            <a:satMod val="170000"/>
           </a:schemeClr>
         </a:solidFill>
         <a:gradFill rotWithShape="1">
           <a:gsLst>
             <a:gs pos="0">
               <a:schemeClr val="phClr">
-                <a:tint val="96000"/>
-                <a:shade val="99000"/>
-                <a:satMod val="140000"/>
+                <a:tint val="93000"/>
+                <a:satMod val="150000"/>
+                <a:shade val="98000"/>
+                <a:lumMod val="102000"/>
               </a:schemeClr>
             </a:gs>
-            <a:gs pos="65000">
+            <a:gs pos="50000">
               <a:schemeClr val="phClr">
-                <a:tint val="100000"/>
-                <a:shade val="80000"/>
+                <a:tint val="98000"/>
                 <a:satMod val="130000"/>
+                <a:shade val="90000"/>
+                <a:lumMod val="103000"/>
               </a:schemeClr>
             </a:gs>
             <a:gs pos="100000">
               <a:schemeClr val="phClr">
-                <a:tint val="100000"/>
-                <a:shade val="48000"/>
+                <a:shade val="63000"/>
                 <a:satMod val="120000"/>
               </a:schemeClr>
             </a:gs>
           </a:gsLst>
-          <a:lin ang="16200000" scaled="0"/>
+          <a:lin ang="5400000" scaled="0"/>
         </a:gradFill>
       </a:bgFillStyleLst>
     </a:fmtScheme>
@@ -6081,7 +5537,7 @@
   <a:extraClrSchemeLst/>
   <a:extLst>
     <a:ext uri="{05A4C25C-085E-4340-85A3-A5531E510DB2}">
-      <thm15:themeFamily xmlns:thm15="http://schemas.microsoft.com/office/thememl/2012/main" name="mythm" id="{6637BD51-5F45-F24F-A14F-D88F6B9A7F66}" vid="{D409F901-57EC-5747-AD4C-E88F008937C1}"/>
+      <thm15:themeFamily xmlns:thm15="http://schemas.microsoft.com/office/thememl/2012/main" name="1" id="{C7FB62AC-EC38-6D4D-B7AF-02AF28B42996}" vid="{EF539FA4-448F-9B49-A1B0-138C0A8C91A8}"/>
     </a:ext>
   </a:extLst>
 </a:theme>
